--- a/pitchNinja Ball.pptx
+++ b/pitchNinja Ball.pptx
@@ -7,10 +7,13 @@
   <p:sldIdLst>
     <p:sldId id="256" r:id="rId2"/>
     <p:sldId id="257" r:id="rId3"/>
-    <p:sldId id="258" r:id="rId4"/>
-    <p:sldId id="259" r:id="rId5"/>
-    <p:sldId id="260" r:id="rId6"/>
-    <p:sldId id="261" r:id="rId7"/>
+    <p:sldId id="263" r:id="rId4"/>
+    <p:sldId id="265" r:id="rId5"/>
+    <p:sldId id="258" r:id="rId6"/>
+    <p:sldId id="259" r:id="rId7"/>
+    <p:sldId id="260" r:id="rId8"/>
+    <p:sldId id="261" r:id="rId9"/>
+    <p:sldId id="262" r:id="rId10"/>
   </p:sldIdLst>
   <p:sldSz cx="12192000" cy="6858000"/>
   <p:notesSz cx="6858000" cy="9144000"/>
@@ -109,7 +112,210 @@
       </a:defRPr>
     </a:lvl9pPr>
   </p:defaultTextStyle>
+  <p:extLst>
+    <p:ext uri="{EFAFB233-063F-42B5-8137-9DF3F51BA10A}">
+      <p15:sldGuideLst xmlns:p15="http://schemas.microsoft.com/office/powerpoint/2012/main"/>
+    </p:ext>
+  </p:extLst>
 </p:presentation>
+</file>
+
+<file path=ppt/revisionInfo.xml><?xml version="1.0" encoding="utf-8"?>
+<p1510:revInfo xmlns:a="http://schemas.openxmlformats.org/drawingml/2006/main" xmlns:r="http://schemas.openxmlformats.org/officeDocument/2006/relationships" xmlns:p1510="http://schemas.microsoft.com/office/powerpoint/2015/10/main">
+  <p1510:revLst>
+    <p1510:client id="{A5B6DC77-09AD-4751-92D6-337F352E993D}" v="4" dt="2020-02-24T13:37:57.364"/>
+  </p1510:revLst>
+</p1510:revInfo>
+</file>
+
+<file path=ppt/changesInfos/changesInfo1.xml><?xml version="1.0" encoding="utf-8"?>
+<pc:chgInfo xmlns:a="http://schemas.openxmlformats.org/drawingml/2006/main" xmlns:r="http://schemas.openxmlformats.org/officeDocument/2006/relationships" xmlns:ac="http://schemas.microsoft.com/office/drawing/2013/main/command" xmlns:pc="http://schemas.microsoft.com/office/powerpoint/2013/main/command">
+  <pc:docChgLst>
+    <pc:chgData name="ronan mcmorrow" userId="62c5ea8f01ef7d1c" providerId="LiveId" clId="{A5B6DC77-09AD-4751-92D6-337F352E993D}"/>
+    <pc:docChg chg="custSel addSld delSld modSld sldOrd">
+      <pc:chgData name="ronan mcmorrow" userId="62c5ea8f01ef7d1c" providerId="LiveId" clId="{A5B6DC77-09AD-4751-92D6-337F352E993D}" dt="2020-02-24T13:43:50.337" v="2015" actId="2710"/>
+      <pc:docMkLst>
+        <pc:docMk/>
+      </pc:docMkLst>
+      <pc:sldChg chg="modSp mod">
+        <pc:chgData name="ronan mcmorrow" userId="62c5ea8f01ef7d1c" providerId="LiveId" clId="{A5B6DC77-09AD-4751-92D6-337F352E993D}" dt="2020-02-24T13:35:16.574" v="1822" actId="27636"/>
+        <pc:sldMkLst>
+          <pc:docMk/>
+          <pc:sldMk cId="4156524245" sldId="257"/>
+        </pc:sldMkLst>
+        <pc:spChg chg="mod">
+          <ac:chgData name="ronan mcmorrow" userId="62c5ea8f01ef7d1c" providerId="LiveId" clId="{A5B6DC77-09AD-4751-92D6-337F352E993D}" dt="2020-02-24T13:35:16.574" v="1822" actId="27636"/>
+          <ac:spMkLst>
+            <pc:docMk/>
+            <pc:sldMk cId="4156524245" sldId="257"/>
+            <ac:spMk id="3" creationId="{5F508147-92F8-4D2D-89A3-AD0EF1E8D241}"/>
+          </ac:spMkLst>
+        </pc:spChg>
+      </pc:sldChg>
+      <pc:sldChg chg="modSp mod">
+        <pc:chgData name="ronan mcmorrow" userId="62c5ea8f01ef7d1c" providerId="LiveId" clId="{A5B6DC77-09AD-4751-92D6-337F352E993D}" dt="2020-02-24T13:32:24.379" v="1648" actId="20577"/>
+        <pc:sldMkLst>
+          <pc:docMk/>
+          <pc:sldMk cId="1402731838" sldId="258"/>
+        </pc:sldMkLst>
+        <pc:spChg chg="mod">
+          <ac:chgData name="ronan mcmorrow" userId="62c5ea8f01ef7d1c" providerId="LiveId" clId="{A5B6DC77-09AD-4751-92D6-337F352E993D}" dt="2020-02-24T13:32:24.379" v="1648" actId="20577"/>
+          <ac:spMkLst>
+            <pc:docMk/>
+            <pc:sldMk cId="1402731838" sldId="258"/>
+            <ac:spMk id="2" creationId="{DD6BA270-E013-4E92-A438-799F270B3523}"/>
+          </ac:spMkLst>
+        </pc:spChg>
+        <pc:spChg chg="mod">
+          <ac:chgData name="ronan mcmorrow" userId="62c5ea8f01ef7d1c" providerId="LiveId" clId="{A5B6DC77-09AD-4751-92D6-337F352E993D}" dt="2020-02-24T13:32:14.757" v="1629" actId="20577"/>
+          <ac:spMkLst>
+            <pc:docMk/>
+            <pc:sldMk cId="1402731838" sldId="258"/>
+            <ac:spMk id="3" creationId="{2BB0C16A-8EDA-4151-AF1F-837BB460A521}"/>
+          </ac:spMkLst>
+        </pc:spChg>
+      </pc:sldChg>
+      <pc:sldChg chg="modSp mod">
+        <pc:chgData name="ronan mcmorrow" userId="62c5ea8f01ef7d1c" providerId="LiveId" clId="{A5B6DC77-09AD-4751-92D6-337F352E993D}" dt="2020-02-24T13:33:46.295" v="1814" actId="20577"/>
+        <pc:sldMkLst>
+          <pc:docMk/>
+          <pc:sldMk cId="1382304216" sldId="259"/>
+        </pc:sldMkLst>
+        <pc:spChg chg="mod">
+          <ac:chgData name="ronan mcmorrow" userId="62c5ea8f01ef7d1c" providerId="LiveId" clId="{A5B6DC77-09AD-4751-92D6-337F352E993D}" dt="2020-02-24T13:32:38.488" v="1661" actId="20577"/>
+          <ac:spMkLst>
+            <pc:docMk/>
+            <pc:sldMk cId="1382304216" sldId="259"/>
+            <ac:spMk id="2" creationId="{E5CFEB99-0E98-4565-B0C6-72DD02036C4C}"/>
+          </ac:spMkLst>
+        </pc:spChg>
+        <pc:spChg chg="mod">
+          <ac:chgData name="ronan mcmorrow" userId="62c5ea8f01ef7d1c" providerId="LiveId" clId="{A5B6DC77-09AD-4751-92D6-337F352E993D}" dt="2020-02-24T13:33:46.295" v="1814" actId="20577"/>
+          <ac:spMkLst>
+            <pc:docMk/>
+            <pc:sldMk cId="1382304216" sldId="259"/>
+            <ac:spMk id="3" creationId="{88B20F6D-DF89-4B26-BBCC-5B7E8266192F}"/>
+          </ac:spMkLst>
+        </pc:spChg>
+      </pc:sldChg>
+      <pc:sldChg chg="modSp mod">
+        <pc:chgData name="ronan mcmorrow" userId="62c5ea8f01ef7d1c" providerId="LiveId" clId="{A5B6DC77-09AD-4751-92D6-337F352E993D}" dt="2020-02-24T13:20:44.625" v="942" actId="20577"/>
+        <pc:sldMkLst>
+          <pc:docMk/>
+          <pc:sldMk cId="2049431441" sldId="261"/>
+        </pc:sldMkLst>
+        <pc:spChg chg="mod">
+          <ac:chgData name="ronan mcmorrow" userId="62c5ea8f01ef7d1c" providerId="LiveId" clId="{A5B6DC77-09AD-4751-92D6-337F352E993D}" dt="2020-02-24T13:20:44.625" v="942" actId="20577"/>
+          <ac:spMkLst>
+            <pc:docMk/>
+            <pc:sldMk cId="2049431441" sldId="261"/>
+            <ac:spMk id="2" creationId="{76FAF4AA-899F-4BAE-8D34-A063ED4ACF31}"/>
+          </ac:spMkLst>
+        </pc:spChg>
+        <pc:spChg chg="mod">
+          <ac:chgData name="ronan mcmorrow" userId="62c5ea8f01ef7d1c" providerId="LiveId" clId="{A5B6DC77-09AD-4751-92D6-337F352E993D}" dt="2020-02-24T13:20:18.840" v="924" actId="20577"/>
+          <ac:spMkLst>
+            <pc:docMk/>
+            <pc:sldMk cId="2049431441" sldId="261"/>
+            <ac:spMk id="3" creationId="{E2435397-0605-421A-8606-F5B33F4DBA74}"/>
+          </ac:spMkLst>
+        </pc:spChg>
+      </pc:sldChg>
+      <pc:sldChg chg="modSp add mod">
+        <pc:chgData name="ronan mcmorrow" userId="62c5ea8f01ef7d1c" providerId="LiveId" clId="{A5B6DC77-09AD-4751-92D6-337F352E993D}" dt="2020-02-24T13:22:44.309" v="1161" actId="20577"/>
+        <pc:sldMkLst>
+          <pc:docMk/>
+          <pc:sldMk cId="2839923536" sldId="262"/>
+        </pc:sldMkLst>
+        <pc:spChg chg="mod">
+          <ac:chgData name="ronan mcmorrow" userId="62c5ea8f01ef7d1c" providerId="LiveId" clId="{A5B6DC77-09AD-4751-92D6-337F352E993D}" dt="2020-02-24T13:20:33.125" v="934" actId="20577"/>
+          <ac:spMkLst>
+            <pc:docMk/>
+            <pc:sldMk cId="2839923536" sldId="262"/>
+            <ac:spMk id="2" creationId="{CB2BC635-B633-4AA5-A148-AC2F6D79C568}"/>
+          </ac:spMkLst>
+        </pc:spChg>
+        <pc:spChg chg="mod">
+          <ac:chgData name="ronan mcmorrow" userId="62c5ea8f01ef7d1c" providerId="LiveId" clId="{A5B6DC77-09AD-4751-92D6-337F352E993D}" dt="2020-02-24T13:22:44.309" v="1161" actId="20577"/>
+          <ac:spMkLst>
+            <pc:docMk/>
+            <pc:sldMk cId="2839923536" sldId="262"/>
+            <ac:spMk id="3" creationId="{08490D31-8786-4BC5-9CF3-4545E8660F10}"/>
+          </ac:spMkLst>
+        </pc:spChg>
+      </pc:sldChg>
+      <pc:sldChg chg="modSp add mod ord">
+        <pc:chgData name="ronan mcmorrow" userId="62c5ea8f01ef7d1c" providerId="LiveId" clId="{A5B6DC77-09AD-4751-92D6-337F352E993D}" dt="2020-02-24T13:36:31.696" v="1826"/>
+        <pc:sldMkLst>
+          <pc:docMk/>
+          <pc:sldMk cId="151082320" sldId="263"/>
+        </pc:sldMkLst>
+        <pc:spChg chg="mod">
+          <ac:chgData name="ronan mcmorrow" userId="62c5ea8f01ef7d1c" providerId="LiveId" clId="{A5B6DC77-09AD-4751-92D6-337F352E993D}" dt="2020-02-24T13:23:37.065" v="1170" actId="20577"/>
+          <ac:spMkLst>
+            <pc:docMk/>
+            <pc:sldMk cId="151082320" sldId="263"/>
+            <ac:spMk id="2" creationId="{E5FE8200-B905-4A37-821C-A7E1FFF41CD5}"/>
+          </ac:spMkLst>
+        </pc:spChg>
+        <pc:spChg chg="mod">
+          <ac:chgData name="ronan mcmorrow" userId="62c5ea8f01ef7d1c" providerId="LiveId" clId="{A5B6DC77-09AD-4751-92D6-337F352E993D}" dt="2020-02-24T13:35:40.592" v="1824" actId="2710"/>
+          <ac:spMkLst>
+            <pc:docMk/>
+            <pc:sldMk cId="151082320" sldId="263"/>
+            <ac:spMk id="3" creationId="{9E18A99B-04CA-4393-BC72-53FD98C5B780}"/>
+          </ac:spMkLst>
+        </pc:spChg>
+      </pc:sldChg>
+      <pc:sldChg chg="modSp add del mod">
+        <pc:chgData name="ronan mcmorrow" userId="62c5ea8f01ef7d1c" providerId="LiveId" clId="{A5B6DC77-09AD-4751-92D6-337F352E993D}" dt="2020-02-24T13:40:06.396" v="1859" actId="2696"/>
+        <pc:sldMkLst>
+          <pc:docMk/>
+          <pc:sldMk cId="1902185752" sldId="264"/>
+        </pc:sldMkLst>
+        <pc:spChg chg="mod">
+          <ac:chgData name="ronan mcmorrow" userId="62c5ea8f01ef7d1c" providerId="LiveId" clId="{A5B6DC77-09AD-4751-92D6-337F352E993D}" dt="2020-02-24T13:37:23.654" v="1841" actId="20577"/>
+          <ac:spMkLst>
+            <pc:docMk/>
+            <pc:sldMk cId="1902185752" sldId="264"/>
+            <ac:spMk id="2" creationId="{F67D2272-7F90-4744-B1C2-B7FCB978A5BD}"/>
+          </ac:spMkLst>
+        </pc:spChg>
+        <pc:spChg chg="mod">
+          <ac:chgData name="ronan mcmorrow" userId="62c5ea8f01ef7d1c" providerId="LiveId" clId="{A5B6DC77-09AD-4751-92D6-337F352E993D}" dt="2020-02-24T13:37:31.342" v="1849" actId="20577"/>
+          <ac:spMkLst>
+            <pc:docMk/>
+            <pc:sldMk cId="1902185752" sldId="264"/>
+            <ac:spMk id="3" creationId="{63C0B77A-F958-40AA-8DED-1F6A55B04179}"/>
+          </ac:spMkLst>
+        </pc:spChg>
+      </pc:sldChg>
+      <pc:sldChg chg="modSp add mod">
+        <pc:chgData name="ronan mcmorrow" userId="62c5ea8f01ef7d1c" providerId="LiveId" clId="{A5B6DC77-09AD-4751-92D6-337F352E993D}" dt="2020-02-24T13:43:50.337" v="2015" actId="2710"/>
+        <pc:sldMkLst>
+          <pc:docMk/>
+          <pc:sldMk cId="2420233417" sldId="265"/>
+        </pc:sldMkLst>
+        <pc:spChg chg="mod">
+          <ac:chgData name="ronan mcmorrow" userId="62c5ea8f01ef7d1c" providerId="LiveId" clId="{A5B6DC77-09AD-4751-92D6-337F352E993D}" dt="2020-02-24T13:40:44.190" v="1891" actId="20577"/>
+          <ac:spMkLst>
+            <pc:docMk/>
+            <pc:sldMk cId="2420233417" sldId="265"/>
+            <ac:spMk id="2" creationId="{19F8F2E0-208C-47F2-AB9A-77F0F3038A30}"/>
+          </ac:spMkLst>
+        </pc:spChg>
+        <pc:spChg chg="mod">
+          <ac:chgData name="ronan mcmorrow" userId="62c5ea8f01ef7d1c" providerId="LiveId" clId="{A5B6DC77-09AD-4751-92D6-337F352E993D}" dt="2020-02-24T13:43:50.337" v="2015" actId="2710"/>
+          <ac:spMkLst>
+            <pc:docMk/>
+            <pc:sldMk cId="2420233417" sldId="265"/>
+            <ac:spMk id="3" creationId="{A7E9EDFB-68D8-480B-A5EB-98162DFAB6C4}"/>
+          </ac:spMkLst>
+        </pc:spChg>
+      </pc:sldChg>
+    </pc:docChg>
+  </pc:docChgLst>
+</pc:chgInfo>
 </file>
 
 <file path=ppt/slideLayouts/slideLayout1.xml><?xml version="1.0" encoding="utf-8"?>
@@ -448,7 +654,7 @@
             <a:fld id="{5923F103-BC34-4FE4-A40E-EDDEECFDA5D0}" type="datetimeFigureOut">
               <a:rPr lang="en-US" dirty="0"/>
               <a:pPr/>
-              <a:t>2/19/2020</a:t>
+              <a:t>2/24/2020</a:t>
             </a:fld>
             <a:endParaRPr lang="en-US" dirty="0"/>
           </a:p>
@@ -1536,7 +1742,7 @@
           <a:p>
             <a:fld id="{923A1CC3-2375-41D4-9E03-427CAF2A4C1A}" type="datetimeFigureOut">
               <a:rPr lang="en-US" dirty="0"/>
-              <a:t>2/19/2020</a:t>
+              <a:t>2/24/2020</a:t>
             </a:fld>
             <a:endParaRPr lang="en-US" dirty="0"/>
           </a:p>
@@ -2516,7 +2722,7 @@
           <a:p>
             <a:fld id="{AFF16868-8199-4C2C-A5B1-63AEE139F88E}" type="datetimeFigureOut">
               <a:rPr lang="en-US" dirty="0"/>
-              <a:t>2/19/2020</a:t>
+              <a:t>2/24/2020</a:t>
             </a:fld>
             <a:endParaRPr lang="en-US" dirty="0"/>
           </a:p>
@@ -3650,7 +3856,7 @@
           <a:p>
             <a:fld id="{AAD9FF7F-6988-44CC-821B-644E70CD2F73}" type="datetimeFigureOut">
               <a:rPr lang="en-US" dirty="0"/>
-              <a:t>2/19/2020</a:t>
+              <a:t>2/24/2020</a:t>
             </a:fld>
             <a:endParaRPr lang="en-US" dirty="0"/>
           </a:p>
@@ -4683,7 +4889,7 @@
           <a:p>
             <a:fld id="{5C12C299-16B2-4475-990D-751901EACC14}" type="datetimeFigureOut">
               <a:rPr lang="en-US" dirty="0"/>
-              <a:t>2/19/2020</a:t>
+              <a:t>2/24/2020</a:t>
             </a:fld>
             <a:endParaRPr lang="en-US" dirty="0"/>
           </a:p>
@@ -5343,7 +5549,7 @@
           <a:p>
             <a:fld id="{9FE86839-B9D8-4651-8783-F325ECE74E65}" type="datetimeFigureOut">
               <a:rPr lang="en-US" dirty="0"/>
-              <a:t>2/19/2020</a:t>
+              <a:t>2/24/2020</a:t>
             </a:fld>
             <a:endParaRPr lang="en-US" dirty="0"/>
           </a:p>
@@ -6204,7 +6410,7 @@
           <a:p>
             <a:fld id="{FD484F64-32F6-45C5-931F-ADC1662401D0}" type="datetimeFigureOut">
               <a:rPr lang="en-US" dirty="0"/>
-              <a:t>2/19/2020</a:t>
+              <a:t>2/24/2020</a:t>
             </a:fld>
             <a:endParaRPr lang="en-US" dirty="0"/>
           </a:p>
@@ -6394,7 +6600,7 @@
           <a:p>
             <a:fld id="{53086D93-FCAC-47E0-A2EE-787E62CA814C}" type="datetimeFigureOut">
               <a:rPr lang="en-US" dirty="0"/>
-              <a:t>2/19/2020</a:t>
+              <a:t>2/24/2020</a:t>
             </a:fld>
             <a:endParaRPr lang="en-US" dirty="0"/>
           </a:p>
@@ -7366,7 +7572,7 @@
           <a:p>
             <a:fld id="{CDA879A6-0FD0-4734-A311-86BFCA472E6E}" type="datetimeFigureOut">
               <a:rPr lang="en-US" dirty="0"/>
-              <a:t>2/19/2020</a:t>
+              <a:t>2/24/2020</a:t>
             </a:fld>
             <a:endParaRPr lang="en-US" dirty="0"/>
           </a:p>
@@ -7577,7 +7783,7 @@
           <a:p>
             <a:fld id="{19C9CA7B-DFD4-44B5-8C60-D14B8CD1FB59}" type="datetimeFigureOut">
               <a:rPr lang="en-US" dirty="0"/>
-              <a:t>2/19/2020</a:t>
+              <a:t>2/24/2020</a:t>
             </a:fld>
             <a:endParaRPr lang="en-US" dirty="0"/>
           </a:p>
@@ -8611,7 +8817,7 @@
           <a:p>
             <a:fld id="{F34E6425-0181-43F2-84FC-787E803FD2F8}" type="datetimeFigureOut">
               <a:rPr lang="en-US" dirty="0"/>
-              <a:t>2/19/2020</a:t>
+              <a:t>2/24/2020</a:t>
             </a:fld>
             <a:endParaRPr lang="en-US" dirty="0"/>
           </a:p>
@@ -8883,7 +9089,7 @@
           <a:p>
             <a:fld id="{3BDB8791-F1B0-41E7-B7FD-A781E65C4266}" type="datetimeFigureOut">
               <a:rPr lang="en-US" dirty="0"/>
-              <a:t>2/19/2020</a:t>
+              <a:t>2/24/2020</a:t>
             </a:fld>
             <a:endParaRPr lang="en-US" dirty="0"/>
           </a:p>
@@ -9293,7 +9499,7 @@
           <a:p>
             <a:fld id="{5FDD63B2-E120-4ED8-B27B-C685F510A5FE}" type="datetimeFigureOut">
               <a:rPr lang="en-US" dirty="0"/>
-              <a:t>2/19/2020</a:t>
+              <a:t>2/24/2020</a:t>
             </a:fld>
             <a:endParaRPr lang="en-US" dirty="0"/>
           </a:p>
@@ -9420,7 +9626,7 @@
           <a:p>
             <a:fld id="{7AA18ACC-A947-437B-A130-35BD54FDF1E9}" type="datetimeFigureOut">
               <a:rPr lang="en-US" dirty="0"/>
-              <a:t>2/19/2020</a:t>
+              <a:t>2/24/2020</a:t>
             </a:fld>
             <a:endParaRPr lang="en-US" dirty="0"/>
           </a:p>
@@ -9515,7 +9721,7 @@
           <a:p>
             <a:fld id="{7C8D7E02-BCB8-4D50-A234-369438C08659}" type="datetimeFigureOut">
               <a:rPr lang="en-US" dirty="0"/>
-              <a:t>2/19/2020</a:t>
+              <a:t>2/24/2020</a:t>
             </a:fld>
             <a:endParaRPr lang="en-US" dirty="0"/>
           </a:p>
@@ -10596,7 +10802,7 @@
           <a:p>
             <a:fld id="{76E86A4C-8E40-4F87-A4F0-01A0687C5742}" type="datetimeFigureOut">
               <a:rPr lang="en-US" dirty="0"/>
-              <a:t>2/19/2020</a:t>
+              <a:t>2/24/2020</a:t>
             </a:fld>
             <a:endParaRPr lang="en-US" dirty="0"/>
           </a:p>
@@ -11704,7 +11910,7 @@
           <a:p>
             <a:fld id="{35E72C73-2D91-4E12-BA25-F0AA0C03599B}" type="datetimeFigureOut">
               <a:rPr lang="en-US" dirty="0"/>
-              <a:t>2/19/2020</a:t>
+              <a:t>2/24/2020</a:t>
             </a:fld>
             <a:endParaRPr lang="en-US" dirty="0"/>
           </a:p>
@@ -12701,7 +12907,7 @@
           <a:p>
             <a:fld id="{2BE451C3-0FF4-47C4-B829-773ADF60F88C}" type="datetimeFigureOut">
               <a:rPr lang="en-US" dirty="0"/>
-              <a:t>2/19/2020</a:t>
+              <a:t>2/24/2020</a:t>
             </a:fld>
             <a:endParaRPr lang="en-US" dirty="0"/>
           </a:p>
@@ -13394,14 +13600,59 @@
             <p:ph idx="1"/>
           </p:nvPr>
         </p:nvSpPr>
-        <p:spPr/>
+        <p:spPr>
+          <a:xfrm>
+            <a:off x="1154954" y="2603499"/>
+            <a:ext cx="8825659" cy="3770667"/>
+          </a:xfrm>
+        </p:spPr>
         <p:txBody>
-          <a:bodyPr/>
+          <a:bodyPr>
+            <a:normAutofit/>
+          </a:bodyPr>
           <a:lstStyle/>
           <a:p>
+            <a:pPr>
+              <a:lnSpc>
+                <a:spcPct val="300000"/>
+              </a:lnSpc>
+            </a:pPr>
             <a:r>
               <a:rPr lang="en-GB" dirty="0"/>
-              <a:t>Journey to the top of the tower </a:t>
+              <a:t>Embark on a Quest to the top of the tower to defeat the evil shogun</a:t>
+            </a:r>
+          </a:p>
+          <a:p>
+            <a:pPr>
+              <a:lnSpc>
+                <a:spcPct val="300000"/>
+              </a:lnSpc>
+            </a:pPr>
+            <a:r>
+              <a:rPr lang="en-GB" dirty="0"/>
+              <a:t>Fun levels full of obstacles pinball inspired obstacles</a:t>
+            </a:r>
+          </a:p>
+          <a:p>
+            <a:pPr>
+              <a:lnSpc>
+                <a:spcPct val="300000"/>
+              </a:lnSpc>
+            </a:pPr>
+            <a:r>
+              <a:rPr lang="en-GB" dirty="0"/>
+              <a:t>Fast paced platforming.</a:t>
+            </a:r>
+          </a:p>
+          <a:p>
+            <a:pPr>
+              <a:lnSpc>
+                <a:spcPct val="300000"/>
+              </a:lnSpc>
+            </a:pPr>
+            <a:r>
+              <a:rPr lang="en-GB" dirty="0"/>
+              <a:t>No death penalty to retain a sense of quick progression.</a:t>
             </a:r>
             <a:endParaRPr lang="en-IE" dirty="0"/>
           </a:p>
@@ -13442,6 +13693,264 @@
           <p:cNvPr id="2" name="Title 1">
             <a:extLst>
               <a:ext uri="{FF2B5EF4-FFF2-40B4-BE49-F238E27FC236}">
+                <a16:creationId xmlns:a16="http://schemas.microsoft.com/office/drawing/2014/main" id="{E5FE8200-B905-4A37-821C-A7E1FFF41CD5}"/>
+              </a:ext>
+            </a:extLst>
+          </p:cNvPr>
+          <p:cNvSpPr>
+            <a:spLocks noGrp="1"/>
+          </p:cNvSpPr>
+          <p:nvPr>
+            <p:ph type="title"/>
+          </p:nvPr>
+        </p:nvSpPr>
+        <p:spPr/>
+        <p:txBody>
+          <a:bodyPr/>
+          <a:lstStyle/>
+          <a:p>
+            <a:r>
+              <a:rPr lang="en-IE" dirty="0"/>
+              <a:t>Gameplay</a:t>
+            </a:r>
+          </a:p>
+        </p:txBody>
+      </p:sp>
+      <p:sp>
+        <p:nvSpPr>
+          <p:cNvPr id="3" name="Content Placeholder 2">
+            <a:extLst>
+              <a:ext uri="{FF2B5EF4-FFF2-40B4-BE49-F238E27FC236}">
+                <a16:creationId xmlns:a16="http://schemas.microsoft.com/office/drawing/2014/main" id="{9E18A99B-04CA-4393-BC72-53FD98C5B780}"/>
+              </a:ext>
+            </a:extLst>
+          </p:cNvPr>
+          <p:cNvSpPr>
+            <a:spLocks noGrp="1"/>
+          </p:cNvSpPr>
+          <p:nvPr>
+            <p:ph idx="1"/>
+          </p:nvPr>
+        </p:nvSpPr>
+        <p:spPr>
+          <a:xfrm>
+            <a:off x="1154954" y="2603500"/>
+            <a:ext cx="8825659" cy="4445370"/>
+          </a:xfrm>
+        </p:spPr>
+        <p:txBody>
+          <a:bodyPr/>
+          <a:lstStyle/>
+          <a:p>
+            <a:pPr>
+              <a:lnSpc>
+                <a:spcPct val="150000"/>
+              </a:lnSpc>
+            </a:pPr>
+            <a:r>
+              <a:rPr lang="en-IE" dirty="0"/>
+              <a:t>All levels will have the player start at the bottom of the level and attempt to move up to the top of the screen.</a:t>
+            </a:r>
+          </a:p>
+          <a:p>
+            <a:pPr>
+              <a:lnSpc>
+                <a:spcPct val="150000"/>
+              </a:lnSpc>
+            </a:pPr>
+            <a:endParaRPr lang="en-IE" dirty="0"/>
+          </a:p>
+          <a:p>
+            <a:pPr>
+              <a:lnSpc>
+                <a:spcPct val="150000"/>
+              </a:lnSpc>
+            </a:pPr>
+            <a:r>
+              <a:rPr lang="en-IE" dirty="0"/>
+              <a:t>Platforming will rely on the various obstacles to propel the player through the level.</a:t>
+            </a:r>
+          </a:p>
+          <a:p>
+            <a:pPr>
+              <a:lnSpc>
+                <a:spcPct val="150000"/>
+              </a:lnSpc>
+            </a:pPr>
+            <a:endParaRPr lang="en-IE" dirty="0"/>
+          </a:p>
+          <a:p>
+            <a:pPr>
+              <a:lnSpc>
+                <a:spcPct val="150000"/>
+              </a:lnSpc>
+            </a:pPr>
+            <a:r>
+              <a:rPr lang="en-IE" dirty="0"/>
+              <a:t>Final level will consist of a boss fight testing the skills the player has learned along the way.</a:t>
+            </a:r>
+          </a:p>
+        </p:txBody>
+      </p:sp>
+    </p:spTree>
+    <p:extLst>
+      <p:ext uri="{BB962C8B-B14F-4D97-AF65-F5344CB8AC3E}">
+        <p14:creationId xmlns:p14="http://schemas.microsoft.com/office/powerpoint/2010/main" val="151082320"/>
+      </p:ext>
+    </p:extLst>
+  </p:cSld>
+  <p:clrMapOvr>
+    <a:masterClrMapping/>
+  </p:clrMapOvr>
+</p:sld>
+</file>
+
+<file path=ppt/slides/slide4.xml><?xml version="1.0" encoding="utf-8"?>
+<p:sld xmlns:a="http://schemas.openxmlformats.org/drawingml/2006/main" xmlns:r="http://schemas.openxmlformats.org/officeDocument/2006/relationships" xmlns:p="http://schemas.openxmlformats.org/presentationml/2006/main">
+  <p:cSld>
+    <p:spTree>
+      <p:nvGrpSpPr>
+        <p:cNvPr id="1" name=""/>
+        <p:cNvGrpSpPr/>
+        <p:nvPr/>
+      </p:nvGrpSpPr>
+      <p:grpSpPr>
+        <a:xfrm>
+          <a:off x="0" y="0"/>
+          <a:ext cx="0" cy="0"/>
+          <a:chOff x="0" y="0"/>
+          <a:chExt cx="0" cy="0"/>
+        </a:xfrm>
+      </p:grpSpPr>
+      <p:sp>
+        <p:nvSpPr>
+          <p:cNvPr id="2" name="Title 1">
+            <a:extLst>
+              <a:ext uri="{FF2B5EF4-FFF2-40B4-BE49-F238E27FC236}">
+                <a16:creationId xmlns:a16="http://schemas.microsoft.com/office/drawing/2014/main" id="{19F8F2E0-208C-47F2-AB9A-77F0F3038A30}"/>
+              </a:ext>
+            </a:extLst>
+          </p:cNvPr>
+          <p:cNvSpPr>
+            <a:spLocks noGrp="1"/>
+          </p:cNvSpPr>
+          <p:nvPr>
+            <p:ph type="title"/>
+          </p:nvPr>
+        </p:nvSpPr>
+        <p:spPr/>
+        <p:txBody>
+          <a:bodyPr/>
+          <a:lstStyle/>
+          <a:p>
+            <a:r>
+              <a:rPr lang="en-IE" dirty="0"/>
+              <a:t>Character design and controls</a:t>
+            </a:r>
+          </a:p>
+        </p:txBody>
+      </p:sp>
+      <p:sp>
+        <p:nvSpPr>
+          <p:cNvPr id="3" name="Content Placeholder 2">
+            <a:extLst>
+              <a:ext uri="{FF2B5EF4-FFF2-40B4-BE49-F238E27FC236}">
+                <a16:creationId xmlns:a16="http://schemas.microsoft.com/office/drawing/2014/main" id="{A7E9EDFB-68D8-480B-A5EB-98162DFAB6C4}"/>
+              </a:ext>
+            </a:extLst>
+          </p:cNvPr>
+          <p:cNvSpPr>
+            <a:spLocks noGrp="1"/>
+          </p:cNvSpPr>
+          <p:nvPr>
+            <p:ph idx="1"/>
+          </p:nvPr>
+        </p:nvSpPr>
+        <p:spPr/>
+        <p:txBody>
+          <a:bodyPr/>
+          <a:lstStyle/>
+          <a:p>
+            <a:pPr>
+              <a:lnSpc>
+                <a:spcPct val="250000"/>
+              </a:lnSpc>
+            </a:pPr>
+            <a:r>
+              <a:rPr lang="en-IE" dirty="0"/>
+              <a:t>Vertical phone screen.</a:t>
+            </a:r>
+          </a:p>
+          <a:p>
+            <a:pPr>
+              <a:lnSpc>
+                <a:spcPct val="250000"/>
+              </a:lnSpc>
+            </a:pPr>
+            <a:r>
+              <a:rPr lang="en-IE" dirty="0"/>
+              <a:t>3 buttons left right and jump</a:t>
+            </a:r>
+          </a:p>
+          <a:p>
+            <a:pPr>
+              <a:lnSpc>
+                <a:spcPct val="250000"/>
+              </a:lnSpc>
+            </a:pPr>
+            <a:r>
+              <a:rPr lang="en-IE" dirty="0"/>
+              <a:t>Easy mid air control.</a:t>
+            </a:r>
+          </a:p>
+          <a:p>
+            <a:pPr>
+              <a:lnSpc>
+                <a:spcPct val="250000"/>
+              </a:lnSpc>
+            </a:pPr>
+            <a:r>
+              <a:rPr lang="en-IE" dirty="0"/>
+              <a:t>Jump button. </a:t>
+            </a:r>
+          </a:p>
+        </p:txBody>
+      </p:sp>
+    </p:spTree>
+    <p:extLst>
+      <p:ext uri="{BB962C8B-B14F-4D97-AF65-F5344CB8AC3E}">
+        <p14:creationId xmlns:p14="http://schemas.microsoft.com/office/powerpoint/2010/main" val="2420233417"/>
+      </p:ext>
+    </p:extLst>
+  </p:cSld>
+  <p:clrMapOvr>
+    <a:masterClrMapping/>
+  </p:clrMapOvr>
+</p:sld>
+</file>
+
+<file path=ppt/slides/slide5.xml><?xml version="1.0" encoding="utf-8"?>
+<p:sld xmlns:a="http://schemas.openxmlformats.org/drawingml/2006/main" xmlns:r="http://schemas.openxmlformats.org/officeDocument/2006/relationships" xmlns:p="http://schemas.openxmlformats.org/presentationml/2006/main">
+  <p:cSld>
+    <p:spTree>
+      <p:nvGrpSpPr>
+        <p:cNvPr id="1" name=""/>
+        <p:cNvGrpSpPr/>
+        <p:nvPr/>
+      </p:nvGrpSpPr>
+      <p:grpSpPr>
+        <a:xfrm>
+          <a:off x="0" y="0"/>
+          <a:ext cx="0" cy="0"/>
+          <a:chOff x="0" y="0"/>
+          <a:chExt cx="0" cy="0"/>
+        </a:xfrm>
+      </p:grpSpPr>
+      <p:sp>
+        <p:nvSpPr>
+          <p:cNvPr id="2" name="Title 1">
+            <a:extLst>
+              <a:ext uri="{FF2B5EF4-FFF2-40B4-BE49-F238E27FC236}">
                 <a16:creationId xmlns:a16="http://schemas.microsoft.com/office/drawing/2014/main" id="{DD6BA270-E013-4E92-A438-799F270B3523}"/>
               </a:ext>
             </a:extLst>
@@ -13460,7 +13969,7 @@
           <a:p>
             <a:r>
               <a:rPr lang="en-GB" dirty="0"/>
-              <a:t>Gameplay</a:t>
+              <a:t>Obstacles</a:t>
             </a:r>
             <a:endParaRPr lang="en-IE" dirty="0"/>
           </a:p>
@@ -13487,9 +13996,39 @@
           <a:bodyPr/>
           <a:lstStyle/>
           <a:p>
+            <a:pPr marL="0" indent="0">
+              <a:buNone/>
+            </a:pPr>
             <a:r>
               <a:rPr lang="en-GB" dirty="0"/>
-              <a:t>Objects: list through spikes, bumpers, flippers, spring</a:t>
+              <a:t>&lt;spikes image&gt; spikes kill on contact.</a:t>
+            </a:r>
+          </a:p>
+          <a:p>
+            <a:pPr marL="0" indent="0">
+              <a:buNone/>
+            </a:pPr>
+            <a:r>
+              <a:rPr lang="en-GB" dirty="0"/>
+              <a:t>&lt;flipper image&gt; throw player in a given direction.</a:t>
+            </a:r>
+          </a:p>
+          <a:p>
+            <a:pPr marL="0" indent="0">
+              <a:buNone/>
+            </a:pPr>
+            <a:r>
+              <a:rPr lang="en-GB" dirty="0"/>
+              <a:t>&lt;bumper image&gt; bounces the player back.</a:t>
+            </a:r>
+          </a:p>
+          <a:p>
+            <a:pPr marL="0" indent="0">
+              <a:buNone/>
+            </a:pPr>
+            <a:r>
+              <a:rPr lang="en-GB" dirty="0"/>
+              <a:t>&lt;spring&gt; fires player into next level</a:t>
             </a:r>
             <a:endParaRPr lang="en-IE" dirty="0"/>
           </a:p>
@@ -13508,7 +14047,7 @@
 </p:sld>
 </file>
 
-<file path=ppt/slides/slide4.xml><?xml version="1.0" encoding="utf-8"?>
+<file path=ppt/slides/slide6.xml><?xml version="1.0" encoding="utf-8"?>
 <p:sld xmlns:a="http://schemas.openxmlformats.org/drawingml/2006/main" xmlns:r="http://schemas.openxmlformats.org/officeDocument/2006/relationships" xmlns:p="http://schemas.openxmlformats.org/presentationml/2006/main">
   <p:cSld>
     <p:spTree>
@@ -13548,7 +14087,7 @@
           <a:p>
             <a:r>
               <a:rPr lang="en-GB" dirty="0"/>
-              <a:t>Core Mechanics</a:t>
+              <a:t>Level design</a:t>
             </a:r>
             <a:endParaRPr lang="en-IE" dirty="0"/>
           </a:p>
@@ -13577,7 +14116,13 @@
           <a:p>
             <a:r>
               <a:rPr lang="en-GB" dirty="0"/>
-              <a:t>Character controls, basic level design, example of a level including controls</a:t>
+              <a:t>Tight compact levels using more verticality than normally seen in a platformer.</a:t>
+            </a:r>
+          </a:p>
+          <a:p>
+            <a:r>
+              <a:rPr lang="en-GB" dirty="0"/>
+              <a:t>&lt;various level designs including boss level&gt;</a:t>
             </a:r>
             <a:endParaRPr lang="en-IE" dirty="0"/>
           </a:p>
@@ -13596,7 +14141,7 @@
 </p:sld>
 </file>
 
-<file path=ppt/slides/slide5.xml><?xml version="1.0" encoding="utf-8"?>
+<file path=ppt/slides/slide7.xml><?xml version="1.0" encoding="utf-8"?>
 <p:sld xmlns:a="http://schemas.openxmlformats.org/drawingml/2006/main" xmlns:r="http://schemas.openxmlformats.org/officeDocument/2006/relationships" xmlns:p="http://schemas.openxmlformats.org/presentationml/2006/main">
   <p:cSld>
     <p:spTree>
@@ -13684,7 +14229,7 @@
 </p:sld>
 </file>
 
-<file path=ppt/slides/slide6.xml><?xml version="1.0" encoding="utf-8"?>
+<file path=ppt/slides/slide8.xml><?xml version="1.0" encoding="utf-8"?>
 <p:sld xmlns:a="http://schemas.openxmlformats.org/drawingml/2006/main" xmlns:r="http://schemas.openxmlformats.org/officeDocument/2006/relationships" xmlns:p="http://schemas.openxmlformats.org/presentationml/2006/main">
   <p:cSld>
     <p:spTree>
@@ -13722,7 +14267,10 @@
           <a:bodyPr/>
           <a:lstStyle/>
           <a:p>
-            <a:endParaRPr lang="en-IE"/>
+            <a:r>
+              <a:rPr lang="en-IE" dirty="0"/>
+              <a:t>Staff</a:t>
+            </a:r>
           </a:p>
         </p:txBody>
       </p:sp>
@@ -13742,12 +14290,58 @@
             <p:ph idx="1"/>
           </p:nvPr>
         </p:nvSpPr>
-        <p:spPr/>
+        <p:spPr>
+          <a:xfrm>
+            <a:off x="1168809" y="2603500"/>
+            <a:ext cx="8825659" cy="3416300"/>
+          </a:xfrm>
+        </p:spPr>
         <p:txBody>
           <a:bodyPr/>
           <a:lstStyle/>
           <a:p>
-            <a:endParaRPr lang="en-IE"/>
+            <a:r>
+              <a:rPr lang="en-IE" dirty="0"/>
+              <a:t>Tomas Crowley</a:t>
+            </a:r>
+          </a:p>
+          <a:p>
+            <a:r>
+              <a:rPr lang="en-IE" dirty="0" err="1"/>
+              <a:t>Dawid</a:t>
+            </a:r>
+            <a:r>
+              <a:rPr lang="en-IE" dirty="0"/>
+              <a:t> </a:t>
+            </a:r>
+            <a:r>
+              <a:rPr lang="en-IE" dirty="0" err="1"/>
+              <a:t>Kocik</a:t>
+            </a:r>
+            <a:endParaRPr lang="en-IE" dirty="0"/>
+          </a:p>
+          <a:p>
+            <a:r>
+              <a:rPr lang="en-IE" dirty="0"/>
+              <a:t>Ronan McMorrow</a:t>
+            </a:r>
+          </a:p>
+          <a:p>
+            <a:r>
+              <a:rPr lang="en-IE" dirty="0"/>
+              <a:t>Oscar </a:t>
+            </a:r>
+            <a:r>
+              <a:rPr lang="en-IE" dirty="0" err="1"/>
+              <a:t>Bogenberger</a:t>
+            </a:r>
+            <a:endParaRPr lang="en-IE" dirty="0"/>
+          </a:p>
+          <a:p>
+            <a:r>
+              <a:rPr lang="en-IE" dirty="0"/>
+              <a:t>Elliot </a:t>
+            </a:r>
           </a:p>
         </p:txBody>
       </p:sp>
@@ -13755,6 +14349,104 @@
     <p:extLst>
       <p:ext uri="{BB962C8B-B14F-4D97-AF65-F5344CB8AC3E}">
         <p14:creationId xmlns:p14="http://schemas.microsoft.com/office/powerpoint/2010/main" val="2049431441"/>
+      </p:ext>
+    </p:extLst>
+  </p:cSld>
+  <p:clrMapOvr>
+    <a:masterClrMapping/>
+  </p:clrMapOvr>
+</p:sld>
+</file>
+
+<file path=ppt/slides/slide9.xml><?xml version="1.0" encoding="utf-8"?>
+<p:sld xmlns:a="http://schemas.openxmlformats.org/drawingml/2006/main" xmlns:r="http://schemas.openxmlformats.org/officeDocument/2006/relationships" xmlns:p="http://schemas.openxmlformats.org/presentationml/2006/main">
+  <p:cSld>
+    <p:spTree>
+      <p:nvGrpSpPr>
+        <p:cNvPr id="1" name=""/>
+        <p:cNvGrpSpPr/>
+        <p:nvPr/>
+      </p:nvGrpSpPr>
+      <p:grpSpPr>
+        <a:xfrm>
+          <a:off x="0" y="0"/>
+          <a:ext cx="0" cy="0"/>
+          <a:chOff x="0" y="0"/>
+          <a:chExt cx="0" cy="0"/>
+        </a:xfrm>
+      </p:grpSpPr>
+      <p:sp>
+        <p:nvSpPr>
+          <p:cNvPr id="2" name="Title 1">
+            <a:extLst>
+              <a:ext uri="{FF2B5EF4-FFF2-40B4-BE49-F238E27FC236}">
+                <a16:creationId xmlns:a16="http://schemas.microsoft.com/office/drawing/2014/main" id="{CB2BC635-B633-4AA5-A148-AC2F6D79C568}"/>
+              </a:ext>
+            </a:extLst>
+          </p:cNvPr>
+          <p:cNvSpPr>
+            <a:spLocks noGrp="1"/>
+          </p:cNvSpPr>
+          <p:nvPr>
+            <p:ph type="title"/>
+          </p:nvPr>
+        </p:nvSpPr>
+        <p:spPr/>
+        <p:txBody>
+          <a:bodyPr/>
+          <a:lstStyle/>
+          <a:p>
+            <a:r>
+              <a:rPr lang="en-IE" dirty="0"/>
+              <a:t>Risks</a:t>
+            </a:r>
+          </a:p>
+        </p:txBody>
+      </p:sp>
+      <p:sp>
+        <p:nvSpPr>
+          <p:cNvPr id="3" name="Content Placeholder 2">
+            <a:extLst>
+              <a:ext uri="{FF2B5EF4-FFF2-40B4-BE49-F238E27FC236}">
+                <a16:creationId xmlns:a16="http://schemas.microsoft.com/office/drawing/2014/main" id="{08490D31-8786-4BC5-9CF3-4545E8660F10}"/>
+              </a:ext>
+            </a:extLst>
+          </p:cNvPr>
+          <p:cNvSpPr>
+            <a:spLocks noGrp="1"/>
+          </p:cNvSpPr>
+          <p:nvPr>
+            <p:ph idx="1"/>
+          </p:nvPr>
+        </p:nvSpPr>
+        <p:spPr/>
+        <p:txBody>
+          <a:bodyPr/>
+          <a:lstStyle/>
+          <a:p>
+            <a:r>
+              <a:rPr lang="en-IE" dirty="0"/>
+              <a:t>Possible issues in maintaining a consistent level size.</a:t>
+            </a:r>
+          </a:p>
+          <a:p>
+            <a:r>
+              <a:rPr lang="en-IE" dirty="0"/>
+              <a:t>Not much experience in Corona could be unforeseen technical difficulty.</a:t>
+            </a:r>
+          </a:p>
+          <a:p>
+            <a:r>
+              <a:rPr lang="en-IE" dirty="0"/>
+              <a:t>Possible difficulty in making a sufficient amount of content</a:t>
+            </a:r>
+          </a:p>
+        </p:txBody>
+      </p:sp>
+    </p:spTree>
+    <p:extLst>
+      <p:ext uri="{BB962C8B-B14F-4D97-AF65-F5344CB8AC3E}">
+        <p14:creationId xmlns:p14="http://schemas.microsoft.com/office/powerpoint/2010/main" val="2839923536"/>
       </p:ext>
     </p:extLst>
   </p:cSld>

--- a/pitchNinja Ball.pptx
+++ b/pitchNinja Ball.pptx
@@ -133,7 +133,7 @@
   <pc:docChgLst>
     <pc:chgData name="ronan mcmorrow" userId="62c5ea8f01ef7d1c" providerId="LiveId" clId="{A5B6DC77-09AD-4751-92D6-337F352E993D}"/>
     <pc:docChg chg="custSel addSld delSld modSld sldOrd">
-      <pc:chgData name="ronan mcmorrow" userId="62c5ea8f01ef7d1c" providerId="LiveId" clId="{A5B6DC77-09AD-4751-92D6-337F352E993D}" dt="2020-02-24T13:43:50.337" v="2015" actId="2710"/>
+      <pc:chgData name="ronan mcmorrow" userId="62c5ea8f01ef7d1c" providerId="LiveId" clId="{A5B6DC77-09AD-4751-92D6-337F352E993D}" dt="2020-02-24T14:35:52.004" v="2021" actId="20577"/>
       <pc:docMkLst>
         <pc:docMk/>
       </pc:docMkLst>
@@ -199,7 +199,7 @@
         </pc:spChg>
       </pc:sldChg>
       <pc:sldChg chg="modSp mod">
-        <pc:chgData name="ronan mcmorrow" userId="62c5ea8f01ef7d1c" providerId="LiveId" clId="{A5B6DC77-09AD-4751-92D6-337F352E993D}" dt="2020-02-24T13:20:44.625" v="942" actId="20577"/>
+        <pc:chgData name="ronan mcmorrow" userId="62c5ea8f01ef7d1c" providerId="LiveId" clId="{A5B6DC77-09AD-4751-92D6-337F352E993D}" dt="2020-02-24T14:35:52.004" v="2021" actId="20577"/>
         <pc:sldMkLst>
           <pc:docMk/>
           <pc:sldMk cId="2049431441" sldId="261"/>
@@ -213,7 +213,7 @@
           </ac:spMkLst>
         </pc:spChg>
         <pc:spChg chg="mod">
-          <ac:chgData name="ronan mcmorrow" userId="62c5ea8f01ef7d1c" providerId="LiveId" clId="{A5B6DC77-09AD-4751-92D6-337F352E993D}" dt="2020-02-24T13:20:18.840" v="924" actId="20577"/>
+          <ac:chgData name="ronan mcmorrow" userId="62c5ea8f01ef7d1c" providerId="LiveId" clId="{A5B6DC77-09AD-4751-92D6-337F352E993D}" dt="2020-02-24T14:35:52.004" v="2021" actId="20577"/>
           <ac:spMkLst>
             <pc:docMk/>
             <pc:sldMk cId="2049431441" sldId="261"/>
@@ -14342,6 +14342,11 @@
               <a:rPr lang="en-IE" dirty="0"/>
               <a:t>Elliot </a:t>
             </a:r>
+            <a:r>
+              <a:rPr lang="en-IE"/>
+              <a:t>Cleere</a:t>
+            </a:r>
+            <a:endParaRPr lang="en-IE" dirty="0"/>
           </a:p>
         </p:txBody>
       </p:sp>

--- a/pitchNinja Ball.pptx
+++ b/pitchNinja Ball.pptx
@@ -654,7 +654,7 @@
             <a:fld id="{5923F103-BC34-4FE4-A40E-EDDEECFDA5D0}" type="datetimeFigureOut">
               <a:rPr lang="en-US" dirty="0"/>
               <a:pPr/>
-              <a:t>2/24/2020</a:t>
+              <a:t>2/25/2020</a:t>
             </a:fld>
             <a:endParaRPr lang="en-US" dirty="0"/>
           </a:p>
@@ -1742,7 +1742,7 @@
           <a:p>
             <a:fld id="{923A1CC3-2375-41D4-9E03-427CAF2A4C1A}" type="datetimeFigureOut">
               <a:rPr lang="en-US" dirty="0"/>
-              <a:t>2/24/2020</a:t>
+              <a:t>2/25/2020</a:t>
             </a:fld>
             <a:endParaRPr lang="en-US" dirty="0"/>
           </a:p>
@@ -2722,7 +2722,7 @@
           <a:p>
             <a:fld id="{AFF16868-8199-4C2C-A5B1-63AEE139F88E}" type="datetimeFigureOut">
               <a:rPr lang="en-US" dirty="0"/>
-              <a:t>2/24/2020</a:t>
+              <a:t>2/25/2020</a:t>
             </a:fld>
             <a:endParaRPr lang="en-US" dirty="0"/>
           </a:p>
@@ -3856,7 +3856,7 @@
           <a:p>
             <a:fld id="{AAD9FF7F-6988-44CC-821B-644E70CD2F73}" type="datetimeFigureOut">
               <a:rPr lang="en-US" dirty="0"/>
-              <a:t>2/24/2020</a:t>
+              <a:t>2/25/2020</a:t>
             </a:fld>
             <a:endParaRPr lang="en-US" dirty="0"/>
           </a:p>
@@ -4889,7 +4889,7 @@
           <a:p>
             <a:fld id="{5C12C299-16B2-4475-990D-751901EACC14}" type="datetimeFigureOut">
               <a:rPr lang="en-US" dirty="0"/>
-              <a:t>2/24/2020</a:t>
+              <a:t>2/25/2020</a:t>
             </a:fld>
             <a:endParaRPr lang="en-US" dirty="0"/>
           </a:p>
@@ -5549,7 +5549,7 @@
           <a:p>
             <a:fld id="{9FE86839-B9D8-4651-8783-F325ECE74E65}" type="datetimeFigureOut">
               <a:rPr lang="en-US" dirty="0"/>
-              <a:t>2/24/2020</a:t>
+              <a:t>2/25/2020</a:t>
             </a:fld>
             <a:endParaRPr lang="en-US" dirty="0"/>
           </a:p>
@@ -6410,7 +6410,7 @@
           <a:p>
             <a:fld id="{FD484F64-32F6-45C5-931F-ADC1662401D0}" type="datetimeFigureOut">
               <a:rPr lang="en-US" dirty="0"/>
-              <a:t>2/24/2020</a:t>
+              <a:t>2/25/2020</a:t>
             </a:fld>
             <a:endParaRPr lang="en-US" dirty="0"/>
           </a:p>
@@ -6600,7 +6600,7 @@
           <a:p>
             <a:fld id="{53086D93-FCAC-47E0-A2EE-787E62CA814C}" type="datetimeFigureOut">
               <a:rPr lang="en-US" dirty="0"/>
-              <a:t>2/24/2020</a:t>
+              <a:t>2/25/2020</a:t>
             </a:fld>
             <a:endParaRPr lang="en-US" dirty="0"/>
           </a:p>
@@ -7572,7 +7572,7 @@
           <a:p>
             <a:fld id="{CDA879A6-0FD0-4734-A311-86BFCA472E6E}" type="datetimeFigureOut">
               <a:rPr lang="en-US" dirty="0"/>
-              <a:t>2/24/2020</a:t>
+              <a:t>2/25/2020</a:t>
             </a:fld>
             <a:endParaRPr lang="en-US" dirty="0"/>
           </a:p>
@@ -7783,7 +7783,7 @@
           <a:p>
             <a:fld id="{19C9CA7B-DFD4-44B5-8C60-D14B8CD1FB59}" type="datetimeFigureOut">
               <a:rPr lang="en-US" dirty="0"/>
-              <a:t>2/24/2020</a:t>
+              <a:t>2/25/2020</a:t>
             </a:fld>
             <a:endParaRPr lang="en-US" dirty="0"/>
           </a:p>
@@ -8817,7 +8817,7 @@
           <a:p>
             <a:fld id="{F34E6425-0181-43F2-84FC-787E803FD2F8}" type="datetimeFigureOut">
               <a:rPr lang="en-US" dirty="0"/>
-              <a:t>2/24/2020</a:t>
+              <a:t>2/25/2020</a:t>
             </a:fld>
             <a:endParaRPr lang="en-US" dirty="0"/>
           </a:p>
@@ -9089,7 +9089,7 @@
           <a:p>
             <a:fld id="{3BDB8791-F1B0-41E7-B7FD-A781E65C4266}" type="datetimeFigureOut">
               <a:rPr lang="en-US" dirty="0"/>
-              <a:t>2/24/2020</a:t>
+              <a:t>2/25/2020</a:t>
             </a:fld>
             <a:endParaRPr lang="en-US" dirty="0"/>
           </a:p>
@@ -9499,7 +9499,7 @@
           <a:p>
             <a:fld id="{5FDD63B2-E120-4ED8-B27B-C685F510A5FE}" type="datetimeFigureOut">
               <a:rPr lang="en-US" dirty="0"/>
-              <a:t>2/24/2020</a:t>
+              <a:t>2/25/2020</a:t>
             </a:fld>
             <a:endParaRPr lang="en-US" dirty="0"/>
           </a:p>
@@ -9626,7 +9626,7 @@
           <a:p>
             <a:fld id="{7AA18ACC-A947-437B-A130-35BD54FDF1E9}" type="datetimeFigureOut">
               <a:rPr lang="en-US" dirty="0"/>
-              <a:t>2/24/2020</a:t>
+              <a:t>2/25/2020</a:t>
             </a:fld>
             <a:endParaRPr lang="en-US" dirty="0"/>
           </a:p>
@@ -9721,7 +9721,7 @@
           <a:p>
             <a:fld id="{7C8D7E02-BCB8-4D50-A234-369438C08659}" type="datetimeFigureOut">
               <a:rPr lang="en-US" dirty="0"/>
-              <a:t>2/24/2020</a:t>
+              <a:t>2/25/2020</a:t>
             </a:fld>
             <a:endParaRPr lang="en-US" dirty="0"/>
           </a:p>
@@ -10802,7 +10802,7 @@
           <a:p>
             <a:fld id="{76E86A4C-8E40-4F87-A4F0-01A0687C5742}" type="datetimeFigureOut">
               <a:rPr lang="en-US" dirty="0"/>
-              <a:t>2/24/2020</a:t>
+              <a:t>2/25/2020</a:t>
             </a:fld>
             <a:endParaRPr lang="en-US" dirty="0"/>
           </a:p>
@@ -11910,7 +11910,7 @@
           <a:p>
             <a:fld id="{35E72C73-2D91-4E12-BA25-F0AA0C03599B}" type="datetimeFigureOut">
               <a:rPr lang="en-US" dirty="0"/>
-              <a:t>2/24/2020</a:t>
+              <a:t>2/25/2020</a:t>
             </a:fld>
             <a:endParaRPr lang="en-US" dirty="0"/>
           </a:p>
@@ -12907,7 +12907,7 @@
           <a:p>
             <a:fld id="{2BE451C3-0FF4-47C4-B829-773ADF60F88C}" type="datetimeFigureOut">
               <a:rPr lang="en-US" dirty="0"/>
-              <a:t>2/24/2020</a:t>
+              <a:t>2/25/2020</a:t>
             </a:fld>
             <a:endParaRPr lang="en-US" dirty="0"/>
           </a:p>
@@ -14001,7 +14001,7 @@
             </a:pPr>
             <a:r>
               <a:rPr lang="en-GB" dirty="0"/>
-              <a:t>&lt;spikes image&gt; spikes kill on contact.</a:t>
+              <a:t>&lt;spikes image&gt;		spikes kill on contact.</a:t>
             </a:r>
           </a:p>
           <a:p>
@@ -14010,7 +14010,7 @@
             </a:pPr>
             <a:r>
               <a:rPr lang="en-GB" dirty="0"/>
-              <a:t>&lt;flipper image&gt; throw player in a given direction.</a:t>
+              <a:t>&lt;flipper image&gt; 		throw player in a given direction.</a:t>
             </a:r>
           </a:p>
           <a:p>
@@ -14019,7 +14019,7 @@
             </a:pPr>
             <a:r>
               <a:rPr lang="en-GB" dirty="0"/>
-              <a:t>&lt;bumper image&gt; bounces the player back.</a:t>
+              <a:t>&lt;bumper image&gt;	bounces the player back.</a:t>
             </a:r>
           </a:p>
           <a:p>
@@ -14028,12 +14028,50 @@
             </a:pPr>
             <a:r>
               <a:rPr lang="en-GB" dirty="0"/>
-              <a:t>&lt;spring&gt; fires player into next level</a:t>
+              <a:t>&lt;spring</a:t>
+            </a:r>
+            <a:r>
+              <a:rPr lang="en-GB"/>
+              <a:t>&gt; 			fires </a:t>
+            </a:r>
+            <a:r>
+              <a:rPr lang="en-GB" dirty="0"/>
+              <a:t>player into next level</a:t>
             </a:r>
             <a:endParaRPr lang="en-IE" dirty="0"/>
           </a:p>
         </p:txBody>
       </p:sp>
+      <p:pic>
+        <p:nvPicPr>
+          <p:cNvPr id="4" name="Picture 3">
+            <a:extLst>
+              <a:ext uri="{FF2B5EF4-FFF2-40B4-BE49-F238E27FC236}">
+                <a16:creationId xmlns:a16="http://schemas.microsoft.com/office/drawing/2014/main" id="{216EF780-0FF1-4659-BA3D-BDE9D3EDB70B}"/>
+              </a:ext>
+            </a:extLst>
+          </p:cNvPr>
+          <p:cNvPicPr>
+            <a:picLocks noChangeAspect="1"/>
+          </p:cNvPicPr>
+          <p:nvPr/>
+        </p:nvPicPr>
+        <p:blipFill>
+          <a:blip r:embed="rId2"/>
+          <a:stretch>
+            <a:fillRect/>
+          </a:stretch>
+        </p:blipFill>
+        <p:spPr>
+          <a:xfrm>
+            <a:off x="1383402" y="2410852"/>
+            <a:ext cx="1333500" cy="581025"/>
+          </a:xfrm>
+          <a:prstGeom prst="rect">
+            <a:avLst/>
+          </a:prstGeom>
+        </p:spPr>
+      </p:pic>
     </p:spTree>
     <p:extLst>
       <p:ext uri="{BB962C8B-B14F-4D97-AF65-F5344CB8AC3E}">
@@ -14340,13 +14378,8 @@
           <a:p>
             <a:r>
               <a:rPr lang="en-IE" dirty="0"/>
-              <a:t>Elliot </a:t>
-            </a:r>
-            <a:r>
-              <a:rPr lang="en-IE"/>
-              <a:t>Cleere</a:t>
-            </a:r>
-            <a:endParaRPr lang="en-IE" dirty="0"/>
+              <a:t>Elliot Cleary</a:t>
+            </a:r>
           </a:p>
         </p:txBody>
       </p:sp>

--- a/pitchNinja Ball.pptx
+++ b/pitchNinja Ball.pptx
@@ -13571,13 +13571,18 @@
             <p:ph type="title"/>
           </p:nvPr>
         </p:nvSpPr>
-        <p:spPr/>
+        <p:spPr>
+          <a:xfrm>
+            <a:off x="1154954" y="973668"/>
+            <a:ext cx="8761413" cy="706964"/>
+          </a:xfrm>
+        </p:spPr>
         <p:txBody>
           <a:bodyPr/>
           <a:lstStyle/>
           <a:p>
             <a:r>
-              <a:rPr lang="en-GB" dirty="0"/>
+              <a:rPr lang="en-GB"/>
               <a:t>Overview</a:t>
             </a:r>
             <a:endParaRPr lang="en-IE" dirty="0"/>
@@ -13838,15 +13843,21 @@
             <p:ph type="title"/>
           </p:nvPr>
         </p:nvSpPr>
-        <p:spPr/>
+        <p:spPr>
+          <a:xfrm>
+            <a:off x="1154954" y="973668"/>
+            <a:ext cx="8761413" cy="706964"/>
+          </a:xfrm>
+        </p:spPr>
         <p:txBody>
           <a:bodyPr/>
           <a:lstStyle/>
           <a:p>
             <a:r>
-              <a:rPr lang="en-IE" dirty="0"/>
+              <a:rPr lang="en-IE"/>
               <a:t>Character design and controls</a:t>
             </a:r>
+            <a:endParaRPr lang="en-IE" dirty="0"/>
           </a:p>
         </p:txBody>
       </p:sp>
@@ -13866,7 +13877,12 @@
             <p:ph idx="1"/>
           </p:nvPr>
         </p:nvSpPr>
-        <p:spPr/>
+        <p:spPr>
+          <a:xfrm>
+            <a:off x="1154954" y="2603500"/>
+            <a:ext cx="8825659" cy="3416300"/>
+          </a:xfrm>
+        </p:spPr>
         <p:txBody>
           <a:bodyPr/>
           <a:lstStyle/>
@@ -13877,7 +13893,7 @@
               </a:lnSpc>
             </a:pPr>
             <a:r>
-              <a:rPr lang="en-IE" dirty="0"/>
+              <a:rPr lang="en-IE"/>
               <a:t>Vertical phone screen.</a:t>
             </a:r>
           </a:p>
@@ -13888,7 +13904,7 @@
               </a:lnSpc>
             </a:pPr>
             <a:r>
-              <a:rPr lang="en-IE" dirty="0"/>
+              <a:rPr lang="en-IE"/>
               <a:t>3 buttons left right and jump</a:t>
             </a:r>
           </a:p>
@@ -13899,7 +13915,7 @@
               </a:lnSpc>
             </a:pPr>
             <a:r>
-              <a:rPr lang="en-IE" dirty="0"/>
+              <a:rPr lang="en-IE"/>
               <a:t>Easy mid air control.</a:t>
             </a:r>
           </a:p>
@@ -13910,9 +13926,10 @@
               </a:lnSpc>
             </a:pPr>
             <a:r>
-              <a:rPr lang="en-IE" dirty="0"/>
+              <a:rPr lang="en-IE"/>
               <a:t>Jump button. </a:t>
             </a:r>
+            <a:endParaRPr lang="en-IE" dirty="0"/>
           </a:p>
         </p:txBody>
       </p:sp>
@@ -13997,6 +14014,9 @@
           <a:lstStyle/>
           <a:p>
             <a:pPr marL="0" indent="0">
+              <a:lnSpc>
+                <a:spcPct val="250000"/>
+              </a:lnSpc>
               <a:buNone/>
             </a:pPr>
             <a:r>
@@ -14006,37 +14026,38 @@
           </a:p>
           <a:p>
             <a:pPr marL="0" indent="0">
+              <a:lnSpc>
+                <a:spcPct val="250000"/>
+              </a:lnSpc>
               <a:buNone/>
             </a:pPr>
             <a:r>
               <a:rPr lang="en-GB" dirty="0"/>
-              <a:t>&lt;flipper image&gt; 		throw player in a given direction.</a:t>
+              <a:t>&lt;flipper image&gt; 		flippers throw player in a given direction.</a:t>
             </a:r>
           </a:p>
           <a:p>
             <a:pPr marL="0" indent="0">
+              <a:lnSpc>
+                <a:spcPct val="250000"/>
+              </a:lnSpc>
               <a:buNone/>
             </a:pPr>
             <a:r>
               <a:rPr lang="en-GB" dirty="0"/>
-              <a:t>&lt;bumper image&gt;	bounces the player back.</a:t>
+              <a:t>&lt;bumper image&gt;	bumper bounces the player back.</a:t>
             </a:r>
           </a:p>
           <a:p>
             <a:pPr marL="0" indent="0">
+              <a:lnSpc>
+                <a:spcPct val="250000"/>
+              </a:lnSpc>
               <a:buNone/>
             </a:pPr>
             <a:r>
               <a:rPr lang="en-GB" dirty="0"/>
-              <a:t>&lt;spring</a:t>
-            </a:r>
-            <a:r>
-              <a:rPr lang="en-GB"/>
-              <a:t>&gt; 			fires </a:t>
-            </a:r>
-            <a:r>
-              <a:rPr lang="en-GB" dirty="0"/>
-              <a:t>player into next level</a:t>
+              <a:t>&lt;spring&gt; 			spring fires player into next level.</a:t>
             </a:r>
             <a:endParaRPr lang="en-IE" dirty="0"/>
           </a:p>
@@ -14064,8 +14085,68 @@
         </p:blipFill>
         <p:spPr>
           <a:xfrm>
-            <a:off x="1383402" y="2410852"/>
+            <a:off x="1383402" y="2677193"/>
             <a:ext cx="1333500" cy="581025"/>
+          </a:xfrm>
+          <a:prstGeom prst="rect">
+            <a:avLst/>
+          </a:prstGeom>
+        </p:spPr>
+      </p:pic>
+      <p:pic>
+        <p:nvPicPr>
+          <p:cNvPr id="8" name="Picture 7">
+            <a:extLst>
+              <a:ext uri="{FF2B5EF4-FFF2-40B4-BE49-F238E27FC236}">
+                <a16:creationId xmlns:a16="http://schemas.microsoft.com/office/drawing/2014/main" id="{84DA4336-B9F2-4F1D-A3B2-E30446127A17}"/>
+              </a:ext>
+            </a:extLst>
+          </p:cNvPr>
+          <p:cNvPicPr>
+            <a:picLocks noChangeAspect="1"/>
+          </p:cNvPicPr>
+          <p:nvPr/>
+        </p:nvPicPr>
+        <p:blipFill>
+          <a:blip r:embed="rId3"/>
+          <a:stretch>
+            <a:fillRect/>
+          </a:stretch>
+        </p:blipFill>
+        <p:spPr>
+          <a:xfrm>
+            <a:off x="1516677" y="4181086"/>
+            <a:ext cx="1066949" cy="1052660"/>
+          </a:xfrm>
+          <a:prstGeom prst="rect">
+            <a:avLst/>
+          </a:prstGeom>
+        </p:spPr>
+      </p:pic>
+      <p:pic>
+        <p:nvPicPr>
+          <p:cNvPr id="12" name="Picture 11">
+            <a:extLst>
+              <a:ext uri="{FF2B5EF4-FFF2-40B4-BE49-F238E27FC236}">
+                <a16:creationId xmlns:a16="http://schemas.microsoft.com/office/drawing/2014/main" id="{815E86D1-294F-46B5-A57D-C071EE6E1914}"/>
+              </a:ext>
+            </a:extLst>
+          </p:cNvPr>
+          <p:cNvPicPr>
+            <a:picLocks noChangeAspect="1"/>
+          </p:cNvPicPr>
+          <p:nvPr/>
+        </p:nvPicPr>
+        <p:blipFill>
+          <a:blip r:embed="rId4"/>
+          <a:stretch>
+            <a:fillRect/>
+          </a:stretch>
+        </p:blipFill>
+        <p:spPr>
+          <a:xfrm rot="5400000">
+            <a:off x="1889649" y="4789658"/>
+            <a:ext cx="321004" cy="1527540"/>
           </a:xfrm>
           <a:prstGeom prst="rect">
             <a:avLst/>
@@ -14166,6 +14247,36 @@
           </a:p>
         </p:txBody>
       </p:sp>
+      <p:pic>
+        <p:nvPicPr>
+          <p:cNvPr id="4" name="Picture 3">
+            <a:extLst>
+              <a:ext uri="{FF2B5EF4-FFF2-40B4-BE49-F238E27FC236}">
+                <a16:creationId xmlns:a16="http://schemas.microsoft.com/office/drawing/2014/main" id="{8BD05A62-7818-47BD-84C3-CD4489EDCDB6}"/>
+              </a:ext>
+            </a:extLst>
+          </p:cNvPr>
+          <p:cNvPicPr>
+            <a:picLocks noChangeAspect="1"/>
+          </p:cNvPicPr>
+          <p:nvPr/>
+        </p:nvPicPr>
+        <p:blipFill>
+          <a:blip r:embed="rId2"/>
+          <a:stretch>
+            <a:fillRect/>
+          </a:stretch>
+        </p:blipFill>
+        <p:spPr>
+          <a:xfrm>
+            <a:off x="9638523" y="2368674"/>
+            <a:ext cx="2043622" cy="4026467"/>
+          </a:xfrm>
+          <a:prstGeom prst="rect">
+            <a:avLst/>
+          </a:prstGeom>
+        </p:spPr>
+      </p:pic>
     </p:spTree>
     <p:extLst>
       <p:ext uri="{BB962C8B-B14F-4D97-AF65-F5344CB8AC3E}">
@@ -14300,15 +14411,21 @@
             <p:ph type="title"/>
           </p:nvPr>
         </p:nvSpPr>
-        <p:spPr/>
+        <p:spPr>
+          <a:xfrm>
+            <a:off x="1154954" y="973668"/>
+            <a:ext cx="8761413" cy="706964"/>
+          </a:xfrm>
+        </p:spPr>
         <p:txBody>
           <a:bodyPr/>
           <a:lstStyle/>
           <a:p>
             <a:r>
-              <a:rPr lang="en-IE" dirty="0"/>
+              <a:rPr lang="en-IE"/>
               <a:t>Staff</a:t>
             </a:r>
+            <a:endParaRPr lang="en-IE" dirty="0"/>
           </a:p>
         </p:txBody>
       </p:sp>
@@ -14429,15 +14546,21 @@
             <p:ph type="title"/>
           </p:nvPr>
         </p:nvSpPr>
-        <p:spPr/>
+        <p:spPr>
+          <a:xfrm>
+            <a:off x="1154954" y="973668"/>
+            <a:ext cx="8761413" cy="706964"/>
+          </a:xfrm>
+        </p:spPr>
         <p:txBody>
           <a:bodyPr/>
           <a:lstStyle/>
           <a:p>
             <a:r>
-              <a:rPr lang="en-IE" dirty="0"/>
+              <a:rPr lang="en-IE"/>
               <a:t>Risks</a:t>
             </a:r>
+            <a:endParaRPr lang="en-IE" dirty="0"/>
           </a:p>
         </p:txBody>
       </p:sp>

--- a/pitchNinja Ball.pptx
+++ b/pitchNinja Ball.pptx
@@ -13709,15 +13709,21 @@
             <p:ph type="title"/>
           </p:nvPr>
         </p:nvSpPr>
-        <p:spPr/>
+        <p:spPr>
+          <a:xfrm>
+            <a:off x="1154954" y="973668"/>
+            <a:ext cx="8761413" cy="706964"/>
+          </a:xfrm>
+        </p:spPr>
         <p:txBody>
           <a:bodyPr/>
           <a:lstStyle/>
           <a:p>
             <a:r>
-              <a:rPr lang="en-IE" dirty="0"/>
+              <a:rPr lang="en-IE"/>
               <a:t>Gameplay</a:t>
             </a:r>
+            <a:endParaRPr lang="en-IE" dirty="0"/>
           </a:p>
         </p:txBody>
       </p:sp>
@@ -14169,6 +14175,14 @@
 <file path=ppt/slides/slide6.xml><?xml version="1.0" encoding="utf-8"?>
 <p:sld xmlns:a="http://schemas.openxmlformats.org/drawingml/2006/main" xmlns:r="http://schemas.openxmlformats.org/officeDocument/2006/relationships" xmlns:p="http://schemas.openxmlformats.org/presentationml/2006/main">
   <p:cSld>
+    <p:bg>
+      <p:bgPr>
+        <a:solidFill>
+          <a:schemeClr val="bg1"/>
+        </a:solidFill>
+        <a:effectLst/>
+      </p:bgPr>
+    </p:bg>
     <p:spTree>
       <p:nvGrpSpPr>
         <p:cNvPr id="1" name=""/>
@@ -14185,6 +14199,767 @@
       </p:grpSpPr>
       <p:sp>
         <p:nvSpPr>
+          <p:cNvPr id="14" name="Rectangle 13">
+            <a:extLst>
+              <a:ext uri="{FF2B5EF4-FFF2-40B4-BE49-F238E27FC236}">
+                <a16:creationId xmlns:a16="http://schemas.microsoft.com/office/drawing/2014/main" id="{F70C2B8F-6B1B-46D5-86E6-40F36C695FC2}"/>
+              </a:ext>
+              <a:ext uri="{C183D7F6-B498-43B3-948B-1728B52AA6E4}">
+                <adec:decorative xmlns:adec="http://schemas.microsoft.com/office/drawing/2017/decorative" val="1"/>
+              </a:ext>
+            </a:extLst>
+          </p:cNvPr>
+          <p:cNvSpPr>
+            <a:spLocks noGrp="1" noRot="1" noChangeAspect="1" noMove="1" noResize="1" noEditPoints="1" noAdjustHandles="1" noChangeArrowheads="1" noChangeShapeType="1" noTextEdit="1"/>
+          </p:cNvSpPr>
+          <p:nvPr>
+            <p:extLst>
+              <p:ext uri="{386F3935-93C4-4BCD-93E2-E3B085C9AB24}">
+                <p16:designElem xmlns:p16="http://schemas.microsoft.com/office/powerpoint/2015/main" val="1"/>
+              </p:ext>
+            </p:extLst>
+          </p:nvPr>
+        </p:nvSpPr>
+        <p:spPr>
+          <a:xfrm>
+            <a:off x="0" y="0"/>
+            <a:ext cx="12192000" cy="6858000"/>
+          </a:xfrm>
+          <a:prstGeom prst="rect">
+            <a:avLst/>
+          </a:prstGeom>
+          <a:ln>
+            <a:noFill/>
+          </a:ln>
+        </p:spPr>
+        <p:style>
+          <a:lnRef idx="2">
+            <a:schemeClr val="accent1">
+              <a:shade val="50000"/>
+            </a:schemeClr>
+          </a:lnRef>
+          <a:fillRef idx="1003">
+            <a:schemeClr val="dk2"/>
+          </a:fillRef>
+          <a:effectRef idx="0">
+            <a:schemeClr val="accent1"/>
+          </a:effectRef>
+          <a:fontRef idx="minor">
+            <a:schemeClr val="lt1"/>
+          </a:fontRef>
+        </p:style>
+      </p:sp>
+      <p:sp>
+        <p:nvSpPr>
+          <p:cNvPr id="16" name="Freeform 5">
+            <a:extLst>
+              <a:ext uri="{FF2B5EF4-FFF2-40B4-BE49-F238E27FC236}">
+                <a16:creationId xmlns:a16="http://schemas.microsoft.com/office/drawing/2014/main" id="{DB521824-592C-476A-AB0A-CA0C6D1F3407}"/>
+              </a:ext>
+              <a:ext uri="{C183D7F6-B498-43B3-948B-1728B52AA6E4}">
+                <adec:decorative xmlns:adec="http://schemas.microsoft.com/office/drawing/2017/decorative" val="1"/>
+              </a:ext>
+            </a:extLst>
+          </p:cNvPr>
+          <p:cNvSpPr>
+            <a:spLocks noGrp="1" noRot="1" noChangeAspect="1" noMove="1" noResize="1" noEditPoints="1" noAdjustHandles="1" noChangeArrowheads="1" noChangeShapeType="1" noTextEdit="1"/>
+          </p:cNvSpPr>
+          <p:nvPr>
+            <p:extLst>
+              <p:ext uri="{386F3935-93C4-4BCD-93E2-E3B085C9AB24}">
+                <p16:designElem xmlns:p16="http://schemas.microsoft.com/office/powerpoint/2015/main" val="1"/>
+              </p:ext>
+            </p:extLst>
+          </p:nvPr>
+        </p:nvSpPr>
+        <p:spPr bwMode="gray">
+          <a:xfrm rot="15922489">
+            <a:off x="4698352" y="1826078"/>
+            <a:ext cx="3299407" cy="440924"/>
+          </a:xfrm>
+          <a:custGeom>
+            <a:avLst/>
+            <a:gdLst/>
+            <a:ahLst/>
+            <a:cxnLst/>
+            <a:rect l="l" t="t" r="r" b="b"/>
+            <a:pathLst>
+              <a:path w="10000" h="5291">
+                <a:moveTo>
+                  <a:pt x="85" y="2532"/>
+                </a:moveTo>
+                <a:cubicBezTo>
+                  <a:pt x="1736" y="3911"/>
+                  <a:pt x="7524" y="5298"/>
+                  <a:pt x="9958" y="5291"/>
+                </a:cubicBezTo>
+                <a:cubicBezTo>
+                  <a:pt x="9989" y="1958"/>
+                  <a:pt x="9969" y="3333"/>
+                  <a:pt x="10000" y="0"/>
+                </a:cubicBezTo>
+                <a:lnTo>
+                  <a:pt x="10000" y="0"/>
+                </a:lnTo>
+                <a:lnTo>
+                  <a:pt x="9667" y="204"/>
+                </a:lnTo>
+                <a:lnTo>
+                  <a:pt x="9334" y="400"/>
+                </a:lnTo>
+                <a:lnTo>
+                  <a:pt x="9001" y="590"/>
+                </a:lnTo>
+                <a:lnTo>
+                  <a:pt x="8667" y="753"/>
+                </a:lnTo>
+                <a:lnTo>
+                  <a:pt x="8333" y="917"/>
+                </a:lnTo>
+                <a:lnTo>
+                  <a:pt x="7999" y="1071"/>
+                </a:lnTo>
+                <a:lnTo>
+                  <a:pt x="7669" y="1202"/>
+                </a:lnTo>
+                <a:lnTo>
+                  <a:pt x="7333" y="1325"/>
+                </a:lnTo>
+                <a:lnTo>
+                  <a:pt x="7000" y="1440"/>
+                </a:lnTo>
+                <a:lnTo>
+                  <a:pt x="6673" y="1538"/>
+                </a:lnTo>
+                <a:lnTo>
+                  <a:pt x="6340" y="1636"/>
+                </a:lnTo>
+                <a:lnTo>
+                  <a:pt x="6013" y="1719"/>
+                </a:lnTo>
+                <a:lnTo>
+                  <a:pt x="5686" y="1784"/>
+                </a:lnTo>
+                <a:lnTo>
+                  <a:pt x="5359" y="1850"/>
+                </a:lnTo>
+                <a:lnTo>
+                  <a:pt x="5036" y="1906"/>
+                </a:lnTo>
+                <a:lnTo>
+                  <a:pt x="4717" y="1948"/>
+                </a:lnTo>
+                <a:lnTo>
+                  <a:pt x="4396" y="1980"/>
+                </a:lnTo>
+                <a:lnTo>
+                  <a:pt x="4079" y="2013"/>
+                </a:lnTo>
+                <a:lnTo>
+                  <a:pt x="3766" y="2029"/>
+                </a:lnTo>
+                <a:lnTo>
+                  <a:pt x="3454" y="2046"/>
+                </a:lnTo>
+                <a:lnTo>
+                  <a:pt x="3145" y="2053"/>
+                </a:lnTo>
+                <a:lnTo>
+                  <a:pt x="2839" y="2046"/>
+                </a:lnTo>
+                <a:lnTo>
+                  <a:pt x="2537" y="2046"/>
+                </a:lnTo>
+                <a:lnTo>
+                  <a:pt x="2238" y="2029"/>
+                </a:lnTo>
+                <a:lnTo>
+                  <a:pt x="1943" y="2004"/>
+                </a:lnTo>
+                <a:lnTo>
+                  <a:pt x="1653" y="1980"/>
+                </a:lnTo>
+                <a:lnTo>
+                  <a:pt x="1368" y="1955"/>
+                </a:lnTo>
+                <a:lnTo>
+                  <a:pt x="1085" y="1915"/>
+                </a:lnTo>
+                <a:lnTo>
+                  <a:pt x="806" y="1873"/>
+                </a:lnTo>
+                <a:lnTo>
+                  <a:pt x="533" y="1833"/>
+                </a:lnTo>
+                <a:lnTo>
+                  <a:pt x="0" y="1726"/>
+                </a:lnTo>
+                <a:cubicBezTo>
+                  <a:pt x="28" y="1995"/>
+                  <a:pt x="57" y="2263"/>
+                  <a:pt x="85" y="2532"/>
+                </a:cubicBezTo>
+                <a:close/>
+              </a:path>
+            </a:pathLst>
+          </a:custGeom>
+          <a:solidFill>
+            <a:schemeClr val="tx1">
+              <a:alpha val="20000"/>
+            </a:schemeClr>
+          </a:solidFill>
+          <a:ln>
+            <a:noFill/>
+          </a:ln>
+        </p:spPr>
+      </p:sp>
+      <p:sp>
+        <p:nvSpPr>
+          <p:cNvPr id="18" name="Freeform: Shape 17">
+            <a:extLst>
+              <a:ext uri="{FF2B5EF4-FFF2-40B4-BE49-F238E27FC236}">
+                <a16:creationId xmlns:a16="http://schemas.microsoft.com/office/drawing/2014/main" id="{A2749EFA-8EE4-4EB8-9424-8E593B9320AD}"/>
+              </a:ext>
+              <a:ext uri="{C183D7F6-B498-43B3-948B-1728B52AA6E4}">
+                <adec:decorative xmlns:adec="http://schemas.microsoft.com/office/drawing/2017/decorative" val="1"/>
+              </a:ext>
+            </a:extLst>
+          </p:cNvPr>
+          <p:cNvSpPr>
+            <a:spLocks noGrp="1" noRot="1" noChangeAspect="1" noMove="1" noResize="1" noEditPoints="1" noAdjustHandles="1" noChangeArrowheads="1" noChangeShapeType="1" noTextEdit="1"/>
+          </p:cNvSpPr>
+          <p:nvPr>
+            <p:extLst>
+              <p:ext uri="{386F3935-93C4-4BCD-93E2-E3B085C9AB24}">
+                <p16:designElem xmlns:p16="http://schemas.microsoft.com/office/powerpoint/2015/main" val="1"/>
+              </p:ext>
+            </p:extLst>
+          </p:nvPr>
+        </p:nvSpPr>
+        <p:spPr bwMode="gray">
+          <a:xfrm rot="16200000">
+            <a:off x="5950898" y="638067"/>
+            <a:ext cx="6053670" cy="5581866"/>
+          </a:xfrm>
+          <a:custGeom>
+            <a:avLst/>
+            <a:gdLst>
+              <a:gd name="connsiteX0" fmla="*/ 6053670 w 6053670"/>
+              <a:gd name="connsiteY0" fmla="*/ 1098 h 5581866"/>
+              <a:gd name="connsiteX1" fmla="*/ 6053670 w 6053670"/>
+              <a:gd name="connsiteY1" fmla="*/ 514028 h 5581866"/>
+              <a:gd name="connsiteX2" fmla="*/ 6053670 w 6053670"/>
+              <a:gd name="connsiteY2" fmla="*/ 1254558 h 5581866"/>
+              <a:gd name="connsiteX3" fmla="*/ 6053670 w 6053670"/>
+              <a:gd name="connsiteY3" fmla="*/ 5581866 h 5581866"/>
+              <a:gd name="connsiteX4" fmla="*/ 0 w 6053670"/>
+              <a:gd name="connsiteY4" fmla="*/ 5581866 h 5581866"/>
+              <a:gd name="connsiteX5" fmla="*/ 0 w 6053670"/>
+              <a:gd name="connsiteY5" fmla="*/ 1249853 h 5581866"/>
+              <a:gd name="connsiteX6" fmla="*/ 0 w 6053670"/>
+              <a:gd name="connsiteY6" fmla="*/ 514028 h 5581866"/>
+              <a:gd name="connsiteX7" fmla="*/ 0 w 6053670"/>
+              <a:gd name="connsiteY7" fmla="*/ 0 h 5581866"/>
+              <a:gd name="connsiteX8" fmla="*/ 35717 w 6053670"/>
+              <a:gd name="connsiteY8" fmla="*/ 5488 h 5581866"/>
+              <a:gd name="connsiteX9" fmla="*/ 140445 w 6053670"/>
+              <a:gd name="connsiteY9" fmla="*/ 21641 h 5581866"/>
+              <a:gd name="connsiteX10" fmla="*/ 216722 w 6053670"/>
+              <a:gd name="connsiteY10" fmla="*/ 32932 h 5581866"/>
+              <a:gd name="connsiteX11" fmla="*/ 307527 w 6053670"/>
+              <a:gd name="connsiteY11" fmla="*/ 44850 h 5581866"/>
+              <a:gd name="connsiteX12" fmla="*/ 415282 w 6053670"/>
+              <a:gd name="connsiteY12" fmla="*/ 59121 h 5581866"/>
+              <a:gd name="connsiteX13" fmla="*/ 534539 w 6053670"/>
+              <a:gd name="connsiteY13" fmla="*/ 74175 h 5581866"/>
+              <a:gd name="connsiteX14" fmla="*/ 668931 w 6053670"/>
+              <a:gd name="connsiteY14" fmla="*/ 90014 h 5581866"/>
+              <a:gd name="connsiteX15" fmla="*/ 815430 w 6053670"/>
+              <a:gd name="connsiteY15" fmla="*/ 106794 h 5581866"/>
+              <a:gd name="connsiteX16" fmla="*/ 974641 w 6053670"/>
+              <a:gd name="connsiteY16" fmla="*/ 123574 h 5581866"/>
+              <a:gd name="connsiteX17" fmla="*/ 1144144 w 6053670"/>
+              <a:gd name="connsiteY17" fmla="*/ 140667 h 5581866"/>
+              <a:gd name="connsiteX18" fmla="*/ 1326965 w 6053670"/>
+              <a:gd name="connsiteY18" fmla="*/ 156506 h 5581866"/>
+              <a:gd name="connsiteX19" fmla="*/ 1518261 w 6053670"/>
+              <a:gd name="connsiteY19" fmla="*/ 171717 h 5581866"/>
+              <a:gd name="connsiteX20" fmla="*/ 1720453 w 6053670"/>
+              <a:gd name="connsiteY20" fmla="*/ 185518 h 5581866"/>
+              <a:gd name="connsiteX21" fmla="*/ 1931121 w 6053670"/>
+              <a:gd name="connsiteY21" fmla="*/ 198690 h 5581866"/>
+              <a:gd name="connsiteX22" fmla="*/ 2150869 w 6053670"/>
+              <a:gd name="connsiteY22" fmla="*/ 211079 h 5581866"/>
+              <a:gd name="connsiteX23" fmla="*/ 2263467 w 6053670"/>
+              <a:gd name="connsiteY23" fmla="*/ 215470 h 5581866"/>
+              <a:gd name="connsiteX24" fmla="*/ 2378487 w 6053670"/>
+              <a:gd name="connsiteY24" fmla="*/ 220332 h 5581866"/>
+              <a:gd name="connsiteX25" fmla="*/ 2495323 w 6053670"/>
+              <a:gd name="connsiteY25" fmla="*/ 224879 h 5581866"/>
+              <a:gd name="connsiteX26" fmla="*/ 2612764 w 6053670"/>
+              <a:gd name="connsiteY26" fmla="*/ 227859 h 5581866"/>
+              <a:gd name="connsiteX27" fmla="*/ 2732627 w 6053670"/>
+              <a:gd name="connsiteY27" fmla="*/ 230525 h 5581866"/>
+              <a:gd name="connsiteX28" fmla="*/ 2853700 w 6053670"/>
+              <a:gd name="connsiteY28" fmla="*/ 233348 h 5581866"/>
+              <a:gd name="connsiteX29" fmla="*/ 2977195 w 6053670"/>
+              <a:gd name="connsiteY29" fmla="*/ 235229 h 5581866"/>
+              <a:gd name="connsiteX30" fmla="*/ 3101900 w 6053670"/>
+              <a:gd name="connsiteY30" fmla="*/ 235229 h 5581866"/>
+              <a:gd name="connsiteX31" fmla="*/ 3227817 w 6053670"/>
+              <a:gd name="connsiteY31" fmla="*/ 236170 h 5581866"/>
+              <a:gd name="connsiteX32" fmla="*/ 3354944 w 6053670"/>
+              <a:gd name="connsiteY32" fmla="*/ 235229 h 5581866"/>
+              <a:gd name="connsiteX33" fmla="*/ 3483887 w 6053670"/>
+              <a:gd name="connsiteY33" fmla="*/ 233348 h 5581866"/>
+              <a:gd name="connsiteX34" fmla="*/ 3612830 w 6053670"/>
+              <a:gd name="connsiteY34" fmla="*/ 231623 h 5581866"/>
+              <a:gd name="connsiteX35" fmla="*/ 3743589 w 6053670"/>
+              <a:gd name="connsiteY35" fmla="*/ 227859 h 5581866"/>
+              <a:gd name="connsiteX36" fmla="*/ 3875559 w 6053670"/>
+              <a:gd name="connsiteY36" fmla="*/ 223938 h 5581866"/>
+              <a:gd name="connsiteX37" fmla="*/ 4007529 w 6053670"/>
+              <a:gd name="connsiteY37" fmla="*/ 219391 h 5581866"/>
+              <a:gd name="connsiteX38" fmla="*/ 4140710 w 6053670"/>
+              <a:gd name="connsiteY38" fmla="*/ 212961 h 5581866"/>
+              <a:gd name="connsiteX39" fmla="*/ 4275102 w 6053670"/>
+              <a:gd name="connsiteY39" fmla="*/ 205277 h 5581866"/>
+              <a:gd name="connsiteX40" fmla="*/ 4410098 w 6053670"/>
+              <a:gd name="connsiteY40" fmla="*/ 197907 h 5581866"/>
+              <a:gd name="connsiteX41" fmla="*/ 4545096 w 6053670"/>
+              <a:gd name="connsiteY41" fmla="*/ 188498 h 5581866"/>
+              <a:gd name="connsiteX42" fmla="*/ 4681909 w 6053670"/>
+              <a:gd name="connsiteY42" fmla="*/ 177207 h 5581866"/>
+              <a:gd name="connsiteX43" fmla="*/ 4816905 w 6053670"/>
+              <a:gd name="connsiteY43" fmla="*/ 165916 h 5581866"/>
+              <a:gd name="connsiteX44" fmla="*/ 4954323 w 6053670"/>
+              <a:gd name="connsiteY44" fmla="*/ 152899 h 5581866"/>
+              <a:gd name="connsiteX45" fmla="*/ 5092347 w 6053670"/>
+              <a:gd name="connsiteY45" fmla="*/ 138629 h 5581866"/>
+              <a:gd name="connsiteX46" fmla="*/ 5228555 w 6053670"/>
+              <a:gd name="connsiteY46" fmla="*/ 123574 h 5581866"/>
+              <a:gd name="connsiteX47" fmla="*/ 5366578 w 6053670"/>
+              <a:gd name="connsiteY47" fmla="*/ 106010 h 5581866"/>
+              <a:gd name="connsiteX48" fmla="*/ 5503997 w 6053670"/>
+              <a:gd name="connsiteY48" fmla="*/ 87192 h 5581866"/>
+              <a:gd name="connsiteX49" fmla="*/ 5642020 w 6053670"/>
+              <a:gd name="connsiteY49" fmla="*/ 68530 h 5581866"/>
+              <a:gd name="connsiteX50" fmla="*/ 5779438 w 6053670"/>
+              <a:gd name="connsiteY50" fmla="*/ 46733 h 5581866"/>
+              <a:gd name="connsiteX51" fmla="*/ 5916251 w 6053670"/>
+              <a:gd name="connsiteY51" fmla="*/ 24464 h 5581866"/>
+            </a:gdLst>
+            <a:ahLst/>
+            <a:cxnLst>
+              <a:cxn ang="0">
+                <a:pos x="connsiteX0" y="connsiteY0"/>
+              </a:cxn>
+              <a:cxn ang="0">
+                <a:pos x="connsiteX1" y="connsiteY1"/>
+              </a:cxn>
+              <a:cxn ang="0">
+                <a:pos x="connsiteX2" y="connsiteY2"/>
+              </a:cxn>
+              <a:cxn ang="0">
+                <a:pos x="connsiteX3" y="connsiteY3"/>
+              </a:cxn>
+              <a:cxn ang="0">
+                <a:pos x="connsiteX4" y="connsiteY4"/>
+              </a:cxn>
+              <a:cxn ang="0">
+                <a:pos x="connsiteX5" y="connsiteY5"/>
+              </a:cxn>
+              <a:cxn ang="0">
+                <a:pos x="connsiteX6" y="connsiteY6"/>
+              </a:cxn>
+              <a:cxn ang="0">
+                <a:pos x="connsiteX7" y="connsiteY7"/>
+              </a:cxn>
+              <a:cxn ang="0">
+                <a:pos x="connsiteX8" y="connsiteY8"/>
+              </a:cxn>
+              <a:cxn ang="0">
+                <a:pos x="connsiteX9" y="connsiteY9"/>
+              </a:cxn>
+              <a:cxn ang="0">
+                <a:pos x="connsiteX10" y="connsiteY10"/>
+              </a:cxn>
+              <a:cxn ang="0">
+                <a:pos x="connsiteX11" y="connsiteY11"/>
+              </a:cxn>
+              <a:cxn ang="0">
+                <a:pos x="connsiteX12" y="connsiteY12"/>
+              </a:cxn>
+              <a:cxn ang="0">
+                <a:pos x="connsiteX13" y="connsiteY13"/>
+              </a:cxn>
+              <a:cxn ang="0">
+                <a:pos x="connsiteX14" y="connsiteY14"/>
+              </a:cxn>
+              <a:cxn ang="0">
+                <a:pos x="connsiteX15" y="connsiteY15"/>
+              </a:cxn>
+              <a:cxn ang="0">
+                <a:pos x="connsiteX16" y="connsiteY16"/>
+              </a:cxn>
+              <a:cxn ang="0">
+                <a:pos x="connsiteX17" y="connsiteY17"/>
+              </a:cxn>
+              <a:cxn ang="0">
+                <a:pos x="connsiteX18" y="connsiteY18"/>
+              </a:cxn>
+              <a:cxn ang="0">
+                <a:pos x="connsiteX19" y="connsiteY19"/>
+              </a:cxn>
+              <a:cxn ang="0">
+                <a:pos x="connsiteX20" y="connsiteY20"/>
+              </a:cxn>
+              <a:cxn ang="0">
+                <a:pos x="connsiteX21" y="connsiteY21"/>
+              </a:cxn>
+              <a:cxn ang="0">
+                <a:pos x="connsiteX22" y="connsiteY22"/>
+              </a:cxn>
+              <a:cxn ang="0">
+                <a:pos x="connsiteX23" y="connsiteY23"/>
+              </a:cxn>
+              <a:cxn ang="0">
+                <a:pos x="connsiteX24" y="connsiteY24"/>
+              </a:cxn>
+              <a:cxn ang="0">
+                <a:pos x="connsiteX25" y="connsiteY25"/>
+              </a:cxn>
+              <a:cxn ang="0">
+                <a:pos x="connsiteX26" y="connsiteY26"/>
+              </a:cxn>
+              <a:cxn ang="0">
+                <a:pos x="connsiteX27" y="connsiteY27"/>
+              </a:cxn>
+              <a:cxn ang="0">
+                <a:pos x="connsiteX28" y="connsiteY28"/>
+              </a:cxn>
+              <a:cxn ang="0">
+                <a:pos x="connsiteX29" y="connsiteY29"/>
+              </a:cxn>
+              <a:cxn ang="0">
+                <a:pos x="connsiteX30" y="connsiteY30"/>
+              </a:cxn>
+              <a:cxn ang="0">
+                <a:pos x="connsiteX31" y="connsiteY31"/>
+              </a:cxn>
+              <a:cxn ang="0">
+                <a:pos x="connsiteX32" y="connsiteY32"/>
+              </a:cxn>
+              <a:cxn ang="0">
+                <a:pos x="connsiteX33" y="connsiteY33"/>
+              </a:cxn>
+              <a:cxn ang="0">
+                <a:pos x="connsiteX34" y="connsiteY34"/>
+              </a:cxn>
+              <a:cxn ang="0">
+                <a:pos x="connsiteX35" y="connsiteY35"/>
+              </a:cxn>
+              <a:cxn ang="0">
+                <a:pos x="connsiteX36" y="connsiteY36"/>
+              </a:cxn>
+              <a:cxn ang="0">
+                <a:pos x="connsiteX37" y="connsiteY37"/>
+              </a:cxn>
+              <a:cxn ang="0">
+                <a:pos x="connsiteX38" y="connsiteY38"/>
+              </a:cxn>
+              <a:cxn ang="0">
+                <a:pos x="connsiteX39" y="connsiteY39"/>
+              </a:cxn>
+              <a:cxn ang="0">
+                <a:pos x="connsiteX40" y="connsiteY40"/>
+              </a:cxn>
+              <a:cxn ang="0">
+                <a:pos x="connsiteX41" y="connsiteY41"/>
+              </a:cxn>
+              <a:cxn ang="0">
+                <a:pos x="connsiteX42" y="connsiteY42"/>
+              </a:cxn>
+              <a:cxn ang="0">
+                <a:pos x="connsiteX43" y="connsiteY43"/>
+              </a:cxn>
+              <a:cxn ang="0">
+                <a:pos x="connsiteX44" y="connsiteY44"/>
+              </a:cxn>
+              <a:cxn ang="0">
+                <a:pos x="connsiteX45" y="connsiteY45"/>
+              </a:cxn>
+              <a:cxn ang="0">
+                <a:pos x="connsiteX46" y="connsiteY46"/>
+              </a:cxn>
+              <a:cxn ang="0">
+                <a:pos x="connsiteX47" y="connsiteY47"/>
+              </a:cxn>
+              <a:cxn ang="0">
+                <a:pos x="connsiteX48" y="connsiteY48"/>
+              </a:cxn>
+              <a:cxn ang="0">
+                <a:pos x="connsiteX49" y="connsiteY49"/>
+              </a:cxn>
+              <a:cxn ang="0">
+                <a:pos x="connsiteX50" y="connsiteY50"/>
+              </a:cxn>
+              <a:cxn ang="0">
+                <a:pos x="connsiteX51" y="connsiteY51"/>
+              </a:cxn>
+            </a:cxnLst>
+            <a:rect l="l" t="t" r="r" b="b"/>
+            <a:pathLst>
+              <a:path w="6053670" h="5581866">
+                <a:moveTo>
+                  <a:pt x="6053670" y="1098"/>
+                </a:moveTo>
+                <a:lnTo>
+                  <a:pt x="6053670" y="514028"/>
+                </a:lnTo>
+                <a:lnTo>
+                  <a:pt x="6053670" y="1254558"/>
+                </a:lnTo>
+                <a:lnTo>
+                  <a:pt x="6053670" y="5581866"/>
+                </a:lnTo>
+                <a:lnTo>
+                  <a:pt x="0" y="5581866"/>
+                </a:lnTo>
+                <a:lnTo>
+                  <a:pt x="0" y="1249853"/>
+                </a:lnTo>
+                <a:lnTo>
+                  <a:pt x="0" y="514028"/>
+                </a:lnTo>
+                <a:lnTo>
+                  <a:pt x="0" y="0"/>
+                </a:lnTo>
+                <a:lnTo>
+                  <a:pt x="35717" y="5488"/>
+                </a:lnTo>
+                <a:lnTo>
+                  <a:pt x="140445" y="21641"/>
+                </a:lnTo>
+                <a:lnTo>
+                  <a:pt x="216722" y="32932"/>
+                </a:lnTo>
+                <a:lnTo>
+                  <a:pt x="307527" y="44850"/>
+                </a:lnTo>
+                <a:lnTo>
+                  <a:pt x="415282" y="59121"/>
+                </a:lnTo>
+                <a:lnTo>
+                  <a:pt x="534539" y="74175"/>
+                </a:lnTo>
+                <a:lnTo>
+                  <a:pt x="668931" y="90014"/>
+                </a:lnTo>
+                <a:lnTo>
+                  <a:pt x="815430" y="106794"/>
+                </a:lnTo>
+                <a:lnTo>
+                  <a:pt x="974641" y="123574"/>
+                </a:lnTo>
+                <a:lnTo>
+                  <a:pt x="1144144" y="140667"/>
+                </a:lnTo>
+                <a:lnTo>
+                  <a:pt x="1326965" y="156506"/>
+                </a:lnTo>
+                <a:lnTo>
+                  <a:pt x="1518261" y="171717"/>
+                </a:lnTo>
+                <a:lnTo>
+                  <a:pt x="1720453" y="185518"/>
+                </a:lnTo>
+                <a:lnTo>
+                  <a:pt x="1931121" y="198690"/>
+                </a:lnTo>
+                <a:lnTo>
+                  <a:pt x="2150869" y="211079"/>
+                </a:lnTo>
+                <a:lnTo>
+                  <a:pt x="2263467" y="215470"/>
+                </a:lnTo>
+                <a:lnTo>
+                  <a:pt x="2378487" y="220332"/>
+                </a:lnTo>
+                <a:lnTo>
+                  <a:pt x="2495323" y="224879"/>
+                </a:lnTo>
+                <a:lnTo>
+                  <a:pt x="2612764" y="227859"/>
+                </a:lnTo>
+                <a:lnTo>
+                  <a:pt x="2732627" y="230525"/>
+                </a:lnTo>
+                <a:lnTo>
+                  <a:pt x="2853700" y="233348"/>
+                </a:lnTo>
+                <a:lnTo>
+                  <a:pt x="2977195" y="235229"/>
+                </a:lnTo>
+                <a:lnTo>
+                  <a:pt x="3101900" y="235229"/>
+                </a:lnTo>
+                <a:lnTo>
+                  <a:pt x="3227817" y="236170"/>
+                </a:lnTo>
+                <a:lnTo>
+                  <a:pt x="3354944" y="235229"/>
+                </a:lnTo>
+                <a:lnTo>
+                  <a:pt x="3483887" y="233348"/>
+                </a:lnTo>
+                <a:lnTo>
+                  <a:pt x="3612830" y="231623"/>
+                </a:lnTo>
+                <a:lnTo>
+                  <a:pt x="3743589" y="227859"/>
+                </a:lnTo>
+                <a:lnTo>
+                  <a:pt x="3875559" y="223938"/>
+                </a:lnTo>
+                <a:lnTo>
+                  <a:pt x="4007529" y="219391"/>
+                </a:lnTo>
+                <a:lnTo>
+                  <a:pt x="4140710" y="212961"/>
+                </a:lnTo>
+                <a:lnTo>
+                  <a:pt x="4275102" y="205277"/>
+                </a:lnTo>
+                <a:lnTo>
+                  <a:pt x="4410098" y="197907"/>
+                </a:lnTo>
+                <a:lnTo>
+                  <a:pt x="4545096" y="188498"/>
+                </a:lnTo>
+                <a:lnTo>
+                  <a:pt x="4681909" y="177207"/>
+                </a:lnTo>
+                <a:lnTo>
+                  <a:pt x="4816905" y="165916"/>
+                </a:lnTo>
+                <a:lnTo>
+                  <a:pt x="4954323" y="152899"/>
+                </a:lnTo>
+                <a:lnTo>
+                  <a:pt x="5092347" y="138629"/>
+                </a:lnTo>
+                <a:lnTo>
+                  <a:pt x="5228555" y="123574"/>
+                </a:lnTo>
+                <a:lnTo>
+                  <a:pt x="5366578" y="106010"/>
+                </a:lnTo>
+                <a:lnTo>
+                  <a:pt x="5503997" y="87192"/>
+                </a:lnTo>
+                <a:lnTo>
+                  <a:pt x="5642020" y="68530"/>
+                </a:lnTo>
+                <a:lnTo>
+                  <a:pt x="5779438" y="46733"/>
+                </a:lnTo>
+                <a:lnTo>
+                  <a:pt x="5916251" y="24464"/>
+                </a:lnTo>
+                <a:close/>
+              </a:path>
+            </a:pathLst>
+          </a:custGeom>
+          <a:solidFill>
+            <a:schemeClr val="tx1"/>
+          </a:solidFill>
+          <a:ln>
+            <a:noFill/>
+          </a:ln>
+        </p:spPr>
+      </p:sp>
+      <p:sp>
+        <p:nvSpPr>
+          <p:cNvPr id="20" name="Freeform 5">
+            <a:extLst>
+              <a:ext uri="{FF2B5EF4-FFF2-40B4-BE49-F238E27FC236}">
+                <a16:creationId xmlns:a16="http://schemas.microsoft.com/office/drawing/2014/main" id="{B5C860C9-D4F9-4350-80DA-0D1CD36C7741}"/>
+              </a:ext>
+              <a:ext uri="{C183D7F6-B498-43B3-948B-1728B52AA6E4}">
+                <adec:decorative xmlns:adec="http://schemas.microsoft.com/office/drawing/2017/decorative" val="1"/>
+              </a:ext>
+            </a:extLst>
+          </p:cNvPr>
+          <p:cNvSpPr>
+            <a:spLocks noGrp="1" noRot="1" noChangeAspect="1" noMove="1" noResize="1" noEditPoints="1" noAdjustHandles="1" noChangeArrowheads="1" noChangeShapeType="1" noTextEdit="1"/>
+          </p:cNvSpPr>
+          <p:nvPr>
+            <p:extLst>
+              <p:ext uri="{386F3935-93C4-4BCD-93E2-E3B085C9AB24}">
+                <p16:designElem xmlns:p16="http://schemas.microsoft.com/office/powerpoint/2015/main" val="1"/>
+              </p:ext>
+            </p:extLst>
+          </p:nvPr>
+        </p:nvSpPr>
+        <p:spPr bwMode="gray">
+          <a:xfrm>
+            <a:off x="0" y="1587"/>
+            <a:ext cx="12192000" cy="6856413"/>
+          </a:xfrm>
+          <a:custGeom>
+            <a:avLst/>
+            <a:gdLst/>
+            <a:ahLst/>
+            <a:cxnLst/>
+            <a:rect l="0" t="0" r="r" b="b"/>
+            <a:pathLst>
+              <a:path w="15356" h="8638">
+                <a:moveTo>
+                  <a:pt x="0" y="0"/>
+                </a:moveTo>
+                <a:lnTo>
+                  <a:pt x="0" y="8638"/>
+                </a:lnTo>
+                <a:lnTo>
+                  <a:pt x="15356" y="8638"/>
+                </a:lnTo>
+                <a:lnTo>
+                  <a:pt x="15356" y="0"/>
+                </a:lnTo>
+                <a:lnTo>
+                  <a:pt x="0" y="0"/>
+                </a:lnTo>
+                <a:close/>
+                <a:moveTo>
+                  <a:pt x="14748" y="8038"/>
+                </a:moveTo>
+                <a:lnTo>
+                  <a:pt x="600" y="8038"/>
+                </a:lnTo>
+                <a:lnTo>
+                  <a:pt x="600" y="592"/>
+                </a:lnTo>
+                <a:lnTo>
+                  <a:pt x="14748" y="592"/>
+                </a:lnTo>
+                <a:lnTo>
+                  <a:pt x="14748" y="8038"/>
+                </a:lnTo>
+                <a:close/>
+              </a:path>
+            </a:pathLst>
+          </a:custGeom>
+          <a:solidFill>
+            <a:schemeClr val="tx1"/>
+          </a:solidFill>
+          <a:ln>
+            <a:noFill/>
+          </a:ln>
+        </p:spPr>
+      </p:sp>
+      <p:sp>
+        <p:nvSpPr>
           <p:cNvPr id="2" name="Title 1">
             <a:extLst>
               <a:ext uri="{FF2B5EF4-FFF2-40B4-BE49-F238E27FC236}">
@@ -14199,18 +14974,116 @@
             <p:ph type="title"/>
           </p:nvPr>
         </p:nvSpPr>
-        <p:spPr/>
+        <p:spPr>
+          <a:xfrm>
+            <a:off x="639098" y="629265"/>
+            <a:ext cx="5132438" cy="1622322"/>
+          </a:xfrm>
+        </p:spPr>
         <p:txBody>
-          <a:bodyPr/>
+          <a:bodyPr>
+            <a:normAutofit/>
+          </a:bodyPr>
           <a:lstStyle/>
           <a:p>
             <a:r>
-              <a:rPr lang="en-GB" dirty="0"/>
+              <a:rPr lang="en-GB">
+                <a:solidFill>
+                  <a:srgbClr val="EBEBEB"/>
+                </a:solidFill>
+              </a:rPr>
               <a:t>Level design</a:t>
             </a:r>
-            <a:endParaRPr lang="en-IE" dirty="0"/>
+            <a:endParaRPr lang="en-IE">
+              <a:solidFill>
+                <a:srgbClr val="EBEBEB"/>
+              </a:solidFill>
+            </a:endParaRPr>
           </a:p>
         </p:txBody>
+      </p:sp>
+      <p:pic>
+        <p:nvPicPr>
+          <p:cNvPr id="9" name="Picture 8">
+            <a:extLst>
+              <a:ext uri="{FF2B5EF4-FFF2-40B4-BE49-F238E27FC236}">
+                <a16:creationId xmlns:a16="http://schemas.microsoft.com/office/drawing/2014/main" id="{68283F64-237C-4735-AA1A-E914FFD911AD}"/>
+              </a:ext>
+            </a:extLst>
+          </p:cNvPr>
+          <p:cNvPicPr>
+            <a:picLocks noChangeAspect="1"/>
+          </p:cNvPicPr>
+          <p:nvPr/>
+        </p:nvPicPr>
+        <p:blipFill>
+          <a:blip r:embed="rId2"/>
+          <a:stretch>
+            <a:fillRect/>
+          </a:stretch>
+        </p:blipFill>
+        <p:spPr>
+          <a:xfrm>
+            <a:off x="7551323" y="645106"/>
+            <a:ext cx="3155732" cy="5585369"/>
+          </a:xfrm>
+          <a:prstGeom prst="rect">
+            <a:avLst/>
+          </a:prstGeom>
+        </p:spPr>
+      </p:pic>
+      <p:sp>
+        <p:nvSpPr>
+          <p:cNvPr id="22" name="Rectangle 21">
+            <a:extLst>
+              <a:ext uri="{FF2B5EF4-FFF2-40B4-BE49-F238E27FC236}">
+                <a16:creationId xmlns:a16="http://schemas.microsoft.com/office/drawing/2014/main" id="{538A90C8-AE0E-4EBA-9AF8-EEDB206020E0}"/>
+              </a:ext>
+              <a:ext uri="{C183D7F6-B498-43B3-948B-1728B52AA6E4}">
+                <adec:decorative xmlns:adec="http://schemas.microsoft.com/office/drawing/2017/decorative" val="1"/>
+              </a:ext>
+            </a:extLst>
+          </p:cNvPr>
+          <p:cNvSpPr>
+            <a:spLocks noGrp="1" noRot="1" noChangeAspect="1" noMove="1" noResize="1" noEditPoints="1" noAdjustHandles="1" noChangeArrowheads="1" noChangeShapeType="1" noTextEdit="1"/>
+          </p:cNvSpPr>
+          <p:nvPr>
+            <p:extLst>
+              <p:ext uri="{386F3935-93C4-4BCD-93E2-E3B085C9AB24}">
+                <p16:designElem xmlns:p16="http://schemas.microsoft.com/office/powerpoint/2015/main" val="1"/>
+              </p:ext>
+            </p:extLst>
+          </p:nvPr>
+        </p:nvSpPr>
+        <p:spPr>
+          <a:xfrm>
+            <a:off x="10437812" y="0"/>
+            <a:ext cx="685800" cy="1143000"/>
+          </a:xfrm>
+          <a:prstGeom prst="rect">
+            <a:avLst/>
+          </a:prstGeom>
+          <a:solidFill>
+            <a:schemeClr val="accent1"/>
+          </a:solidFill>
+          <a:ln>
+            <a:noFill/>
+          </a:ln>
+        </p:spPr>
+        <p:style>
+          <a:lnRef idx="1">
+            <a:schemeClr val="accent1"/>
+          </a:lnRef>
+          <a:fillRef idx="3">
+            <a:schemeClr val="accent1"/>
+          </a:fillRef>
+          <a:effectRef idx="2">
+            <a:schemeClr val="accent1"/>
+          </a:effectRef>
+          <a:fontRef idx="minor">
+            <a:schemeClr val="lt1"/>
+          </a:fontRef>
+        </p:style>
       </p:sp>
       <p:sp>
         <p:nvSpPr>
@@ -14228,55 +15101,44 @@
             <p:ph idx="1"/>
           </p:nvPr>
         </p:nvSpPr>
-        <p:spPr/>
+        <p:spPr>
+          <a:xfrm>
+            <a:off x="639098" y="2418735"/>
+            <a:ext cx="5132439" cy="3811742"/>
+          </a:xfrm>
+        </p:spPr>
         <p:txBody>
-          <a:bodyPr/>
+          <a:bodyPr anchor="ctr">
+            <a:normAutofit/>
+          </a:bodyPr>
           <a:lstStyle/>
           <a:p>
             <a:r>
-              <a:rPr lang="en-GB" dirty="0"/>
+              <a:rPr lang="en-GB">
+                <a:solidFill>
+                  <a:srgbClr val="FFFFFF"/>
+                </a:solidFill>
+              </a:rPr>
               <a:t>Tight compact levels using more verticality than normally seen in a platformer.</a:t>
             </a:r>
           </a:p>
           <a:p>
             <a:r>
-              <a:rPr lang="en-GB" dirty="0"/>
+              <a:rPr lang="en-GB">
+                <a:solidFill>
+                  <a:srgbClr val="FFFFFF"/>
+                </a:solidFill>
+              </a:rPr>
               <a:t>&lt;various level designs including boss level&gt;</a:t>
             </a:r>
-            <a:endParaRPr lang="en-IE" dirty="0"/>
+            <a:endParaRPr lang="en-IE">
+              <a:solidFill>
+                <a:srgbClr val="FFFFFF"/>
+              </a:solidFill>
+            </a:endParaRPr>
           </a:p>
         </p:txBody>
       </p:sp>
-      <p:pic>
-        <p:nvPicPr>
-          <p:cNvPr id="4" name="Picture 3">
-            <a:extLst>
-              <a:ext uri="{FF2B5EF4-FFF2-40B4-BE49-F238E27FC236}">
-                <a16:creationId xmlns:a16="http://schemas.microsoft.com/office/drawing/2014/main" id="{8BD05A62-7818-47BD-84C3-CD4489EDCDB6}"/>
-              </a:ext>
-            </a:extLst>
-          </p:cNvPr>
-          <p:cNvPicPr>
-            <a:picLocks noChangeAspect="1"/>
-          </p:cNvPicPr>
-          <p:nvPr/>
-        </p:nvPicPr>
-        <p:blipFill>
-          <a:blip r:embed="rId2"/>
-          <a:stretch>
-            <a:fillRect/>
-          </a:stretch>
-        </p:blipFill>
-        <p:spPr>
-          <a:xfrm>
-            <a:off x="9638523" y="2368674"/>
-            <a:ext cx="2043622" cy="4026467"/>
-          </a:xfrm>
-          <a:prstGeom prst="rect">
-            <a:avLst/>
-          </a:prstGeom>
-        </p:spPr>
-      </p:pic>
     </p:spTree>
     <p:extLst>
       <p:ext uri="{BB962C8B-B14F-4D97-AF65-F5344CB8AC3E}">
@@ -14285,7 +15147,7 @@
     </p:extLst>
   </p:cSld>
   <p:clrMapOvr>
-    <a:masterClrMapping/>
+    <a:overrideClrMapping bg1="dk1" tx1="lt1" bg2="dk2" tx2="lt2" accent1="accent1" accent2="accent2" accent3="accent3" accent4="accent4" accent5="accent5" accent6="accent6" hlink="hlink" folHlink="folHlink"/>
   </p:clrMapOvr>
 </p:sld>
 </file>

--- a/pitchNinja Ball.pptx
+++ b/pitchNinja Ball.pptx
@@ -13895,47 +13895,35 @@
           <a:p>
             <a:pPr>
               <a:lnSpc>
-                <a:spcPct val="250000"/>
+                <a:spcPct val="300000"/>
               </a:lnSpc>
             </a:pPr>
             <a:r>
-              <a:rPr lang="en-IE"/>
+              <a:rPr lang="en-IE" dirty="0"/>
               <a:t>Vertical phone screen.</a:t>
             </a:r>
           </a:p>
           <a:p>
             <a:pPr>
               <a:lnSpc>
-                <a:spcPct val="250000"/>
+                <a:spcPct val="300000"/>
               </a:lnSpc>
             </a:pPr>
             <a:r>
-              <a:rPr lang="en-IE"/>
-              <a:t>3 buttons left right and jump</a:t>
+              <a:rPr lang="en-IE" dirty="0"/>
+              <a:t>3 buttons left, right and jump.</a:t>
             </a:r>
           </a:p>
           <a:p>
             <a:pPr>
               <a:lnSpc>
-                <a:spcPct val="250000"/>
+                <a:spcPct val="300000"/>
               </a:lnSpc>
             </a:pPr>
             <a:r>
-              <a:rPr lang="en-IE"/>
+              <a:rPr lang="en-IE" dirty="0"/>
               <a:t>Easy mid air control.</a:t>
             </a:r>
-          </a:p>
-          <a:p>
-            <a:pPr>
-              <a:lnSpc>
-                <a:spcPct val="250000"/>
-              </a:lnSpc>
-            </a:pPr>
-            <a:r>
-              <a:rPr lang="en-IE"/>
-              <a:t>Jump button. </a:t>
-            </a:r>
-            <a:endParaRPr lang="en-IE" dirty="0"/>
           </a:p>
         </p:txBody>
       </p:sp>

--- a/pitchNinja Ball.pptx
+++ b/pitchNinja Ball.pptx
@@ -654,7 +654,7 @@
             <a:fld id="{5923F103-BC34-4FE4-A40E-EDDEECFDA5D0}" type="datetimeFigureOut">
               <a:rPr lang="en-US" dirty="0"/>
               <a:pPr/>
-              <a:t>2/25/2020</a:t>
+              <a:t>2/26/2020</a:t>
             </a:fld>
             <a:endParaRPr lang="en-US" dirty="0"/>
           </a:p>
@@ -1742,7 +1742,7 @@
           <a:p>
             <a:fld id="{923A1CC3-2375-41D4-9E03-427CAF2A4C1A}" type="datetimeFigureOut">
               <a:rPr lang="en-US" dirty="0"/>
-              <a:t>2/25/2020</a:t>
+              <a:t>2/26/2020</a:t>
             </a:fld>
             <a:endParaRPr lang="en-US" dirty="0"/>
           </a:p>
@@ -2722,7 +2722,7 @@
           <a:p>
             <a:fld id="{AFF16868-8199-4C2C-A5B1-63AEE139F88E}" type="datetimeFigureOut">
               <a:rPr lang="en-US" dirty="0"/>
-              <a:t>2/25/2020</a:t>
+              <a:t>2/26/2020</a:t>
             </a:fld>
             <a:endParaRPr lang="en-US" dirty="0"/>
           </a:p>
@@ -3856,7 +3856,7 @@
           <a:p>
             <a:fld id="{AAD9FF7F-6988-44CC-821B-644E70CD2F73}" type="datetimeFigureOut">
               <a:rPr lang="en-US" dirty="0"/>
-              <a:t>2/25/2020</a:t>
+              <a:t>2/26/2020</a:t>
             </a:fld>
             <a:endParaRPr lang="en-US" dirty="0"/>
           </a:p>
@@ -4889,7 +4889,7 @@
           <a:p>
             <a:fld id="{5C12C299-16B2-4475-990D-751901EACC14}" type="datetimeFigureOut">
               <a:rPr lang="en-US" dirty="0"/>
-              <a:t>2/25/2020</a:t>
+              <a:t>2/26/2020</a:t>
             </a:fld>
             <a:endParaRPr lang="en-US" dirty="0"/>
           </a:p>
@@ -5549,7 +5549,7 @@
           <a:p>
             <a:fld id="{9FE86839-B9D8-4651-8783-F325ECE74E65}" type="datetimeFigureOut">
               <a:rPr lang="en-US" dirty="0"/>
-              <a:t>2/25/2020</a:t>
+              <a:t>2/26/2020</a:t>
             </a:fld>
             <a:endParaRPr lang="en-US" dirty="0"/>
           </a:p>
@@ -6410,7 +6410,7 @@
           <a:p>
             <a:fld id="{FD484F64-32F6-45C5-931F-ADC1662401D0}" type="datetimeFigureOut">
               <a:rPr lang="en-US" dirty="0"/>
-              <a:t>2/25/2020</a:t>
+              <a:t>2/26/2020</a:t>
             </a:fld>
             <a:endParaRPr lang="en-US" dirty="0"/>
           </a:p>
@@ -6600,7 +6600,7 @@
           <a:p>
             <a:fld id="{53086D93-FCAC-47E0-A2EE-787E62CA814C}" type="datetimeFigureOut">
               <a:rPr lang="en-US" dirty="0"/>
-              <a:t>2/25/2020</a:t>
+              <a:t>2/26/2020</a:t>
             </a:fld>
             <a:endParaRPr lang="en-US" dirty="0"/>
           </a:p>
@@ -7572,7 +7572,7 @@
           <a:p>
             <a:fld id="{CDA879A6-0FD0-4734-A311-86BFCA472E6E}" type="datetimeFigureOut">
               <a:rPr lang="en-US" dirty="0"/>
-              <a:t>2/25/2020</a:t>
+              <a:t>2/26/2020</a:t>
             </a:fld>
             <a:endParaRPr lang="en-US" dirty="0"/>
           </a:p>
@@ -7783,7 +7783,7 @@
           <a:p>
             <a:fld id="{19C9CA7B-DFD4-44B5-8C60-D14B8CD1FB59}" type="datetimeFigureOut">
               <a:rPr lang="en-US" dirty="0"/>
-              <a:t>2/25/2020</a:t>
+              <a:t>2/26/2020</a:t>
             </a:fld>
             <a:endParaRPr lang="en-US" dirty="0"/>
           </a:p>
@@ -8817,7 +8817,7 @@
           <a:p>
             <a:fld id="{F34E6425-0181-43F2-84FC-787E803FD2F8}" type="datetimeFigureOut">
               <a:rPr lang="en-US" dirty="0"/>
-              <a:t>2/25/2020</a:t>
+              <a:t>2/26/2020</a:t>
             </a:fld>
             <a:endParaRPr lang="en-US" dirty="0"/>
           </a:p>
@@ -9089,7 +9089,7 @@
           <a:p>
             <a:fld id="{3BDB8791-F1B0-41E7-B7FD-A781E65C4266}" type="datetimeFigureOut">
               <a:rPr lang="en-US" dirty="0"/>
-              <a:t>2/25/2020</a:t>
+              <a:t>2/26/2020</a:t>
             </a:fld>
             <a:endParaRPr lang="en-US" dirty="0"/>
           </a:p>
@@ -9499,7 +9499,7 @@
           <a:p>
             <a:fld id="{5FDD63B2-E120-4ED8-B27B-C685F510A5FE}" type="datetimeFigureOut">
               <a:rPr lang="en-US" dirty="0"/>
-              <a:t>2/25/2020</a:t>
+              <a:t>2/26/2020</a:t>
             </a:fld>
             <a:endParaRPr lang="en-US" dirty="0"/>
           </a:p>
@@ -9626,7 +9626,7 @@
           <a:p>
             <a:fld id="{7AA18ACC-A947-437B-A130-35BD54FDF1E9}" type="datetimeFigureOut">
               <a:rPr lang="en-US" dirty="0"/>
-              <a:t>2/25/2020</a:t>
+              <a:t>2/26/2020</a:t>
             </a:fld>
             <a:endParaRPr lang="en-US" dirty="0"/>
           </a:p>
@@ -9721,7 +9721,7 @@
           <a:p>
             <a:fld id="{7C8D7E02-BCB8-4D50-A234-369438C08659}" type="datetimeFigureOut">
               <a:rPr lang="en-US" dirty="0"/>
-              <a:t>2/25/2020</a:t>
+              <a:t>2/26/2020</a:t>
             </a:fld>
             <a:endParaRPr lang="en-US" dirty="0"/>
           </a:p>
@@ -10802,7 +10802,7 @@
           <a:p>
             <a:fld id="{76E86A4C-8E40-4F87-A4F0-01A0687C5742}" type="datetimeFigureOut">
               <a:rPr lang="en-US" dirty="0"/>
-              <a:t>2/25/2020</a:t>
+              <a:t>2/26/2020</a:t>
             </a:fld>
             <a:endParaRPr lang="en-US" dirty="0"/>
           </a:p>
@@ -11910,7 +11910,7 @@
           <a:p>
             <a:fld id="{35E72C73-2D91-4E12-BA25-F0AA0C03599B}" type="datetimeFigureOut">
               <a:rPr lang="en-US" dirty="0"/>
-              <a:t>2/25/2020</a:t>
+              <a:t>2/26/2020</a:t>
             </a:fld>
             <a:endParaRPr lang="en-US" dirty="0"/>
           </a:p>
@@ -12907,7 +12907,7 @@
           <a:p>
             <a:fld id="{2BE451C3-0FF4-47C4-B829-773ADF60F88C}" type="datetimeFigureOut">
               <a:rPr lang="en-US" dirty="0"/>
-              <a:t>2/25/2020</a:t>
+              <a:t>2/26/2020</a:t>
             </a:fld>
             <a:endParaRPr lang="en-US" dirty="0"/>
           </a:p>
@@ -13624,7 +13624,7 @@
             </a:pPr>
             <a:r>
               <a:rPr lang="en-GB" dirty="0"/>
-              <a:t>Embark on a Quest to the top of the tower to defeat the evil shogun</a:t>
+              <a:t>Embark on a Quest to the top of the tower to defeat the evil shogun.</a:t>
             </a:r>
           </a:p>
           <a:p>
@@ -13635,7 +13635,7 @@
             </a:pPr>
             <a:r>
               <a:rPr lang="en-GB" dirty="0"/>
-              <a:t>Fun levels full of obstacles pinball inspired obstacles</a:t>
+              <a:t>Fun levels full of obstacles pinball inspired obstacles.</a:t>
             </a:r>
           </a:p>
           <a:p>
@@ -13911,7 +13911,7 @@
             </a:pPr>
             <a:r>
               <a:rPr lang="en-IE" dirty="0"/>
-              <a:t>3 buttons left, right and jump.</a:t>
+              <a:t>3 buttons: left, right and jump.</a:t>
             </a:r>
           </a:p>
           <a:p>
@@ -15209,12 +15209,144 @@
           <a:p>
             <a:r>
               <a:rPr lang="en-GB" dirty="0"/>
-              <a:t>Soundbites, sources, use</a:t>
+              <a:t>Bumper sound</a:t>
             </a:r>
             <a:endParaRPr lang="en-IE" dirty="0"/>
           </a:p>
+          <a:p>
+            <a:endParaRPr lang="en-IE" dirty="0"/>
+          </a:p>
+          <a:p>
+            <a:r>
+              <a:rPr lang="en-IE" dirty="0"/>
+              <a:t>Flipper sound</a:t>
+            </a:r>
+          </a:p>
+          <a:p>
+            <a:endParaRPr lang="en-IE" dirty="0"/>
+          </a:p>
+          <a:p>
+            <a:r>
+              <a:rPr lang="en-IE" dirty="0"/>
+              <a:t>Level transition</a:t>
+            </a:r>
+          </a:p>
         </p:txBody>
       </p:sp>
+      <p:pic>
+        <p:nvPicPr>
+          <p:cNvPr id="4" name="bumper">
+            <a:hlinkClick r:id="" action="ppaction://media"/>
+            <a:extLst>
+              <a:ext uri="{FF2B5EF4-FFF2-40B4-BE49-F238E27FC236}">
+                <a16:creationId xmlns:a16="http://schemas.microsoft.com/office/drawing/2014/main" id="{6DB0B945-5E1B-4E8A-895E-F67704737854}"/>
+              </a:ext>
+            </a:extLst>
+          </p:cNvPr>
+          <p:cNvPicPr>
+            <a:picLocks noChangeAspect="1"/>
+          </p:cNvPicPr>
+          <p:nvPr>
+            <a:audioFile r:link="rId2"/>
+            <p:extLst>
+              <p:ext uri="{DAA4B4D4-6D71-4841-9C94-3DE7FCFB9230}">
+                <p14:media xmlns:p14="http://schemas.microsoft.com/office/powerpoint/2010/main" r:embed="rId1"/>
+              </p:ext>
+            </p:extLst>
+          </p:nvPr>
+        </p:nvPicPr>
+        <p:blipFill>
+          <a:blip r:embed="rId8"/>
+          <a:stretch>
+            <a:fillRect/>
+          </a:stretch>
+        </p:blipFill>
+        <p:spPr>
+          <a:xfrm>
+            <a:off x="10534356" y="2580431"/>
+            <a:ext cx="609600" cy="609600"/>
+          </a:xfrm>
+          <a:prstGeom prst="rect">
+            <a:avLst/>
+          </a:prstGeom>
+        </p:spPr>
+      </p:pic>
+      <p:pic>
+        <p:nvPicPr>
+          <p:cNvPr id="5" name="flipper">
+            <a:hlinkClick r:id="" action="ppaction://media"/>
+            <a:extLst>
+              <a:ext uri="{FF2B5EF4-FFF2-40B4-BE49-F238E27FC236}">
+                <a16:creationId xmlns:a16="http://schemas.microsoft.com/office/drawing/2014/main" id="{6A8A9903-206B-4AA4-B3A4-83FA667F892E}"/>
+              </a:ext>
+            </a:extLst>
+          </p:cNvPr>
+          <p:cNvPicPr>
+            <a:picLocks noChangeAspect="1"/>
+          </p:cNvPicPr>
+          <p:nvPr>
+            <a:audioFile r:link="rId4"/>
+            <p:extLst>
+              <p:ext uri="{DAA4B4D4-6D71-4841-9C94-3DE7FCFB9230}">
+                <p14:media xmlns:p14="http://schemas.microsoft.com/office/powerpoint/2010/main" r:embed="rId3"/>
+              </p:ext>
+            </p:extLst>
+          </p:nvPr>
+        </p:nvPicPr>
+        <p:blipFill>
+          <a:blip r:embed="rId8"/>
+          <a:stretch>
+            <a:fillRect/>
+          </a:stretch>
+        </p:blipFill>
+        <p:spPr>
+          <a:xfrm>
+            <a:off x="10534356" y="3363170"/>
+            <a:ext cx="609600" cy="609600"/>
+          </a:xfrm>
+          <a:prstGeom prst="rect">
+            <a:avLst/>
+          </a:prstGeom>
+        </p:spPr>
+      </p:pic>
+      <p:pic>
+        <p:nvPicPr>
+          <p:cNvPr id="6" name="leveltrans">
+            <a:hlinkClick r:id="" action="ppaction://media"/>
+            <a:extLst>
+              <a:ext uri="{FF2B5EF4-FFF2-40B4-BE49-F238E27FC236}">
+                <a16:creationId xmlns:a16="http://schemas.microsoft.com/office/drawing/2014/main" id="{5A1812E5-502A-47E0-8BA5-26BA7B80C89D}"/>
+              </a:ext>
+            </a:extLst>
+          </p:cNvPr>
+          <p:cNvPicPr>
+            <a:picLocks noChangeAspect="1"/>
+          </p:cNvPicPr>
+          <p:nvPr>
+            <a:audioFile r:link="rId6"/>
+            <p:extLst>
+              <p:ext uri="{DAA4B4D4-6D71-4841-9C94-3DE7FCFB9230}">
+                <p14:media xmlns:p14="http://schemas.microsoft.com/office/powerpoint/2010/main" r:embed="rId5"/>
+              </p:ext>
+            </p:extLst>
+          </p:nvPr>
+        </p:nvPicPr>
+        <p:blipFill>
+          <a:blip r:embed="rId8"/>
+          <a:stretch>
+            <a:fillRect/>
+          </a:stretch>
+        </p:blipFill>
+        <p:spPr>
+          <a:xfrm>
+            <a:off x="10534356" y="4145909"/>
+            <a:ext cx="609600" cy="609600"/>
+          </a:xfrm>
+          <a:prstGeom prst="rect">
+            <a:avLst/>
+          </a:prstGeom>
+        </p:spPr>
+      </p:pic>
     </p:spTree>
     <p:extLst>
       <p:ext uri="{BB962C8B-B14F-4D97-AF65-F5344CB8AC3E}">
@@ -15225,6 +15357,198 @@
   <p:clrMapOvr>
     <a:masterClrMapping/>
   </p:clrMapOvr>
+  <p:timing>
+    <p:tnLst>
+      <p:par>
+        <p:cTn id="1" dur="indefinite" restart="never" nodeType="tmRoot">
+          <p:childTnLst>
+            <p:seq concurrent="1" nextAc="seek">
+              <p:cTn id="2" dur="indefinite" nodeType="mainSeq">
+                <p:childTnLst>
+                  <p:par>
+                    <p:cTn id="3" fill="hold">
+                      <p:stCondLst>
+                        <p:cond delay="indefinite"/>
+                      </p:stCondLst>
+                      <p:childTnLst>
+                        <p:par>
+                          <p:cTn id="4" fill="hold">
+                            <p:stCondLst>
+                              <p:cond delay="0"/>
+                            </p:stCondLst>
+                            <p:childTnLst>
+                              <p:par>
+                                <p:cTn id="5" presetID="1" presetClass="mediacall" presetSubtype="0" fill="hold" nodeType="clickEffect">
+                                  <p:stCondLst>
+                                    <p:cond delay="0"/>
+                                  </p:stCondLst>
+                                  <p:childTnLst>
+                                    <p:cmd type="call" cmd="playFrom(0.0)">
+                                      <p:cBhvr>
+                                        <p:cTn id="6" dur="746" fill="hold"/>
+                                        <p:tgtEl>
+                                          <p:spTgt spid="4"/>
+                                        </p:tgtEl>
+                                      </p:cBhvr>
+                                    </p:cmd>
+                                  </p:childTnLst>
+                                </p:cTn>
+                              </p:par>
+                            </p:childTnLst>
+                          </p:cTn>
+                        </p:par>
+                      </p:childTnLst>
+                    </p:cTn>
+                  </p:par>
+                  <p:par>
+                    <p:cTn id="7" fill="hold">
+                      <p:stCondLst>
+                        <p:cond delay="indefinite"/>
+                      </p:stCondLst>
+                      <p:childTnLst>
+                        <p:par>
+                          <p:cTn id="8" fill="hold">
+                            <p:stCondLst>
+                              <p:cond delay="0"/>
+                            </p:stCondLst>
+                            <p:childTnLst>
+                              <p:par>
+                                <p:cTn id="9" presetID="1" presetClass="mediacall" presetSubtype="0" fill="hold" nodeType="clickEffect">
+                                  <p:stCondLst>
+                                    <p:cond delay="0"/>
+                                  </p:stCondLst>
+                                  <p:childTnLst>
+                                    <p:cmd type="call" cmd="playFrom(0.0)">
+                                      <p:cBhvr>
+                                        <p:cTn id="10" dur="713" fill="hold"/>
+                                        <p:tgtEl>
+                                          <p:spTgt spid="5"/>
+                                        </p:tgtEl>
+                                      </p:cBhvr>
+                                    </p:cmd>
+                                  </p:childTnLst>
+                                </p:cTn>
+                              </p:par>
+                            </p:childTnLst>
+                          </p:cTn>
+                        </p:par>
+                      </p:childTnLst>
+                    </p:cTn>
+                  </p:par>
+                  <p:par>
+                    <p:cTn id="11" fill="hold">
+                      <p:stCondLst>
+                        <p:cond delay="indefinite"/>
+                      </p:stCondLst>
+                      <p:childTnLst>
+                        <p:par>
+                          <p:cTn id="12" fill="hold">
+                            <p:stCondLst>
+                              <p:cond delay="0"/>
+                            </p:stCondLst>
+                            <p:childTnLst>
+                              <p:par>
+                                <p:cTn id="13" presetID="1" presetClass="mediacall" presetSubtype="0" fill="hold" nodeType="clickEffect">
+                                  <p:stCondLst>
+                                    <p:cond delay="0"/>
+                                  </p:stCondLst>
+                                  <p:childTnLst>
+                                    <p:cmd type="call" cmd="playFrom(0.0)">
+                                      <p:cBhvr>
+                                        <p:cTn id="14" dur="625" fill="hold"/>
+                                        <p:tgtEl>
+                                          <p:spTgt spid="6"/>
+                                        </p:tgtEl>
+                                      </p:cBhvr>
+                                    </p:cmd>
+                                  </p:childTnLst>
+                                </p:cTn>
+                              </p:par>
+                            </p:childTnLst>
+                          </p:cTn>
+                        </p:par>
+                      </p:childTnLst>
+                    </p:cTn>
+                  </p:par>
+                </p:childTnLst>
+              </p:cTn>
+              <p:prevCondLst>
+                <p:cond evt="onPrev" delay="0">
+                  <p:tgtEl>
+                    <p:sldTgt/>
+                  </p:tgtEl>
+                </p:cond>
+              </p:prevCondLst>
+              <p:nextCondLst>
+                <p:cond evt="onNext" delay="0">
+                  <p:tgtEl>
+                    <p:sldTgt/>
+                  </p:tgtEl>
+                </p:cond>
+              </p:nextCondLst>
+            </p:seq>
+            <p:audio>
+              <p:cMediaNode vol="80000">
+                <p:cTn id="15" fill="hold" display="0">
+                  <p:stCondLst>
+                    <p:cond delay="indefinite"/>
+                  </p:stCondLst>
+                  <p:endCondLst>
+                    <p:cond evt="onStopAudio" delay="0">
+                      <p:tgtEl>
+                        <p:sldTgt/>
+                      </p:tgtEl>
+                    </p:cond>
+                  </p:endCondLst>
+                </p:cTn>
+                <p:tgtEl>
+                  <p:spTgt spid="4"/>
+                </p:tgtEl>
+              </p:cMediaNode>
+            </p:audio>
+            <p:audio>
+              <p:cMediaNode vol="80000">
+                <p:cTn id="16" fill="hold" display="0">
+                  <p:stCondLst>
+                    <p:cond delay="indefinite"/>
+                  </p:stCondLst>
+                  <p:endCondLst>
+                    <p:cond evt="onStopAudio" delay="0">
+                      <p:tgtEl>
+                        <p:sldTgt/>
+                      </p:tgtEl>
+                    </p:cond>
+                  </p:endCondLst>
+                </p:cTn>
+                <p:tgtEl>
+                  <p:spTgt spid="5"/>
+                </p:tgtEl>
+              </p:cMediaNode>
+            </p:audio>
+            <p:audio>
+              <p:cMediaNode vol="80000">
+                <p:cTn id="17" fill="hold" display="0">
+                  <p:stCondLst>
+                    <p:cond delay="indefinite"/>
+                  </p:stCondLst>
+                  <p:endCondLst>
+                    <p:cond evt="onStopAudio" delay="0">
+                      <p:tgtEl>
+                        <p:sldTgt/>
+                      </p:tgtEl>
+                    </p:cond>
+                  </p:endCondLst>
+                </p:cTn>
+                <p:tgtEl>
+                  <p:spTgt spid="6"/>
+                </p:tgtEl>
+              </p:cMediaNode>
+            </p:audio>
+          </p:childTnLst>
+        </p:cTn>
+      </p:par>
+    </p:tnLst>
+  </p:timing>
 </p:sld>
 </file>
 

--- a/pitchNinja Ball.pptx
+++ b/pitchNinja Ball.pptx
@@ -15759,18 +15759,33 @@
           <a:bodyPr/>
           <a:lstStyle/>
           <a:p>
+            <a:pPr>
+              <a:lnSpc>
+                <a:spcPct val="150000"/>
+              </a:lnSpc>
+            </a:pPr>
             <a:r>
               <a:rPr lang="en-IE" dirty="0"/>
               <a:t>Possible issues in maintaining a consistent level size.</a:t>
             </a:r>
           </a:p>
           <a:p>
+            <a:pPr>
+              <a:lnSpc>
+                <a:spcPct val="150000"/>
+              </a:lnSpc>
+            </a:pPr>
             <a:r>
               <a:rPr lang="en-IE" dirty="0"/>
               <a:t>Not much experience in Corona could be unforeseen technical difficulty.</a:t>
             </a:r>
           </a:p>
           <a:p>
+            <a:pPr>
+              <a:lnSpc>
+                <a:spcPct val="150000"/>
+              </a:lnSpc>
+            </a:pPr>
             <a:r>
               <a:rPr lang="en-IE" dirty="0"/>
               <a:t>Possible difficulty in making a sufficient amount of content</a:t>

--- a/pitchNinja Ball.pptx
+++ b/pitchNinja Ball.pptx
@@ -14015,7 +14015,7 @@
             </a:pPr>
             <a:r>
               <a:rPr lang="en-GB" dirty="0"/>
-              <a:t>&lt;spikes image&gt;		spikes kill on contact.</a:t>
+              <a:t>					spikes kill on contact.</a:t>
             </a:r>
           </a:p>
           <a:p>
@@ -14027,7 +14027,7 @@
             </a:pPr>
             <a:r>
               <a:rPr lang="en-GB" dirty="0"/>
-              <a:t>&lt;flipper image&gt; 		flippers throw player in a given direction.</a:t>
+              <a:t>					flippers throw player in a given direction.</a:t>
             </a:r>
           </a:p>
           <a:p>
@@ -14039,7 +14039,7 @@
             </a:pPr>
             <a:r>
               <a:rPr lang="en-GB" dirty="0"/>
-              <a:t>&lt;bumper image&gt;	bumper bounces the player back.</a:t>
+              <a:t>					bumper bounces the player back.</a:t>
             </a:r>
           </a:p>
           <a:p>
@@ -14051,7 +14051,7 @@
             </a:pPr>
             <a:r>
               <a:rPr lang="en-GB" dirty="0"/>
-              <a:t>&lt;spring&gt; 			spring fires player into next level.</a:t>
+              <a:t>					spring fires player into next level.</a:t>
             </a:r>
             <a:endParaRPr lang="en-IE" dirty="0"/>
           </a:p>
@@ -14079,7 +14079,7 @@
         </p:blipFill>
         <p:spPr>
           <a:xfrm>
-            <a:off x="1383402" y="2677193"/>
+            <a:off x="1383399" y="2746217"/>
             <a:ext cx="1333500" cy="581025"/>
           </a:xfrm>
           <a:prstGeom prst="rect">
@@ -14109,8 +14109,8 @@
         </p:blipFill>
         <p:spPr>
           <a:xfrm>
-            <a:off x="1516677" y="4181086"/>
-            <a:ext cx="1066949" cy="1052660"/>
+            <a:off x="1567872" y="4250110"/>
+            <a:ext cx="964551" cy="951633"/>
           </a:xfrm>
           <a:prstGeom prst="rect">
             <a:avLst/>
@@ -14139,8 +14139,38 @@
         </p:blipFill>
         <p:spPr>
           <a:xfrm rot="5400000">
-            <a:off x="1889649" y="4789658"/>
+            <a:off x="1889645" y="4817857"/>
             <a:ext cx="321004" cy="1527540"/>
+          </a:xfrm>
+          <a:prstGeom prst="rect">
+            <a:avLst/>
+          </a:prstGeom>
+        </p:spPr>
+      </p:pic>
+      <p:pic>
+        <p:nvPicPr>
+          <p:cNvPr id="6" name="Picture 5">
+            <a:extLst>
+              <a:ext uri="{FF2B5EF4-FFF2-40B4-BE49-F238E27FC236}">
+                <a16:creationId xmlns:a16="http://schemas.microsoft.com/office/drawing/2014/main" id="{42FA1C64-9F67-414F-A256-F4768B4E1ED2}"/>
+              </a:ext>
+            </a:extLst>
+          </p:cNvPr>
+          <p:cNvPicPr>
+            <a:picLocks noChangeAspect="1"/>
+          </p:cNvPicPr>
+          <p:nvPr/>
+        </p:nvPicPr>
+        <p:blipFill>
+          <a:blip r:embed="rId5"/>
+          <a:stretch>
+            <a:fillRect/>
+          </a:stretch>
+        </p:blipFill>
+        <p:spPr>
+          <a:xfrm rot="10800000">
+            <a:off x="977267" y="3584704"/>
+            <a:ext cx="2145763" cy="581024"/>
           </a:xfrm>
           <a:prstGeom prst="rect">
             <a:avLst/>

--- a/pitchNinja Ball.pptx
+++ b/pitchNinja Ball.pptx
@@ -654,7 +654,7 @@
             <a:fld id="{5923F103-BC34-4FE4-A40E-EDDEECFDA5D0}" type="datetimeFigureOut">
               <a:rPr lang="en-US" dirty="0"/>
               <a:pPr/>
-              <a:t>2/26/2020</a:t>
+              <a:t>2/27/2020</a:t>
             </a:fld>
             <a:endParaRPr lang="en-US" dirty="0"/>
           </a:p>
@@ -1742,7 +1742,7 @@
           <a:p>
             <a:fld id="{923A1CC3-2375-41D4-9E03-427CAF2A4C1A}" type="datetimeFigureOut">
               <a:rPr lang="en-US" dirty="0"/>
-              <a:t>2/26/2020</a:t>
+              <a:t>2/27/2020</a:t>
             </a:fld>
             <a:endParaRPr lang="en-US" dirty="0"/>
           </a:p>
@@ -2722,7 +2722,7 @@
           <a:p>
             <a:fld id="{AFF16868-8199-4C2C-A5B1-63AEE139F88E}" type="datetimeFigureOut">
               <a:rPr lang="en-US" dirty="0"/>
-              <a:t>2/26/2020</a:t>
+              <a:t>2/27/2020</a:t>
             </a:fld>
             <a:endParaRPr lang="en-US" dirty="0"/>
           </a:p>
@@ -3856,7 +3856,7 @@
           <a:p>
             <a:fld id="{AAD9FF7F-6988-44CC-821B-644E70CD2F73}" type="datetimeFigureOut">
               <a:rPr lang="en-US" dirty="0"/>
-              <a:t>2/26/2020</a:t>
+              <a:t>2/27/2020</a:t>
             </a:fld>
             <a:endParaRPr lang="en-US" dirty="0"/>
           </a:p>
@@ -4889,7 +4889,7 @@
           <a:p>
             <a:fld id="{5C12C299-16B2-4475-990D-751901EACC14}" type="datetimeFigureOut">
               <a:rPr lang="en-US" dirty="0"/>
-              <a:t>2/26/2020</a:t>
+              <a:t>2/27/2020</a:t>
             </a:fld>
             <a:endParaRPr lang="en-US" dirty="0"/>
           </a:p>
@@ -5549,7 +5549,7 @@
           <a:p>
             <a:fld id="{9FE86839-B9D8-4651-8783-F325ECE74E65}" type="datetimeFigureOut">
               <a:rPr lang="en-US" dirty="0"/>
-              <a:t>2/26/2020</a:t>
+              <a:t>2/27/2020</a:t>
             </a:fld>
             <a:endParaRPr lang="en-US" dirty="0"/>
           </a:p>
@@ -6410,7 +6410,7 @@
           <a:p>
             <a:fld id="{FD484F64-32F6-45C5-931F-ADC1662401D0}" type="datetimeFigureOut">
               <a:rPr lang="en-US" dirty="0"/>
-              <a:t>2/26/2020</a:t>
+              <a:t>2/27/2020</a:t>
             </a:fld>
             <a:endParaRPr lang="en-US" dirty="0"/>
           </a:p>
@@ -6600,7 +6600,7 @@
           <a:p>
             <a:fld id="{53086D93-FCAC-47E0-A2EE-787E62CA814C}" type="datetimeFigureOut">
               <a:rPr lang="en-US" dirty="0"/>
-              <a:t>2/26/2020</a:t>
+              <a:t>2/27/2020</a:t>
             </a:fld>
             <a:endParaRPr lang="en-US" dirty="0"/>
           </a:p>
@@ -7572,7 +7572,7 @@
           <a:p>
             <a:fld id="{CDA879A6-0FD0-4734-A311-86BFCA472E6E}" type="datetimeFigureOut">
               <a:rPr lang="en-US" dirty="0"/>
-              <a:t>2/26/2020</a:t>
+              <a:t>2/27/2020</a:t>
             </a:fld>
             <a:endParaRPr lang="en-US" dirty="0"/>
           </a:p>
@@ -7783,7 +7783,7 @@
           <a:p>
             <a:fld id="{19C9CA7B-DFD4-44B5-8C60-D14B8CD1FB59}" type="datetimeFigureOut">
               <a:rPr lang="en-US" dirty="0"/>
-              <a:t>2/26/2020</a:t>
+              <a:t>2/27/2020</a:t>
             </a:fld>
             <a:endParaRPr lang="en-US" dirty="0"/>
           </a:p>
@@ -8817,7 +8817,7 @@
           <a:p>
             <a:fld id="{F34E6425-0181-43F2-84FC-787E803FD2F8}" type="datetimeFigureOut">
               <a:rPr lang="en-US" dirty="0"/>
-              <a:t>2/26/2020</a:t>
+              <a:t>2/27/2020</a:t>
             </a:fld>
             <a:endParaRPr lang="en-US" dirty="0"/>
           </a:p>
@@ -9089,7 +9089,7 @@
           <a:p>
             <a:fld id="{3BDB8791-F1B0-41E7-B7FD-A781E65C4266}" type="datetimeFigureOut">
               <a:rPr lang="en-US" dirty="0"/>
-              <a:t>2/26/2020</a:t>
+              <a:t>2/27/2020</a:t>
             </a:fld>
             <a:endParaRPr lang="en-US" dirty="0"/>
           </a:p>
@@ -9499,7 +9499,7 @@
           <a:p>
             <a:fld id="{5FDD63B2-E120-4ED8-B27B-C685F510A5FE}" type="datetimeFigureOut">
               <a:rPr lang="en-US" dirty="0"/>
-              <a:t>2/26/2020</a:t>
+              <a:t>2/27/2020</a:t>
             </a:fld>
             <a:endParaRPr lang="en-US" dirty="0"/>
           </a:p>
@@ -9626,7 +9626,7 @@
           <a:p>
             <a:fld id="{7AA18ACC-A947-437B-A130-35BD54FDF1E9}" type="datetimeFigureOut">
               <a:rPr lang="en-US" dirty="0"/>
-              <a:t>2/26/2020</a:t>
+              <a:t>2/27/2020</a:t>
             </a:fld>
             <a:endParaRPr lang="en-US" dirty="0"/>
           </a:p>
@@ -9721,7 +9721,7 @@
           <a:p>
             <a:fld id="{7C8D7E02-BCB8-4D50-A234-369438C08659}" type="datetimeFigureOut">
               <a:rPr lang="en-US" dirty="0"/>
-              <a:t>2/26/2020</a:t>
+              <a:t>2/27/2020</a:t>
             </a:fld>
             <a:endParaRPr lang="en-US" dirty="0"/>
           </a:p>
@@ -10802,7 +10802,7 @@
           <a:p>
             <a:fld id="{76E86A4C-8E40-4F87-A4F0-01A0687C5742}" type="datetimeFigureOut">
               <a:rPr lang="en-US" dirty="0"/>
-              <a:t>2/26/2020</a:t>
+              <a:t>2/27/2020</a:t>
             </a:fld>
             <a:endParaRPr lang="en-US" dirty="0"/>
           </a:p>
@@ -11910,7 +11910,7 @@
           <a:p>
             <a:fld id="{35E72C73-2D91-4E12-BA25-F0AA0C03599B}" type="datetimeFigureOut">
               <a:rPr lang="en-US" dirty="0"/>
-              <a:t>2/26/2020</a:t>
+              <a:t>2/27/2020</a:t>
             </a:fld>
             <a:endParaRPr lang="en-US" dirty="0"/>
           </a:p>
@@ -12907,7 +12907,7 @@
           <a:p>
             <a:fld id="{2BE451C3-0FF4-47C4-B829-773ADF60F88C}" type="datetimeFigureOut">
               <a:rPr lang="en-US" dirty="0"/>
-              <a:t>2/26/2020</a:t>
+              <a:t>2/27/2020</a:t>
             </a:fld>
             <a:endParaRPr lang="en-US" dirty="0"/>
           </a:p>
@@ -14119,10 +14119,10 @@
       </p:pic>
       <p:pic>
         <p:nvPicPr>
-          <p:cNvPr id="12" name="Picture 11">
+          <p:cNvPr id="6" name="Picture 5">
             <a:extLst>
               <a:ext uri="{FF2B5EF4-FFF2-40B4-BE49-F238E27FC236}">
-                <a16:creationId xmlns:a16="http://schemas.microsoft.com/office/drawing/2014/main" id="{815E86D1-294F-46B5-A57D-C071EE6E1914}"/>
+                <a16:creationId xmlns:a16="http://schemas.microsoft.com/office/drawing/2014/main" id="{42FA1C64-9F67-414F-A256-F4768B4E1ED2}"/>
               </a:ext>
             </a:extLst>
           </p:cNvPr>
@@ -14138,9 +14138,9 @@
           </a:stretch>
         </p:blipFill>
         <p:spPr>
-          <a:xfrm rot="5400000">
-            <a:off x="1889645" y="4817857"/>
-            <a:ext cx="321004" cy="1527540"/>
+          <a:xfrm rot="10800000">
+            <a:off x="977267" y="3584704"/>
+            <a:ext cx="2145763" cy="581024"/>
           </a:xfrm>
           <a:prstGeom prst="rect">
             <a:avLst/>
@@ -14149,10 +14149,10 @@
       </p:pic>
       <p:pic>
         <p:nvPicPr>
-          <p:cNvPr id="6" name="Picture 5">
+          <p:cNvPr id="7" name="Picture 6">
             <a:extLst>
               <a:ext uri="{FF2B5EF4-FFF2-40B4-BE49-F238E27FC236}">
-                <a16:creationId xmlns:a16="http://schemas.microsoft.com/office/drawing/2014/main" id="{42FA1C64-9F67-414F-A256-F4768B4E1ED2}"/>
+                <a16:creationId xmlns:a16="http://schemas.microsoft.com/office/drawing/2014/main" id="{A18670A6-BD8E-402F-98FD-705FBEE88A99}"/>
               </a:ext>
             </a:extLst>
           </p:cNvPr>
@@ -14168,9 +14168,9 @@
           </a:stretch>
         </p:blipFill>
         <p:spPr>
-          <a:xfrm rot="10800000">
-            <a:off x="977267" y="3584704"/>
-            <a:ext cx="2145763" cy="581024"/>
+          <a:xfrm>
+            <a:off x="1888879" y="5394118"/>
+            <a:ext cx="322508" cy="490214"/>
           </a:xfrm>
           <a:prstGeom prst="rect">
             <a:avLst/>
@@ -15393,12 +15393,22 @@
         <p:cTn id="1" dur="indefinite" restart="never" nodeType="tmRoot">
           <p:childTnLst>
             <p:seq concurrent="1" nextAc="seek">
-              <p:cTn id="2" dur="indefinite" nodeType="mainSeq">
+              <p:cTn id="2" restart="whenNotActive" fill="hold" evtFilter="cancelBubble" nodeType="interactiveSeq">
+                <p:stCondLst>
+                  <p:cond evt="onClick" delay="0">
+                    <p:tgtEl>
+                      <p:spTgt spid="4"/>
+                    </p:tgtEl>
+                  </p:cond>
+                </p:stCondLst>
+                <p:endSync evt="end" delay="0">
+                  <p:rtn val="all"/>
+                </p:endSync>
                 <p:childTnLst>
                   <p:par>
                     <p:cTn id="3" fill="hold">
                       <p:stCondLst>
-                        <p:cond delay="indefinite"/>
+                        <p:cond delay="0"/>
                       </p:stCondLst>
                       <p:childTnLst>
                         <p:par>
@@ -15430,27 +15440,69 @@
                       </p:childTnLst>
                     </p:cTn>
                   </p:par>
+                </p:childTnLst>
+              </p:cTn>
+              <p:nextCondLst>
+                <p:cond evt="onClick" delay="0">
+                  <p:tgtEl>
+                    <p:spTgt spid="4"/>
+                  </p:tgtEl>
+                </p:cond>
+              </p:nextCondLst>
+            </p:seq>
+            <p:audio>
+              <p:cMediaNode vol="80000">
+                <p:cTn id="7" fill="hold" display="0">
+                  <p:stCondLst>
+                    <p:cond delay="indefinite"/>
+                  </p:stCondLst>
+                  <p:endCondLst>
+                    <p:cond evt="onStopAudio" delay="0">
+                      <p:tgtEl>
+                        <p:sldTgt/>
+                      </p:tgtEl>
+                    </p:cond>
+                  </p:endCondLst>
+                </p:cTn>
+                <p:tgtEl>
+                  <p:spTgt spid="4"/>
+                </p:tgtEl>
+              </p:cMediaNode>
+            </p:audio>
+            <p:seq concurrent="1" nextAc="seek">
+              <p:cTn id="8" restart="whenNotActive" fill="hold" evtFilter="cancelBubble" nodeType="interactiveSeq">
+                <p:stCondLst>
+                  <p:cond evt="onClick" delay="0">
+                    <p:tgtEl>
+                      <p:spTgt spid="5"/>
+                    </p:tgtEl>
+                  </p:cond>
+                </p:stCondLst>
+                <p:endSync evt="end" delay="0">
+                  <p:rtn val="all"/>
+                </p:endSync>
+                <p:childTnLst>
                   <p:par>
-                    <p:cTn id="7" fill="hold">
+                    <p:cTn id="9" fill="hold">
                       <p:stCondLst>
-                        <p:cond delay="indefinite"/>
+                        <p:cond delay="0"/>
                       </p:stCondLst>
                       <p:childTnLst>
                         <p:par>
-                          <p:cTn id="8" fill="hold">
+                          <p:cTn id="10" fill="hold">
                             <p:stCondLst>
                               <p:cond delay="0"/>
                             </p:stCondLst>
                             <p:childTnLst>
                               <p:par>
-                                <p:cTn id="9" presetID="1" presetClass="mediacall" presetSubtype="0" fill="hold" nodeType="clickEffect">
+                                <p:cTn id="11" presetID="1" presetClass="mediacall" presetSubtype="0" fill="hold" nodeType="clickEffect">
                                   <p:stCondLst>
                                     <p:cond delay="0"/>
                                   </p:stCondLst>
                                   <p:childTnLst>
                                     <p:cmd type="call" cmd="playFrom(0.0)">
                                       <p:cBhvr>
-                                        <p:cTn id="10" dur="713" fill="hold"/>
+                                        <p:cTn id="12" dur="713" fill="hold"/>
                                         <p:tgtEl>
                                           <p:spTgt spid="5"/>
                                         </p:tgtEl>
@@ -15465,27 +15517,69 @@
                       </p:childTnLst>
                     </p:cTn>
                   </p:par>
+                </p:childTnLst>
+              </p:cTn>
+              <p:nextCondLst>
+                <p:cond evt="onClick" delay="0">
+                  <p:tgtEl>
+                    <p:spTgt spid="5"/>
+                  </p:tgtEl>
+                </p:cond>
+              </p:nextCondLst>
+            </p:seq>
+            <p:audio>
+              <p:cMediaNode vol="80000">
+                <p:cTn id="13" fill="hold" display="0">
+                  <p:stCondLst>
+                    <p:cond delay="indefinite"/>
+                  </p:stCondLst>
+                  <p:endCondLst>
+                    <p:cond evt="onStopAudio" delay="0">
+                      <p:tgtEl>
+                        <p:sldTgt/>
+                      </p:tgtEl>
+                    </p:cond>
+                  </p:endCondLst>
+                </p:cTn>
+                <p:tgtEl>
+                  <p:spTgt spid="5"/>
+                </p:tgtEl>
+              </p:cMediaNode>
+            </p:audio>
+            <p:seq concurrent="1" nextAc="seek">
+              <p:cTn id="14" restart="whenNotActive" fill="hold" evtFilter="cancelBubble" nodeType="interactiveSeq">
+                <p:stCondLst>
+                  <p:cond evt="onClick" delay="0">
+                    <p:tgtEl>
+                      <p:spTgt spid="6"/>
+                    </p:tgtEl>
+                  </p:cond>
+                </p:stCondLst>
+                <p:endSync evt="end" delay="0">
+                  <p:rtn val="all"/>
+                </p:endSync>
+                <p:childTnLst>
                   <p:par>
-                    <p:cTn id="11" fill="hold">
+                    <p:cTn id="15" fill="hold">
                       <p:stCondLst>
-                        <p:cond delay="indefinite"/>
+                        <p:cond delay="0"/>
                       </p:stCondLst>
                       <p:childTnLst>
                         <p:par>
-                          <p:cTn id="12" fill="hold">
+                          <p:cTn id="16" fill="hold">
                             <p:stCondLst>
                               <p:cond delay="0"/>
                             </p:stCondLst>
                             <p:childTnLst>
                               <p:par>
-                                <p:cTn id="13" presetID="1" presetClass="mediacall" presetSubtype="0" fill="hold" nodeType="clickEffect">
+                                <p:cTn id="17" presetID="1" presetClass="mediacall" presetSubtype="0" fill="hold" nodeType="clickEffect">
                                   <p:stCondLst>
                                     <p:cond delay="0"/>
                                   </p:stCondLst>
                                   <p:childTnLst>
                                     <p:cmd type="call" cmd="playFrom(0.0)">
                                       <p:cBhvr>
-                                        <p:cTn id="14" dur="625" fill="hold"/>
+                                        <p:cTn id="18" dur="625" fill="hold"/>
                                         <p:tgtEl>
                                           <p:spTgt spid="6"/>
                                         </p:tgtEl>
@@ -15502,62 +15596,17 @@
                   </p:par>
                 </p:childTnLst>
               </p:cTn>
-              <p:prevCondLst>
-                <p:cond evt="onPrev" delay="0">
+              <p:nextCondLst>
+                <p:cond evt="onClick" delay="0">
                   <p:tgtEl>
-                    <p:sldTgt/>
-                  </p:tgtEl>
-                </p:cond>
-              </p:prevCondLst>
-              <p:nextCondLst>
-                <p:cond evt="onNext" delay="0">
-                  <p:tgtEl>
-                    <p:sldTgt/>
+                    <p:spTgt spid="6"/>
                   </p:tgtEl>
                 </p:cond>
               </p:nextCondLst>
             </p:seq>
             <p:audio>
               <p:cMediaNode vol="80000">
-                <p:cTn id="15" fill="hold" display="0">
-                  <p:stCondLst>
-                    <p:cond delay="indefinite"/>
-                  </p:stCondLst>
-                  <p:endCondLst>
-                    <p:cond evt="onStopAudio" delay="0">
-                      <p:tgtEl>
-                        <p:sldTgt/>
-                      </p:tgtEl>
-                    </p:cond>
-                  </p:endCondLst>
-                </p:cTn>
-                <p:tgtEl>
-                  <p:spTgt spid="4"/>
-                </p:tgtEl>
-              </p:cMediaNode>
-            </p:audio>
-            <p:audio>
-              <p:cMediaNode vol="80000">
-                <p:cTn id="16" fill="hold" display="0">
-                  <p:stCondLst>
-                    <p:cond delay="indefinite"/>
-                  </p:stCondLst>
-                  <p:endCondLst>
-                    <p:cond evt="onStopAudio" delay="0">
-                      <p:tgtEl>
-                        <p:sldTgt/>
-                      </p:tgtEl>
-                    </p:cond>
-                  </p:endCondLst>
-                </p:cTn>
-                <p:tgtEl>
-                  <p:spTgt spid="5"/>
-                </p:tgtEl>
-              </p:cMediaNode>
-            </p:audio>
-            <p:audio>
-              <p:cMediaNode vol="80000">
-                <p:cTn id="17" fill="hold" display="0">
+                <p:cTn id="19" fill="hold" display="0">
                   <p:stCondLst>
                     <p:cond delay="indefinite"/>
                   </p:stCondLst>

--- a/pitchNinja Ball.pptx
+++ b/pitchNinja Ball.pptx
@@ -13927,6 +13927,36 @@
           </a:p>
         </p:txBody>
       </p:sp>
+      <p:pic>
+        <p:nvPicPr>
+          <p:cNvPr id="5" name="Picture 4">
+            <a:extLst>
+              <a:ext uri="{FF2B5EF4-FFF2-40B4-BE49-F238E27FC236}">
+                <a16:creationId xmlns:a16="http://schemas.microsoft.com/office/drawing/2014/main" id="{57B78E8E-705E-472F-B06E-4192588CFDF3}"/>
+              </a:ext>
+            </a:extLst>
+          </p:cNvPr>
+          <p:cNvPicPr>
+            <a:picLocks noChangeAspect="1"/>
+          </p:cNvPicPr>
+          <p:nvPr/>
+        </p:nvPicPr>
+        <p:blipFill>
+          <a:blip r:embed="rId2"/>
+          <a:stretch>
+            <a:fillRect/>
+          </a:stretch>
+        </p:blipFill>
+        <p:spPr>
+          <a:xfrm>
+            <a:off x="7529804" y="2562369"/>
+            <a:ext cx="3507242" cy="3498561"/>
+          </a:xfrm>
+          <a:prstGeom prst="rect">
+            <a:avLst/>
+          </a:prstGeom>
+        </p:spPr>
+      </p:pic>
     </p:spTree>
     <p:extLst>
       <p:ext uri="{BB962C8B-B14F-4D97-AF65-F5344CB8AC3E}">

--- a/pitchNinja Ball.pptx
+++ b/pitchNinja Ball.pptx
@@ -4,6 +4,9 @@
   <p:sldMasterIdLst>
     <p:sldMasterId id="2147483648" r:id="rId1"/>
   </p:sldMasterIdLst>
+  <p:notesMasterIdLst>
+    <p:notesMasterId r:id="rId11"/>
+  </p:notesMasterIdLst>
   <p:sldIdLst>
     <p:sldId id="256" r:id="rId2"/>
     <p:sldId id="257" r:id="rId3"/>
@@ -124,6 +127,7 @@
 <p1510:revInfo xmlns:a="http://schemas.openxmlformats.org/drawingml/2006/main" xmlns:r="http://schemas.openxmlformats.org/officeDocument/2006/relationships" xmlns:p1510="http://schemas.microsoft.com/office/powerpoint/2015/10/main">
   <p1510:revLst>
     <p1510:client id="{A5B6DC77-09AD-4751-92D6-337F352E993D}" v="4" dt="2020-02-24T13:37:57.364"/>
+    <p1510:client id="{F08427A6-8B71-493E-B162-D47B7290B57C}" v="22" dt="2020-02-27T16:39:35.357"/>
   </p1510:revLst>
 </p1510:revInfo>
 </file>
@@ -315,7 +319,697 @@
       </pc:sldChg>
     </pc:docChg>
   </pc:docChgLst>
+  <pc:docChgLst>
+    <pc:chgData name="Tommy Crowley" userId="de8edd34cec55636" providerId="Windows Live" clId="Web-{F08427A6-8B71-493E-B162-D47B7290B57C}"/>
+    <pc:docChg chg="modSld">
+      <pc:chgData name="Tommy Crowley" userId="de8edd34cec55636" providerId="Windows Live" clId="Web-{F08427A6-8B71-493E-B162-D47B7290B57C}" dt="2020-02-27T16:47:33.920" v="552"/>
+      <pc:docMkLst>
+        <pc:docMk/>
+      </pc:docMkLst>
+      <pc:sldChg chg="modSp modNotes">
+        <pc:chgData name="Tommy Crowley" userId="de8edd34cec55636" providerId="Windows Live" clId="Web-{F08427A6-8B71-493E-B162-D47B7290B57C}" dt="2020-02-27T16:44:33.904" v="536"/>
+        <pc:sldMkLst>
+          <pc:docMk/>
+          <pc:sldMk cId="4156524245" sldId="257"/>
+        </pc:sldMkLst>
+        <pc:spChg chg="mod">
+          <ac:chgData name="Tommy Crowley" userId="de8edd34cec55636" providerId="Windows Live" clId="Web-{F08427A6-8B71-493E-B162-D47B7290B57C}" dt="2020-02-27T16:39:17.638" v="492" actId="20577"/>
+          <ac:spMkLst>
+            <pc:docMk/>
+            <pc:sldMk cId="4156524245" sldId="257"/>
+            <ac:spMk id="3" creationId="{5F508147-92F8-4D2D-89A3-AD0EF1E8D241}"/>
+          </ac:spMkLst>
+        </pc:spChg>
+      </pc:sldChg>
+      <pc:sldChg chg="modSp modNotes">
+        <pc:chgData name="Tommy Crowley" userId="de8edd34cec55636" providerId="Windows Live" clId="Web-{F08427A6-8B71-493E-B162-D47B7290B57C}" dt="2020-02-27T16:47:33.920" v="552"/>
+        <pc:sldMkLst>
+          <pc:docMk/>
+          <pc:sldMk cId="151082320" sldId="263"/>
+        </pc:sldMkLst>
+        <pc:spChg chg="mod">
+          <ac:chgData name="Tommy Crowley" userId="de8edd34cec55636" providerId="Windows Live" clId="Web-{F08427A6-8B71-493E-B162-D47B7290B57C}" dt="2020-02-27T15:39:47.745" v="451" actId="20577"/>
+          <ac:spMkLst>
+            <pc:docMk/>
+            <pc:sldMk cId="151082320" sldId="263"/>
+            <ac:spMk id="3" creationId="{9E18A99B-04CA-4393-BC72-53FD98C5B780}"/>
+          </ac:spMkLst>
+        </pc:spChg>
+      </pc:sldChg>
+      <pc:sldChg chg="addSp modSp mod setBg setClrOvrMap">
+        <pc:chgData name="Tommy Crowley" userId="de8edd34cec55636" providerId="Windows Live" clId="Web-{F08427A6-8B71-493E-B162-D47B7290B57C}" dt="2020-02-27T15:09:49.455" v="2"/>
+        <pc:sldMkLst>
+          <pc:docMk/>
+          <pc:sldMk cId="2420233417" sldId="265"/>
+        </pc:sldMkLst>
+        <pc:spChg chg="mod">
+          <ac:chgData name="Tommy Crowley" userId="de8edd34cec55636" providerId="Windows Live" clId="Web-{F08427A6-8B71-493E-B162-D47B7290B57C}" dt="2020-02-27T15:09:49.455" v="2"/>
+          <ac:spMkLst>
+            <pc:docMk/>
+            <pc:sldMk cId="2420233417" sldId="265"/>
+            <ac:spMk id="2" creationId="{19F8F2E0-208C-47F2-AB9A-77F0F3038A30}"/>
+          </ac:spMkLst>
+        </pc:spChg>
+        <pc:spChg chg="mod ord">
+          <ac:chgData name="Tommy Crowley" userId="de8edd34cec55636" providerId="Windows Live" clId="Web-{F08427A6-8B71-493E-B162-D47B7290B57C}" dt="2020-02-27T15:09:49.455" v="2"/>
+          <ac:spMkLst>
+            <pc:docMk/>
+            <pc:sldMk cId="2420233417" sldId="265"/>
+            <ac:spMk id="3" creationId="{A7E9EDFB-68D8-480B-A5EB-98162DFAB6C4}"/>
+          </ac:spMkLst>
+        </pc:spChg>
+        <pc:spChg chg="add">
+          <ac:chgData name="Tommy Crowley" userId="de8edd34cec55636" providerId="Windows Live" clId="Web-{F08427A6-8B71-493E-B162-D47B7290B57C}" dt="2020-02-27T15:09:49.455" v="2"/>
+          <ac:spMkLst>
+            <pc:docMk/>
+            <pc:sldMk cId="2420233417" sldId="265"/>
+            <ac:spMk id="10" creationId="{FC485557-E744-401B-A251-3650FAEEAD8E}"/>
+          </ac:spMkLst>
+        </pc:spChg>
+        <pc:spChg chg="add">
+          <ac:chgData name="Tommy Crowley" userId="de8edd34cec55636" providerId="Windows Live" clId="Web-{F08427A6-8B71-493E-B162-D47B7290B57C}" dt="2020-02-27T15:09:49.455" v="2"/>
+          <ac:spMkLst>
+            <pc:docMk/>
+            <pc:sldMk cId="2420233417" sldId="265"/>
+            <ac:spMk id="12" creationId="{986D68AF-6B45-4B98-8634-61D8C9C05662}"/>
+          </ac:spMkLst>
+        </pc:spChg>
+        <pc:spChg chg="add">
+          <ac:chgData name="Tommy Crowley" userId="de8edd34cec55636" providerId="Windows Live" clId="Web-{F08427A6-8B71-493E-B162-D47B7290B57C}" dt="2020-02-27T15:09:49.455" v="2"/>
+          <ac:spMkLst>
+            <pc:docMk/>
+            <pc:sldMk cId="2420233417" sldId="265"/>
+            <ac:spMk id="14" creationId="{0143DE54-7BFF-4B29-8566-DF80EE4CCB07}"/>
+          </ac:spMkLst>
+        </pc:spChg>
+        <pc:spChg chg="add">
+          <ac:chgData name="Tommy Crowley" userId="de8edd34cec55636" providerId="Windows Live" clId="Web-{F08427A6-8B71-493E-B162-D47B7290B57C}" dt="2020-02-27T15:09:49.455" v="2"/>
+          <ac:spMkLst>
+            <pc:docMk/>
+            <pc:sldMk cId="2420233417" sldId="265"/>
+            <ac:spMk id="16" creationId="{7C661810-D461-4214-A635-30A7D1714054}"/>
+          </ac:spMkLst>
+        </pc:spChg>
+        <pc:spChg chg="add">
+          <ac:chgData name="Tommy Crowley" userId="de8edd34cec55636" providerId="Windows Live" clId="Web-{F08427A6-8B71-493E-B162-D47B7290B57C}" dt="2020-02-27T15:09:49.455" v="2"/>
+          <ac:spMkLst>
+            <pc:docMk/>
+            <pc:sldMk cId="2420233417" sldId="265"/>
+            <ac:spMk id="18" creationId="{ED6475A3-FF98-4FA0-B527-600EBA9BD68F}"/>
+          </ac:spMkLst>
+        </pc:spChg>
+        <pc:picChg chg="add mod">
+          <ac:chgData name="Tommy Crowley" userId="de8edd34cec55636" providerId="Windows Live" clId="Web-{F08427A6-8B71-493E-B162-D47B7290B57C}" dt="2020-02-27T15:09:49.455" v="2"/>
+          <ac:picMkLst>
+            <pc:docMk/>
+            <pc:sldMk cId="2420233417" sldId="265"/>
+            <ac:picMk id="4" creationId="{A3DE7060-4C12-42BE-80B4-056C4A64FC40}"/>
+          </ac:picMkLst>
+        </pc:picChg>
+        <pc:picChg chg="mod ord">
+          <ac:chgData name="Tommy Crowley" userId="de8edd34cec55636" providerId="Windows Live" clId="Web-{F08427A6-8B71-493E-B162-D47B7290B57C}" dt="2020-02-27T15:09:49.455" v="2"/>
+          <ac:picMkLst>
+            <pc:docMk/>
+            <pc:sldMk cId="2420233417" sldId="265"/>
+            <ac:picMk id="5" creationId="{57B78E8E-705E-472F-B06E-4192588CFDF3}"/>
+          </ac:picMkLst>
+        </pc:picChg>
+      </pc:sldChg>
+    </pc:docChg>
+  </pc:docChgLst>
 </pc:chgInfo>
+</file>
+
+<file path=ppt/notesMasters/notesMaster1.xml><?xml version="1.0" encoding="utf-8"?>
+<p:notesMaster xmlns:a="http://schemas.openxmlformats.org/drawingml/2006/main" xmlns:r="http://schemas.openxmlformats.org/officeDocument/2006/relationships" xmlns:p="http://schemas.openxmlformats.org/presentationml/2006/main">
+  <p:cSld>
+    <p:bg>
+      <p:bgRef idx="1001">
+        <a:schemeClr val="bg1"/>
+      </p:bgRef>
+    </p:bg>
+    <p:spTree>
+      <p:nvGrpSpPr>
+        <p:cNvPr id="1" name=""/>
+        <p:cNvGrpSpPr/>
+        <p:nvPr/>
+      </p:nvGrpSpPr>
+      <p:grpSpPr>
+        <a:xfrm>
+          <a:off x="0" y="0"/>
+          <a:ext cx="0" cy="0"/>
+          <a:chOff x="0" y="0"/>
+          <a:chExt cx="0" cy="0"/>
+        </a:xfrm>
+      </p:grpSpPr>
+      <p:sp>
+        <p:nvSpPr>
+          <p:cNvPr id="2" name="Header Placeholder 1"/>
+          <p:cNvSpPr>
+            <a:spLocks noGrp="1"/>
+          </p:cNvSpPr>
+          <p:nvPr>
+            <p:ph type="hdr" sz="quarter"/>
+          </p:nvPr>
+        </p:nvSpPr>
+        <p:spPr>
+          <a:xfrm>
+            <a:off x="0" y="0"/>
+            <a:ext cx="2971800" cy="458788"/>
+          </a:xfrm>
+          <a:prstGeom prst="rect">
+            <a:avLst/>
+          </a:prstGeom>
+        </p:spPr>
+        <p:txBody>
+          <a:bodyPr vert="horz" lIns="91440" tIns="45720" rIns="91440" bIns="45720" rtlCol="0"/>
+          <a:lstStyle>
+            <a:lvl1pPr algn="l">
+              <a:defRPr sz="1200"/>
+            </a:lvl1pPr>
+          </a:lstStyle>
+          <a:p>
+            <a:endParaRPr lang="en-US"/>
+          </a:p>
+        </p:txBody>
+      </p:sp>
+      <p:sp>
+        <p:nvSpPr>
+          <p:cNvPr id="3" name="Date Placeholder 2"/>
+          <p:cNvSpPr>
+            <a:spLocks noGrp="1"/>
+          </p:cNvSpPr>
+          <p:nvPr>
+            <p:ph type="dt" idx="1"/>
+          </p:nvPr>
+        </p:nvSpPr>
+        <p:spPr>
+          <a:xfrm>
+            <a:off x="3884613" y="0"/>
+            <a:ext cx="2971800" cy="458788"/>
+          </a:xfrm>
+          <a:prstGeom prst="rect">
+            <a:avLst/>
+          </a:prstGeom>
+        </p:spPr>
+        <p:txBody>
+          <a:bodyPr vert="horz" lIns="91440" tIns="45720" rIns="91440" bIns="45720" rtlCol="0"/>
+          <a:lstStyle>
+            <a:lvl1pPr algn="r">
+              <a:defRPr sz="1200"/>
+            </a:lvl1pPr>
+          </a:lstStyle>
+          <a:p>
+            <a:fld id="{34650F81-CBBD-40B0-A0B9-4B4429516DBB}" type="datetimeFigureOut">
+              <a:rPr lang="en-IE"/>
+              <a:t>27/02/2020</a:t>
+            </a:fld>
+            <a:endParaRPr lang="en-US"/>
+          </a:p>
+        </p:txBody>
+      </p:sp>
+      <p:sp>
+        <p:nvSpPr>
+          <p:cNvPr id="4" name="Slide Image Placeholder 3"/>
+          <p:cNvSpPr>
+            <a:spLocks noGrp="1" noRot="1" noChangeAspect="1"/>
+          </p:cNvSpPr>
+          <p:nvPr>
+            <p:ph type="sldImg" idx="2"/>
+          </p:nvPr>
+        </p:nvSpPr>
+        <p:spPr>
+          <a:xfrm>
+            <a:off x="685800" y="1143000"/>
+            <a:ext cx="5486400" cy="3086100"/>
+          </a:xfrm>
+          <a:prstGeom prst="rect">
+            <a:avLst/>
+          </a:prstGeom>
+          <a:noFill/>
+          <a:ln w="12700">
+            <a:solidFill>
+              <a:prstClr val="black"/>
+            </a:solidFill>
+          </a:ln>
+        </p:spPr>
+        <p:txBody>
+          <a:bodyPr vert="horz" lIns="91440" tIns="45720" rIns="91440" bIns="45720" rtlCol="0" anchor="ctr"/>
+          <a:lstStyle/>
+          <a:p>
+            <a:endParaRPr lang="en-US"/>
+          </a:p>
+        </p:txBody>
+      </p:sp>
+      <p:sp>
+        <p:nvSpPr>
+          <p:cNvPr id="5" name="Notes Placeholder 4"/>
+          <p:cNvSpPr>
+            <a:spLocks noGrp="1"/>
+          </p:cNvSpPr>
+          <p:nvPr>
+            <p:ph type="body" sz="quarter" idx="3"/>
+          </p:nvPr>
+        </p:nvSpPr>
+        <p:spPr>
+          <a:xfrm>
+            <a:off x="685800" y="4400550"/>
+            <a:ext cx="5486400" cy="3600450"/>
+          </a:xfrm>
+          <a:prstGeom prst="rect">
+            <a:avLst/>
+          </a:prstGeom>
+        </p:spPr>
+        <p:txBody>
+          <a:bodyPr vert="horz" lIns="91440" tIns="45720" rIns="91440" bIns="45720" rtlCol="0"/>
+          <a:lstStyle/>
+          <a:p>
+            <a:pPr lvl="0"/>
+            <a:r>
+              <a:rPr lang="en-US"/>
+              <a:t>Click to edit Master text styles</a:t>
+            </a:r>
+          </a:p>
+          <a:p>
+            <a:pPr lvl="1"/>
+            <a:r>
+              <a:rPr lang="en-US"/>
+              <a:t>Second level</a:t>
+            </a:r>
+          </a:p>
+          <a:p>
+            <a:pPr lvl="2"/>
+            <a:r>
+              <a:rPr lang="en-US"/>
+              <a:t>Third level</a:t>
+            </a:r>
+          </a:p>
+          <a:p>
+            <a:pPr lvl="3"/>
+            <a:r>
+              <a:rPr lang="en-US"/>
+              <a:t>Fourth level</a:t>
+            </a:r>
+          </a:p>
+          <a:p>
+            <a:pPr lvl="4"/>
+            <a:r>
+              <a:rPr lang="en-US"/>
+              <a:t>Fifth level</a:t>
+            </a:r>
+          </a:p>
+        </p:txBody>
+      </p:sp>
+      <p:sp>
+        <p:nvSpPr>
+          <p:cNvPr id="6" name="Footer Placeholder 5"/>
+          <p:cNvSpPr>
+            <a:spLocks noGrp="1"/>
+          </p:cNvSpPr>
+          <p:nvPr>
+            <p:ph type="ftr" sz="quarter" idx="4"/>
+          </p:nvPr>
+        </p:nvSpPr>
+        <p:spPr>
+          <a:xfrm>
+            <a:off x="0" y="8685213"/>
+            <a:ext cx="2971800" cy="458787"/>
+          </a:xfrm>
+          <a:prstGeom prst="rect">
+            <a:avLst/>
+          </a:prstGeom>
+        </p:spPr>
+        <p:txBody>
+          <a:bodyPr vert="horz" lIns="91440" tIns="45720" rIns="91440" bIns="45720" rtlCol="0" anchor="b"/>
+          <a:lstStyle>
+            <a:lvl1pPr algn="l">
+              <a:defRPr sz="1200"/>
+            </a:lvl1pPr>
+          </a:lstStyle>
+          <a:p>
+            <a:endParaRPr lang="en-US"/>
+          </a:p>
+        </p:txBody>
+      </p:sp>
+      <p:sp>
+        <p:nvSpPr>
+          <p:cNvPr id="7" name="Slide Number Placeholder 6"/>
+          <p:cNvSpPr>
+            <a:spLocks noGrp="1"/>
+          </p:cNvSpPr>
+          <p:nvPr>
+            <p:ph type="sldNum" sz="quarter" idx="5"/>
+          </p:nvPr>
+        </p:nvSpPr>
+        <p:spPr>
+          <a:xfrm>
+            <a:off x="3884613" y="8685213"/>
+            <a:ext cx="2971800" cy="458787"/>
+          </a:xfrm>
+          <a:prstGeom prst="rect">
+            <a:avLst/>
+          </a:prstGeom>
+        </p:spPr>
+        <p:txBody>
+          <a:bodyPr vert="horz" lIns="91440" tIns="45720" rIns="91440" bIns="45720" rtlCol="0" anchor="b"/>
+          <a:lstStyle>
+            <a:lvl1pPr algn="r">
+              <a:defRPr sz="1200"/>
+            </a:lvl1pPr>
+          </a:lstStyle>
+          <a:p>
+            <a:fld id="{EE6ABC4C-EDD6-47DB-A029-25BC624D3359}" type="slidenum">
+              <a:rPr lang="en-IE"/>
+              <a:t>‹#›</a:t>
+            </a:fld>
+            <a:endParaRPr lang="en-US"/>
+          </a:p>
+        </p:txBody>
+      </p:sp>
+    </p:spTree>
+    <p:extLst>
+      <p:ext uri="{BB962C8B-B14F-4D97-AF65-F5344CB8AC3E}">
+        <p14:creationId xmlns:p14="http://schemas.microsoft.com/office/powerpoint/2010/main" val="4233183768"/>
+      </p:ext>
+    </p:extLst>
+  </p:cSld>
+  <p:clrMap bg1="lt1" tx1="dk1" bg2="lt2" tx2="dk2" accent1="accent1" accent2="accent2" accent3="accent3" accent4="accent4" accent5="accent5" accent6="accent6" hlink="hlink" folHlink="folHlink"/>
+  <p:notesStyle>
+    <a:lvl1pPr marL="0" algn="l" defTabSz="914400" rtl="0" eaLnBrk="1" latinLnBrk="0" hangingPunct="1">
+      <a:defRPr sz="1200" kern="1200">
+        <a:solidFill>
+          <a:schemeClr val="tx1"/>
+        </a:solidFill>
+        <a:latin typeface="+mn-lt"/>
+        <a:ea typeface="+mn-ea"/>
+        <a:cs typeface="+mn-cs"/>
+      </a:defRPr>
+    </a:lvl1pPr>
+    <a:lvl2pPr marL="457200" algn="l" defTabSz="914400" rtl="0" eaLnBrk="1" latinLnBrk="0" hangingPunct="1">
+      <a:defRPr sz="1200" kern="1200">
+        <a:solidFill>
+          <a:schemeClr val="tx1"/>
+        </a:solidFill>
+        <a:latin typeface="+mn-lt"/>
+        <a:ea typeface="+mn-ea"/>
+        <a:cs typeface="+mn-cs"/>
+      </a:defRPr>
+    </a:lvl2pPr>
+    <a:lvl3pPr marL="914400" algn="l" defTabSz="914400" rtl="0" eaLnBrk="1" latinLnBrk="0" hangingPunct="1">
+      <a:defRPr sz="1200" kern="1200">
+        <a:solidFill>
+          <a:schemeClr val="tx1"/>
+        </a:solidFill>
+        <a:latin typeface="+mn-lt"/>
+        <a:ea typeface="+mn-ea"/>
+        <a:cs typeface="+mn-cs"/>
+      </a:defRPr>
+    </a:lvl3pPr>
+    <a:lvl4pPr marL="1371600" algn="l" defTabSz="914400" rtl="0" eaLnBrk="1" latinLnBrk="0" hangingPunct="1">
+      <a:defRPr sz="1200" kern="1200">
+        <a:solidFill>
+          <a:schemeClr val="tx1"/>
+        </a:solidFill>
+        <a:latin typeface="+mn-lt"/>
+        <a:ea typeface="+mn-ea"/>
+        <a:cs typeface="+mn-cs"/>
+      </a:defRPr>
+    </a:lvl4pPr>
+    <a:lvl5pPr marL="1828800" algn="l" defTabSz="914400" rtl="0" eaLnBrk="1" latinLnBrk="0" hangingPunct="1">
+      <a:defRPr sz="1200" kern="1200">
+        <a:solidFill>
+          <a:schemeClr val="tx1"/>
+        </a:solidFill>
+        <a:latin typeface="+mn-lt"/>
+        <a:ea typeface="+mn-ea"/>
+        <a:cs typeface="+mn-cs"/>
+      </a:defRPr>
+    </a:lvl5pPr>
+    <a:lvl6pPr marL="2286000" algn="l" defTabSz="914400" rtl="0" eaLnBrk="1" latinLnBrk="0" hangingPunct="1">
+      <a:defRPr sz="1200" kern="1200">
+        <a:solidFill>
+          <a:schemeClr val="tx1"/>
+        </a:solidFill>
+        <a:latin typeface="+mn-lt"/>
+        <a:ea typeface="+mn-ea"/>
+        <a:cs typeface="+mn-cs"/>
+      </a:defRPr>
+    </a:lvl6pPr>
+    <a:lvl7pPr marL="2743200" algn="l" defTabSz="914400" rtl="0" eaLnBrk="1" latinLnBrk="0" hangingPunct="1">
+      <a:defRPr sz="1200" kern="1200">
+        <a:solidFill>
+          <a:schemeClr val="tx1"/>
+        </a:solidFill>
+        <a:latin typeface="+mn-lt"/>
+        <a:ea typeface="+mn-ea"/>
+        <a:cs typeface="+mn-cs"/>
+      </a:defRPr>
+    </a:lvl7pPr>
+    <a:lvl8pPr marL="3200400" algn="l" defTabSz="914400" rtl="0" eaLnBrk="1" latinLnBrk="0" hangingPunct="1">
+      <a:defRPr sz="1200" kern="1200">
+        <a:solidFill>
+          <a:schemeClr val="tx1"/>
+        </a:solidFill>
+        <a:latin typeface="+mn-lt"/>
+        <a:ea typeface="+mn-ea"/>
+        <a:cs typeface="+mn-cs"/>
+      </a:defRPr>
+    </a:lvl8pPr>
+    <a:lvl9pPr marL="3657600" algn="l" defTabSz="914400" rtl="0" eaLnBrk="1" latinLnBrk="0" hangingPunct="1">
+      <a:defRPr sz="1200" kern="1200">
+        <a:solidFill>
+          <a:schemeClr val="tx1"/>
+        </a:solidFill>
+        <a:latin typeface="+mn-lt"/>
+        <a:ea typeface="+mn-ea"/>
+        <a:cs typeface="+mn-cs"/>
+      </a:defRPr>
+    </a:lvl9pPr>
+  </p:notesStyle>
+</p:notesMaster>
+</file>
+
+<file path=ppt/notesSlides/notesSlide1.xml><?xml version="1.0" encoding="utf-8"?>
+<p:notes xmlns:a="http://schemas.openxmlformats.org/drawingml/2006/main" xmlns:r="http://schemas.openxmlformats.org/officeDocument/2006/relationships" xmlns:p="http://schemas.openxmlformats.org/presentationml/2006/main">
+  <p:cSld>
+    <p:spTree>
+      <p:nvGrpSpPr>
+        <p:cNvPr id="1" name=""/>
+        <p:cNvGrpSpPr/>
+        <p:nvPr/>
+      </p:nvGrpSpPr>
+      <p:grpSpPr>
+        <a:xfrm>
+          <a:off x="0" y="0"/>
+          <a:ext cx="0" cy="0"/>
+          <a:chOff x="0" y="0"/>
+          <a:chExt cx="0" cy="0"/>
+        </a:xfrm>
+      </p:grpSpPr>
+      <p:sp>
+        <p:nvSpPr>
+          <p:cNvPr id="2" name="Slide Image Placeholder 1"/>
+          <p:cNvSpPr>
+            <a:spLocks noGrp="1" noRot="1" noChangeAspect="1"/>
+          </p:cNvSpPr>
+          <p:nvPr>
+            <p:ph type="sldImg"/>
+          </p:nvPr>
+        </p:nvSpPr>
+        <p:spPr/>
+      </p:sp>
+      <p:sp>
+        <p:nvSpPr>
+          <p:cNvPr id="3" name="Notes Placeholder 2"/>
+          <p:cNvSpPr>
+            <a:spLocks noGrp="1"/>
+          </p:cNvSpPr>
+          <p:nvPr>
+            <p:ph type="body" idx="1"/>
+          </p:nvPr>
+        </p:nvSpPr>
+        <p:spPr/>
+        <p:txBody>
+          <a:bodyPr/>
+          <a:lstStyle/>
+          <a:p>
+            <a:r>
+              <a:rPr lang="en-US" dirty="0" err="1">
+                <a:cs typeface="Calibri"/>
+              </a:rPr>
+              <a:t>Ninjaball</a:t>
+            </a:r>
+            <a:r>
+              <a:rPr lang="en-US" dirty="0">
+                <a:cs typeface="Calibri"/>
+              </a:rPr>
+              <a:t> will see you progressing up a series of increasingly challenging levels to reach the top of the tower, the levels will use the vertical space</a:t>
+            </a:r>
+          </a:p>
+          <a:p>
+            <a:r>
+              <a:rPr lang="en-US">
+                <a:cs typeface="Calibri"/>
+              </a:rPr>
+              <a:t>Provided</a:t>
+            </a:r>
+            <a:r>
+              <a:rPr lang="en-US" dirty="0">
+                <a:cs typeface="Calibri"/>
+              </a:rPr>
+              <a:t> by the phone screen to progress onwards, using the environment to your advantage to move through the level. We decided on a pinball theme as we liked the visual and mechanical elements that a pinball game can have with this kind of platformer.</a:t>
+            </a:r>
+          </a:p>
+        </p:txBody>
+      </p:sp>
+      <p:sp>
+        <p:nvSpPr>
+          <p:cNvPr id="4" name="Slide Number Placeholder 3"/>
+          <p:cNvSpPr>
+            <a:spLocks noGrp="1"/>
+          </p:cNvSpPr>
+          <p:nvPr>
+            <p:ph type="sldNum" sz="quarter" idx="5"/>
+          </p:nvPr>
+        </p:nvSpPr>
+        <p:spPr/>
+        <p:txBody>
+          <a:bodyPr/>
+          <a:lstStyle/>
+          <a:p>
+            <a:fld id="{EE6ABC4C-EDD6-47DB-A029-25BC624D3359}" type="slidenum">
+              <a:rPr lang="en-IE"/>
+              <a:t>2</a:t>
+            </a:fld>
+            <a:endParaRPr lang="en-US"/>
+          </a:p>
+        </p:txBody>
+      </p:sp>
+    </p:spTree>
+    <p:extLst>
+      <p:ext uri="{BB962C8B-B14F-4D97-AF65-F5344CB8AC3E}">
+        <p14:creationId xmlns:p14="http://schemas.microsoft.com/office/powerpoint/2010/main" val="3997733016"/>
+      </p:ext>
+    </p:extLst>
+  </p:cSld>
+  <p:clrMapOvr>
+    <a:masterClrMapping/>
+  </p:clrMapOvr>
+</p:notes>
+</file>
+
+<file path=ppt/notesSlides/notesSlide2.xml><?xml version="1.0" encoding="utf-8"?>
+<p:notes xmlns:a="http://schemas.openxmlformats.org/drawingml/2006/main" xmlns:r="http://schemas.openxmlformats.org/officeDocument/2006/relationships" xmlns:p="http://schemas.openxmlformats.org/presentationml/2006/main">
+  <p:cSld>
+    <p:spTree>
+      <p:nvGrpSpPr>
+        <p:cNvPr id="1" name=""/>
+        <p:cNvGrpSpPr/>
+        <p:nvPr/>
+      </p:nvGrpSpPr>
+      <p:grpSpPr>
+        <a:xfrm>
+          <a:off x="0" y="0"/>
+          <a:ext cx="0" cy="0"/>
+          <a:chOff x="0" y="0"/>
+          <a:chExt cx="0" cy="0"/>
+        </a:xfrm>
+      </p:grpSpPr>
+      <p:sp>
+        <p:nvSpPr>
+          <p:cNvPr id="2" name="Slide Image Placeholder 1"/>
+          <p:cNvSpPr>
+            <a:spLocks noGrp="1" noRot="1" noChangeAspect="1"/>
+          </p:cNvSpPr>
+          <p:nvPr>
+            <p:ph type="sldImg"/>
+          </p:nvPr>
+        </p:nvSpPr>
+        <p:spPr/>
+      </p:sp>
+      <p:sp>
+        <p:nvSpPr>
+          <p:cNvPr id="3" name="Notes Placeholder 2"/>
+          <p:cNvSpPr>
+            <a:spLocks noGrp="1"/>
+          </p:cNvSpPr>
+          <p:nvPr>
+            <p:ph type="body" idx="1"/>
+          </p:nvPr>
+        </p:nvSpPr>
+        <p:spPr/>
+        <p:txBody>
+          <a:bodyPr/>
+          <a:lstStyle/>
+          <a:p>
+            <a:r>
+              <a:rPr lang="en-US" dirty="0">
+                <a:cs typeface="Calibri"/>
+              </a:rPr>
+              <a:t>We realised</a:t>
+            </a:r>
+            <a:r>
+              <a:rPr lang="en-US">
+                <a:cs typeface="Calibri"/>
+              </a:rPr>
+              <a:t> that many of the design features seen in pinball games could be used on this kind of platformer to promote fun fast paced gameplay,</a:t>
+            </a:r>
+          </a:p>
+          <a:p>
+            <a:r>
+              <a:rPr lang="en-US">
+                <a:cs typeface="Calibri"/>
+              </a:rPr>
+              <a:t>Flippers, bumpers and springs could be used as obstcales or as a means to move through the level</a:t>
+            </a:r>
+            <a:endParaRPr lang="en-US" dirty="0">
+              <a:cs typeface="Calibri"/>
+            </a:endParaRPr>
+          </a:p>
+          <a:p>
+            <a:r>
+              <a:rPr lang="en-US" dirty="0">
+                <a:cs typeface="Calibri"/>
+              </a:rPr>
+              <a:t> </a:t>
+            </a:r>
+          </a:p>
+        </p:txBody>
+      </p:sp>
+      <p:sp>
+        <p:nvSpPr>
+          <p:cNvPr id="4" name="Slide Number Placeholder 3"/>
+          <p:cNvSpPr>
+            <a:spLocks noGrp="1"/>
+          </p:cNvSpPr>
+          <p:nvPr>
+            <p:ph type="sldNum" sz="quarter" idx="5"/>
+          </p:nvPr>
+        </p:nvSpPr>
+        <p:spPr/>
+        <p:txBody>
+          <a:bodyPr/>
+          <a:lstStyle/>
+          <a:p>
+            <a:fld id="{EE6ABC4C-EDD6-47DB-A029-25BC624D3359}" type="slidenum">
+              <a:rPr lang="en-IE"/>
+              <a:t>3</a:t>
+            </a:fld>
+            <a:endParaRPr lang="en-US"/>
+          </a:p>
+        </p:txBody>
+      </p:sp>
+    </p:spTree>
+    <p:extLst>
+      <p:ext uri="{BB962C8B-B14F-4D97-AF65-F5344CB8AC3E}">
+        <p14:creationId xmlns:p14="http://schemas.microsoft.com/office/powerpoint/2010/main" val="3961680121"/>
+      </p:ext>
+    </p:extLst>
+  </p:cSld>
+  <p:clrMapOvr>
+    <a:masterClrMapping/>
+  </p:clrMapOvr>
+</p:notes>
 </file>
 
 <file path=ppt/slideLayouts/slideLayout1.xml><?xml version="1.0" encoding="utf-8"?>
@@ -13612,7 +14306,7 @@
           </a:xfrm>
         </p:spPr>
         <p:txBody>
-          <a:bodyPr>
+          <a:bodyPr vert="horz" lIns="91440" tIns="45720" rIns="91440" bIns="45720" rtlCol="0" anchor="t">
             <a:normAutofit/>
           </a:bodyPr>
           <a:lstStyle/>
@@ -13634,8 +14328,8 @@
               </a:lnSpc>
             </a:pPr>
             <a:r>
-              <a:rPr lang="en-GB" dirty="0"/>
-              <a:t>Fun levels full of obstacles pinball inspired obstacles.</a:t>
+              <a:rPr lang="en-GB"/>
+              <a:t>Fun levels full of pinball inspired obstacles.</a:t>
             </a:r>
           </a:p>
           <a:p>
@@ -13750,7 +14444,9 @@
           </a:xfrm>
         </p:spPr>
         <p:txBody>
-          <a:bodyPr/>
+          <a:bodyPr vert="horz" lIns="91440" tIns="45720" rIns="91440" bIns="45720" rtlCol="0" anchor="t">
+            <a:normAutofit/>
+          </a:bodyPr>
           <a:lstStyle/>
           <a:p>
             <a:pPr>
@@ -13780,25 +14476,6 @@
             <a:r>
               <a:rPr lang="en-IE" dirty="0"/>
               <a:t>Platforming will rely on the various obstacles to propel the player through the level.</a:t>
-            </a:r>
-          </a:p>
-          <a:p>
-            <a:pPr>
-              <a:lnSpc>
-                <a:spcPct val="150000"/>
-              </a:lnSpc>
-            </a:pPr>
-            <a:endParaRPr lang="en-IE" dirty="0"/>
-          </a:p>
-          <a:p>
-            <a:pPr>
-              <a:lnSpc>
-                <a:spcPct val="150000"/>
-              </a:lnSpc>
-            </a:pPr>
-            <a:r>
-              <a:rPr lang="en-IE" dirty="0"/>
-              <a:t>Final level will consist of a boss fight testing the skills the player has learned along the way.</a:t>
             </a:r>
           </a:p>
         </p:txBody>
@@ -13819,6 +14496,14 @@
 <file path=ppt/slides/slide4.xml><?xml version="1.0" encoding="utf-8"?>
 <p:sld xmlns:a="http://schemas.openxmlformats.org/drawingml/2006/main" xmlns:r="http://schemas.openxmlformats.org/officeDocument/2006/relationships" xmlns:p="http://schemas.openxmlformats.org/presentationml/2006/main">
   <p:cSld>
+    <p:bg>
+      <p:bgPr>
+        <a:solidFill>
+          <a:schemeClr val="bg1"/>
+        </a:solidFill>
+        <a:effectLst/>
+      </p:bgPr>
+    </p:bg>
     <p:spTree>
       <p:nvGrpSpPr>
         <p:cNvPr id="1" name=""/>
@@ -13833,6 +14518,603 @@
           <a:chExt cx="0" cy="0"/>
         </a:xfrm>
       </p:grpSpPr>
+      <p:sp>
+        <p:nvSpPr>
+          <p:cNvPr id="10" name="Rectangle 9">
+            <a:extLst>
+              <a:ext uri="{FF2B5EF4-FFF2-40B4-BE49-F238E27FC236}">
+                <a16:creationId xmlns:a16="http://schemas.microsoft.com/office/drawing/2014/main" id="{FC485557-E744-401B-A251-3650FAEEAD8E}"/>
+              </a:ext>
+              <a:ext uri="{C183D7F6-B498-43B3-948B-1728B52AA6E4}">
+                <adec:decorative xmlns:adec="http://schemas.microsoft.com/office/drawing/2017/decorative" val="1"/>
+              </a:ext>
+            </a:extLst>
+          </p:cNvPr>
+          <p:cNvSpPr>
+            <a:spLocks noGrp="1" noRot="1" noChangeAspect="1" noMove="1" noResize="1" noEditPoints="1" noAdjustHandles="1" noChangeArrowheads="1" noChangeShapeType="1" noTextEdit="1"/>
+          </p:cNvSpPr>
+          <p:nvPr>
+            <p:extLst>
+              <p:ext uri="{386F3935-93C4-4BCD-93E2-E3B085C9AB24}">
+                <p16:designElem xmlns:p16="http://schemas.microsoft.com/office/powerpoint/2015/main" val="1"/>
+              </p:ext>
+            </p:extLst>
+          </p:nvPr>
+        </p:nvSpPr>
+        <p:spPr>
+          <a:xfrm>
+            <a:off x="0" y="0"/>
+            <a:ext cx="12192000" cy="6858000"/>
+          </a:xfrm>
+          <a:prstGeom prst="rect">
+            <a:avLst/>
+          </a:prstGeom>
+          <a:ln>
+            <a:noFill/>
+          </a:ln>
+        </p:spPr>
+        <p:style>
+          <a:lnRef idx="2">
+            <a:schemeClr val="accent1">
+              <a:shade val="50000"/>
+            </a:schemeClr>
+          </a:lnRef>
+          <a:fillRef idx="1003">
+            <a:schemeClr val="dk2"/>
+          </a:fillRef>
+          <a:effectRef idx="0">
+            <a:schemeClr val="accent1"/>
+          </a:effectRef>
+          <a:fontRef idx="minor">
+            <a:schemeClr val="lt1"/>
+          </a:fontRef>
+        </p:style>
+      </p:sp>
+      <p:sp>
+        <p:nvSpPr>
+          <p:cNvPr id="12" name="Freeform: Shape 11">
+            <a:extLst>
+              <a:ext uri="{FF2B5EF4-FFF2-40B4-BE49-F238E27FC236}">
+                <a16:creationId xmlns:a16="http://schemas.microsoft.com/office/drawing/2014/main" id="{986D68AF-6B45-4B98-8634-61D8C9C05662}"/>
+              </a:ext>
+              <a:ext uri="{C183D7F6-B498-43B3-948B-1728B52AA6E4}">
+                <adec:decorative xmlns:adec="http://schemas.microsoft.com/office/drawing/2017/decorative" val="1"/>
+              </a:ext>
+            </a:extLst>
+          </p:cNvPr>
+          <p:cNvSpPr>
+            <a:spLocks noGrp="1" noRot="1" noChangeAspect="1" noMove="1" noResize="1" noEditPoints="1" noAdjustHandles="1" noChangeArrowheads="1" noChangeShapeType="1" noTextEdit="1"/>
+          </p:cNvSpPr>
+          <p:nvPr>
+            <p:extLst>
+              <p:ext uri="{386F3935-93C4-4BCD-93E2-E3B085C9AB24}">
+                <p16:designElem xmlns:p16="http://schemas.microsoft.com/office/powerpoint/2015/main" val="1"/>
+              </p:ext>
+            </p:extLst>
+          </p:nvPr>
+        </p:nvSpPr>
+        <p:spPr bwMode="gray">
+          <a:xfrm rot="16200000">
+            <a:off x="5171964" y="-140866"/>
+            <a:ext cx="6053670" cy="7139732"/>
+          </a:xfrm>
+          <a:custGeom>
+            <a:avLst/>
+            <a:gdLst>
+              <a:gd name="connsiteX0" fmla="*/ 6053670 w 6053670"/>
+              <a:gd name="connsiteY0" fmla="*/ 1098 h 7139732"/>
+              <a:gd name="connsiteX1" fmla="*/ 6053670 w 6053670"/>
+              <a:gd name="connsiteY1" fmla="*/ 1084479 h 7139732"/>
+              <a:gd name="connsiteX2" fmla="*/ 6053670 w 6053670"/>
+              <a:gd name="connsiteY2" fmla="*/ 1254558 h 7139732"/>
+              <a:gd name="connsiteX3" fmla="*/ 6053670 w 6053670"/>
+              <a:gd name="connsiteY3" fmla="*/ 7139732 h 7139732"/>
+              <a:gd name="connsiteX4" fmla="*/ 0 w 6053670"/>
+              <a:gd name="connsiteY4" fmla="*/ 7139732 h 7139732"/>
+              <a:gd name="connsiteX5" fmla="*/ 0 w 6053670"/>
+              <a:gd name="connsiteY5" fmla="*/ 1249853 h 7139732"/>
+              <a:gd name="connsiteX6" fmla="*/ 0 w 6053670"/>
+              <a:gd name="connsiteY6" fmla="*/ 1084479 h 7139732"/>
+              <a:gd name="connsiteX7" fmla="*/ 0 w 6053670"/>
+              <a:gd name="connsiteY7" fmla="*/ 0 h 7139732"/>
+              <a:gd name="connsiteX8" fmla="*/ 35717 w 6053670"/>
+              <a:gd name="connsiteY8" fmla="*/ 5488 h 7139732"/>
+              <a:gd name="connsiteX9" fmla="*/ 140445 w 6053670"/>
+              <a:gd name="connsiteY9" fmla="*/ 21641 h 7139732"/>
+              <a:gd name="connsiteX10" fmla="*/ 216722 w 6053670"/>
+              <a:gd name="connsiteY10" fmla="*/ 32932 h 7139732"/>
+              <a:gd name="connsiteX11" fmla="*/ 307527 w 6053670"/>
+              <a:gd name="connsiteY11" fmla="*/ 44850 h 7139732"/>
+              <a:gd name="connsiteX12" fmla="*/ 415282 w 6053670"/>
+              <a:gd name="connsiteY12" fmla="*/ 59121 h 7139732"/>
+              <a:gd name="connsiteX13" fmla="*/ 534539 w 6053670"/>
+              <a:gd name="connsiteY13" fmla="*/ 74175 h 7139732"/>
+              <a:gd name="connsiteX14" fmla="*/ 668931 w 6053670"/>
+              <a:gd name="connsiteY14" fmla="*/ 90014 h 7139732"/>
+              <a:gd name="connsiteX15" fmla="*/ 815430 w 6053670"/>
+              <a:gd name="connsiteY15" fmla="*/ 106794 h 7139732"/>
+              <a:gd name="connsiteX16" fmla="*/ 974641 w 6053670"/>
+              <a:gd name="connsiteY16" fmla="*/ 123574 h 7139732"/>
+              <a:gd name="connsiteX17" fmla="*/ 1144144 w 6053670"/>
+              <a:gd name="connsiteY17" fmla="*/ 140667 h 7139732"/>
+              <a:gd name="connsiteX18" fmla="*/ 1326965 w 6053670"/>
+              <a:gd name="connsiteY18" fmla="*/ 156506 h 7139732"/>
+              <a:gd name="connsiteX19" fmla="*/ 1518261 w 6053670"/>
+              <a:gd name="connsiteY19" fmla="*/ 171717 h 7139732"/>
+              <a:gd name="connsiteX20" fmla="*/ 1720453 w 6053670"/>
+              <a:gd name="connsiteY20" fmla="*/ 185518 h 7139732"/>
+              <a:gd name="connsiteX21" fmla="*/ 1931121 w 6053670"/>
+              <a:gd name="connsiteY21" fmla="*/ 198690 h 7139732"/>
+              <a:gd name="connsiteX22" fmla="*/ 2150869 w 6053670"/>
+              <a:gd name="connsiteY22" fmla="*/ 211079 h 7139732"/>
+              <a:gd name="connsiteX23" fmla="*/ 2263467 w 6053670"/>
+              <a:gd name="connsiteY23" fmla="*/ 215470 h 7139732"/>
+              <a:gd name="connsiteX24" fmla="*/ 2378487 w 6053670"/>
+              <a:gd name="connsiteY24" fmla="*/ 220332 h 7139732"/>
+              <a:gd name="connsiteX25" fmla="*/ 2495323 w 6053670"/>
+              <a:gd name="connsiteY25" fmla="*/ 224879 h 7139732"/>
+              <a:gd name="connsiteX26" fmla="*/ 2612764 w 6053670"/>
+              <a:gd name="connsiteY26" fmla="*/ 227859 h 7139732"/>
+              <a:gd name="connsiteX27" fmla="*/ 2732627 w 6053670"/>
+              <a:gd name="connsiteY27" fmla="*/ 230525 h 7139732"/>
+              <a:gd name="connsiteX28" fmla="*/ 2853700 w 6053670"/>
+              <a:gd name="connsiteY28" fmla="*/ 233348 h 7139732"/>
+              <a:gd name="connsiteX29" fmla="*/ 2977195 w 6053670"/>
+              <a:gd name="connsiteY29" fmla="*/ 235229 h 7139732"/>
+              <a:gd name="connsiteX30" fmla="*/ 3101901 w 6053670"/>
+              <a:gd name="connsiteY30" fmla="*/ 235229 h 7139732"/>
+              <a:gd name="connsiteX31" fmla="*/ 3227817 w 6053670"/>
+              <a:gd name="connsiteY31" fmla="*/ 236170 h 7139732"/>
+              <a:gd name="connsiteX32" fmla="*/ 3354944 w 6053670"/>
+              <a:gd name="connsiteY32" fmla="*/ 235229 h 7139732"/>
+              <a:gd name="connsiteX33" fmla="*/ 3483887 w 6053670"/>
+              <a:gd name="connsiteY33" fmla="*/ 233348 h 7139732"/>
+              <a:gd name="connsiteX34" fmla="*/ 3612830 w 6053670"/>
+              <a:gd name="connsiteY34" fmla="*/ 231623 h 7139732"/>
+              <a:gd name="connsiteX35" fmla="*/ 3743590 w 6053670"/>
+              <a:gd name="connsiteY35" fmla="*/ 227859 h 7139732"/>
+              <a:gd name="connsiteX36" fmla="*/ 3875560 w 6053670"/>
+              <a:gd name="connsiteY36" fmla="*/ 223938 h 7139732"/>
+              <a:gd name="connsiteX37" fmla="*/ 4007530 w 6053670"/>
+              <a:gd name="connsiteY37" fmla="*/ 219391 h 7139732"/>
+              <a:gd name="connsiteX38" fmla="*/ 4140710 w 6053670"/>
+              <a:gd name="connsiteY38" fmla="*/ 212961 h 7139732"/>
+              <a:gd name="connsiteX39" fmla="*/ 4275102 w 6053670"/>
+              <a:gd name="connsiteY39" fmla="*/ 205277 h 7139732"/>
+              <a:gd name="connsiteX40" fmla="*/ 4410098 w 6053670"/>
+              <a:gd name="connsiteY40" fmla="*/ 197907 h 7139732"/>
+              <a:gd name="connsiteX41" fmla="*/ 4545096 w 6053670"/>
+              <a:gd name="connsiteY41" fmla="*/ 188498 h 7139732"/>
+              <a:gd name="connsiteX42" fmla="*/ 4681909 w 6053670"/>
+              <a:gd name="connsiteY42" fmla="*/ 177207 h 7139732"/>
+              <a:gd name="connsiteX43" fmla="*/ 4816905 w 6053670"/>
+              <a:gd name="connsiteY43" fmla="*/ 165916 h 7139732"/>
+              <a:gd name="connsiteX44" fmla="*/ 4954323 w 6053670"/>
+              <a:gd name="connsiteY44" fmla="*/ 152899 h 7139732"/>
+              <a:gd name="connsiteX45" fmla="*/ 5092347 w 6053670"/>
+              <a:gd name="connsiteY45" fmla="*/ 138629 h 7139732"/>
+              <a:gd name="connsiteX46" fmla="*/ 5228555 w 6053670"/>
+              <a:gd name="connsiteY46" fmla="*/ 123574 h 7139732"/>
+              <a:gd name="connsiteX47" fmla="*/ 5366578 w 6053670"/>
+              <a:gd name="connsiteY47" fmla="*/ 106010 h 7139732"/>
+              <a:gd name="connsiteX48" fmla="*/ 5503997 w 6053670"/>
+              <a:gd name="connsiteY48" fmla="*/ 87192 h 7139732"/>
+              <a:gd name="connsiteX49" fmla="*/ 5642020 w 6053670"/>
+              <a:gd name="connsiteY49" fmla="*/ 68530 h 7139732"/>
+              <a:gd name="connsiteX50" fmla="*/ 5779438 w 6053670"/>
+              <a:gd name="connsiteY50" fmla="*/ 46733 h 7139732"/>
+              <a:gd name="connsiteX51" fmla="*/ 5916251 w 6053670"/>
+              <a:gd name="connsiteY51" fmla="*/ 24464 h 7139732"/>
+            </a:gdLst>
+            <a:ahLst/>
+            <a:cxnLst>
+              <a:cxn ang="0">
+                <a:pos x="connsiteX0" y="connsiteY0"/>
+              </a:cxn>
+              <a:cxn ang="0">
+                <a:pos x="connsiteX1" y="connsiteY1"/>
+              </a:cxn>
+              <a:cxn ang="0">
+                <a:pos x="connsiteX2" y="connsiteY2"/>
+              </a:cxn>
+              <a:cxn ang="0">
+                <a:pos x="connsiteX3" y="connsiteY3"/>
+              </a:cxn>
+              <a:cxn ang="0">
+                <a:pos x="connsiteX4" y="connsiteY4"/>
+              </a:cxn>
+              <a:cxn ang="0">
+                <a:pos x="connsiteX5" y="connsiteY5"/>
+              </a:cxn>
+              <a:cxn ang="0">
+                <a:pos x="connsiteX6" y="connsiteY6"/>
+              </a:cxn>
+              <a:cxn ang="0">
+                <a:pos x="connsiteX7" y="connsiteY7"/>
+              </a:cxn>
+              <a:cxn ang="0">
+                <a:pos x="connsiteX8" y="connsiteY8"/>
+              </a:cxn>
+              <a:cxn ang="0">
+                <a:pos x="connsiteX9" y="connsiteY9"/>
+              </a:cxn>
+              <a:cxn ang="0">
+                <a:pos x="connsiteX10" y="connsiteY10"/>
+              </a:cxn>
+              <a:cxn ang="0">
+                <a:pos x="connsiteX11" y="connsiteY11"/>
+              </a:cxn>
+              <a:cxn ang="0">
+                <a:pos x="connsiteX12" y="connsiteY12"/>
+              </a:cxn>
+              <a:cxn ang="0">
+                <a:pos x="connsiteX13" y="connsiteY13"/>
+              </a:cxn>
+              <a:cxn ang="0">
+                <a:pos x="connsiteX14" y="connsiteY14"/>
+              </a:cxn>
+              <a:cxn ang="0">
+                <a:pos x="connsiteX15" y="connsiteY15"/>
+              </a:cxn>
+              <a:cxn ang="0">
+                <a:pos x="connsiteX16" y="connsiteY16"/>
+              </a:cxn>
+              <a:cxn ang="0">
+                <a:pos x="connsiteX17" y="connsiteY17"/>
+              </a:cxn>
+              <a:cxn ang="0">
+                <a:pos x="connsiteX18" y="connsiteY18"/>
+              </a:cxn>
+              <a:cxn ang="0">
+                <a:pos x="connsiteX19" y="connsiteY19"/>
+              </a:cxn>
+              <a:cxn ang="0">
+                <a:pos x="connsiteX20" y="connsiteY20"/>
+              </a:cxn>
+              <a:cxn ang="0">
+                <a:pos x="connsiteX21" y="connsiteY21"/>
+              </a:cxn>
+              <a:cxn ang="0">
+                <a:pos x="connsiteX22" y="connsiteY22"/>
+              </a:cxn>
+              <a:cxn ang="0">
+                <a:pos x="connsiteX23" y="connsiteY23"/>
+              </a:cxn>
+              <a:cxn ang="0">
+                <a:pos x="connsiteX24" y="connsiteY24"/>
+              </a:cxn>
+              <a:cxn ang="0">
+                <a:pos x="connsiteX25" y="connsiteY25"/>
+              </a:cxn>
+              <a:cxn ang="0">
+                <a:pos x="connsiteX26" y="connsiteY26"/>
+              </a:cxn>
+              <a:cxn ang="0">
+                <a:pos x="connsiteX27" y="connsiteY27"/>
+              </a:cxn>
+              <a:cxn ang="0">
+                <a:pos x="connsiteX28" y="connsiteY28"/>
+              </a:cxn>
+              <a:cxn ang="0">
+                <a:pos x="connsiteX29" y="connsiteY29"/>
+              </a:cxn>
+              <a:cxn ang="0">
+                <a:pos x="connsiteX30" y="connsiteY30"/>
+              </a:cxn>
+              <a:cxn ang="0">
+                <a:pos x="connsiteX31" y="connsiteY31"/>
+              </a:cxn>
+              <a:cxn ang="0">
+                <a:pos x="connsiteX32" y="connsiteY32"/>
+              </a:cxn>
+              <a:cxn ang="0">
+                <a:pos x="connsiteX33" y="connsiteY33"/>
+              </a:cxn>
+              <a:cxn ang="0">
+                <a:pos x="connsiteX34" y="connsiteY34"/>
+              </a:cxn>
+              <a:cxn ang="0">
+                <a:pos x="connsiteX35" y="connsiteY35"/>
+              </a:cxn>
+              <a:cxn ang="0">
+                <a:pos x="connsiteX36" y="connsiteY36"/>
+              </a:cxn>
+              <a:cxn ang="0">
+                <a:pos x="connsiteX37" y="connsiteY37"/>
+              </a:cxn>
+              <a:cxn ang="0">
+                <a:pos x="connsiteX38" y="connsiteY38"/>
+              </a:cxn>
+              <a:cxn ang="0">
+                <a:pos x="connsiteX39" y="connsiteY39"/>
+              </a:cxn>
+              <a:cxn ang="0">
+                <a:pos x="connsiteX40" y="connsiteY40"/>
+              </a:cxn>
+              <a:cxn ang="0">
+                <a:pos x="connsiteX41" y="connsiteY41"/>
+              </a:cxn>
+              <a:cxn ang="0">
+                <a:pos x="connsiteX42" y="connsiteY42"/>
+              </a:cxn>
+              <a:cxn ang="0">
+                <a:pos x="connsiteX43" y="connsiteY43"/>
+              </a:cxn>
+              <a:cxn ang="0">
+                <a:pos x="connsiteX44" y="connsiteY44"/>
+              </a:cxn>
+              <a:cxn ang="0">
+                <a:pos x="connsiteX45" y="connsiteY45"/>
+              </a:cxn>
+              <a:cxn ang="0">
+                <a:pos x="connsiteX46" y="connsiteY46"/>
+              </a:cxn>
+              <a:cxn ang="0">
+                <a:pos x="connsiteX47" y="connsiteY47"/>
+              </a:cxn>
+              <a:cxn ang="0">
+                <a:pos x="connsiteX48" y="connsiteY48"/>
+              </a:cxn>
+              <a:cxn ang="0">
+                <a:pos x="connsiteX49" y="connsiteY49"/>
+              </a:cxn>
+              <a:cxn ang="0">
+                <a:pos x="connsiteX50" y="connsiteY50"/>
+              </a:cxn>
+              <a:cxn ang="0">
+                <a:pos x="connsiteX51" y="connsiteY51"/>
+              </a:cxn>
+            </a:cxnLst>
+            <a:rect l="l" t="t" r="r" b="b"/>
+            <a:pathLst>
+              <a:path w="6053670" h="7139732">
+                <a:moveTo>
+                  <a:pt x="6053670" y="1098"/>
+                </a:moveTo>
+                <a:lnTo>
+                  <a:pt x="6053670" y="1084479"/>
+                </a:lnTo>
+                <a:lnTo>
+                  <a:pt x="6053670" y="1254558"/>
+                </a:lnTo>
+                <a:lnTo>
+                  <a:pt x="6053670" y="7139732"/>
+                </a:lnTo>
+                <a:lnTo>
+                  <a:pt x="0" y="7139732"/>
+                </a:lnTo>
+                <a:lnTo>
+                  <a:pt x="0" y="1249853"/>
+                </a:lnTo>
+                <a:lnTo>
+                  <a:pt x="0" y="1084479"/>
+                </a:lnTo>
+                <a:lnTo>
+                  <a:pt x="0" y="0"/>
+                </a:lnTo>
+                <a:lnTo>
+                  <a:pt x="35717" y="5488"/>
+                </a:lnTo>
+                <a:lnTo>
+                  <a:pt x="140445" y="21641"/>
+                </a:lnTo>
+                <a:lnTo>
+                  <a:pt x="216722" y="32932"/>
+                </a:lnTo>
+                <a:lnTo>
+                  <a:pt x="307527" y="44850"/>
+                </a:lnTo>
+                <a:lnTo>
+                  <a:pt x="415282" y="59121"/>
+                </a:lnTo>
+                <a:lnTo>
+                  <a:pt x="534539" y="74175"/>
+                </a:lnTo>
+                <a:lnTo>
+                  <a:pt x="668931" y="90014"/>
+                </a:lnTo>
+                <a:lnTo>
+                  <a:pt x="815430" y="106794"/>
+                </a:lnTo>
+                <a:lnTo>
+                  <a:pt x="974641" y="123574"/>
+                </a:lnTo>
+                <a:lnTo>
+                  <a:pt x="1144144" y="140667"/>
+                </a:lnTo>
+                <a:lnTo>
+                  <a:pt x="1326965" y="156506"/>
+                </a:lnTo>
+                <a:lnTo>
+                  <a:pt x="1518261" y="171717"/>
+                </a:lnTo>
+                <a:lnTo>
+                  <a:pt x="1720453" y="185518"/>
+                </a:lnTo>
+                <a:lnTo>
+                  <a:pt x="1931121" y="198690"/>
+                </a:lnTo>
+                <a:lnTo>
+                  <a:pt x="2150869" y="211079"/>
+                </a:lnTo>
+                <a:lnTo>
+                  <a:pt x="2263467" y="215470"/>
+                </a:lnTo>
+                <a:lnTo>
+                  <a:pt x="2378487" y="220332"/>
+                </a:lnTo>
+                <a:lnTo>
+                  <a:pt x="2495323" y="224879"/>
+                </a:lnTo>
+                <a:lnTo>
+                  <a:pt x="2612764" y="227859"/>
+                </a:lnTo>
+                <a:lnTo>
+                  <a:pt x="2732627" y="230525"/>
+                </a:lnTo>
+                <a:lnTo>
+                  <a:pt x="2853700" y="233348"/>
+                </a:lnTo>
+                <a:lnTo>
+                  <a:pt x="2977195" y="235229"/>
+                </a:lnTo>
+                <a:lnTo>
+                  <a:pt x="3101901" y="235229"/>
+                </a:lnTo>
+                <a:lnTo>
+                  <a:pt x="3227817" y="236170"/>
+                </a:lnTo>
+                <a:lnTo>
+                  <a:pt x="3354944" y="235229"/>
+                </a:lnTo>
+                <a:lnTo>
+                  <a:pt x="3483887" y="233348"/>
+                </a:lnTo>
+                <a:lnTo>
+                  <a:pt x="3612830" y="231623"/>
+                </a:lnTo>
+                <a:lnTo>
+                  <a:pt x="3743590" y="227859"/>
+                </a:lnTo>
+                <a:lnTo>
+                  <a:pt x="3875560" y="223938"/>
+                </a:lnTo>
+                <a:lnTo>
+                  <a:pt x="4007530" y="219391"/>
+                </a:lnTo>
+                <a:lnTo>
+                  <a:pt x="4140710" y="212961"/>
+                </a:lnTo>
+                <a:lnTo>
+                  <a:pt x="4275102" y="205277"/>
+                </a:lnTo>
+                <a:lnTo>
+                  <a:pt x="4410098" y="197907"/>
+                </a:lnTo>
+                <a:lnTo>
+                  <a:pt x="4545096" y="188498"/>
+                </a:lnTo>
+                <a:lnTo>
+                  <a:pt x="4681909" y="177207"/>
+                </a:lnTo>
+                <a:lnTo>
+                  <a:pt x="4816905" y="165916"/>
+                </a:lnTo>
+                <a:lnTo>
+                  <a:pt x="4954323" y="152899"/>
+                </a:lnTo>
+                <a:lnTo>
+                  <a:pt x="5092347" y="138629"/>
+                </a:lnTo>
+                <a:lnTo>
+                  <a:pt x="5228555" y="123574"/>
+                </a:lnTo>
+                <a:lnTo>
+                  <a:pt x="5366578" y="106010"/>
+                </a:lnTo>
+                <a:lnTo>
+                  <a:pt x="5503997" y="87192"/>
+                </a:lnTo>
+                <a:lnTo>
+                  <a:pt x="5642020" y="68530"/>
+                </a:lnTo>
+                <a:lnTo>
+                  <a:pt x="5779438" y="46733"/>
+                </a:lnTo>
+                <a:lnTo>
+                  <a:pt x="5916251" y="24464"/>
+                </a:lnTo>
+                <a:close/>
+              </a:path>
+            </a:pathLst>
+          </a:custGeom>
+          <a:solidFill>
+            <a:schemeClr val="tx1"/>
+          </a:solidFill>
+          <a:ln>
+            <a:noFill/>
+          </a:ln>
+        </p:spPr>
+      </p:sp>
+      <p:sp>
+        <p:nvSpPr>
+          <p:cNvPr id="14" name="Freeform 5">
+            <a:extLst>
+              <a:ext uri="{FF2B5EF4-FFF2-40B4-BE49-F238E27FC236}">
+                <a16:creationId xmlns:a16="http://schemas.microsoft.com/office/drawing/2014/main" id="{0143DE54-7BFF-4B29-8566-DF80EE4CCB07}"/>
+              </a:ext>
+              <a:ext uri="{C183D7F6-B498-43B3-948B-1728B52AA6E4}">
+                <adec:decorative xmlns:adec="http://schemas.microsoft.com/office/drawing/2017/decorative" val="1"/>
+              </a:ext>
+            </a:extLst>
+          </p:cNvPr>
+          <p:cNvSpPr>
+            <a:spLocks noGrp="1" noRot="1" noChangeAspect="1" noMove="1" noResize="1" noEditPoints="1" noAdjustHandles="1" noChangeArrowheads="1" noChangeShapeType="1" noTextEdit="1"/>
+          </p:cNvSpPr>
+          <p:nvPr>
+            <p:extLst>
+              <p:ext uri="{386F3935-93C4-4BCD-93E2-E3B085C9AB24}">
+                <p16:designElem xmlns:p16="http://schemas.microsoft.com/office/powerpoint/2015/main" val="1"/>
+              </p:ext>
+            </p:extLst>
+          </p:nvPr>
+        </p:nvSpPr>
+        <p:spPr bwMode="gray">
+          <a:xfrm>
+            <a:off x="0" y="1587"/>
+            <a:ext cx="12192000" cy="6856413"/>
+          </a:xfrm>
+          <a:custGeom>
+            <a:avLst/>
+            <a:gdLst/>
+            <a:ahLst/>
+            <a:cxnLst/>
+            <a:rect l="0" t="0" r="r" b="b"/>
+            <a:pathLst>
+              <a:path w="15356" h="8638">
+                <a:moveTo>
+                  <a:pt x="0" y="0"/>
+                </a:moveTo>
+                <a:lnTo>
+                  <a:pt x="0" y="8638"/>
+                </a:lnTo>
+                <a:lnTo>
+                  <a:pt x="15356" y="8638"/>
+                </a:lnTo>
+                <a:lnTo>
+                  <a:pt x="15356" y="0"/>
+                </a:lnTo>
+                <a:lnTo>
+                  <a:pt x="0" y="0"/>
+                </a:lnTo>
+                <a:close/>
+                <a:moveTo>
+                  <a:pt x="14748" y="8038"/>
+                </a:moveTo>
+                <a:lnTo>
+                  <a:pt x="600" y="8038"/>
+                </a:lnTo>
+                <a:lnTo>
+                  <a:pt x="600" y="592"/>
+                </a:lnTo>
+                <a:lnTo>
+                  <a:pt x="14748" y="592"/>
+                </a:lnTo>
+                <a:lnTo>
+                  <a:pt x="14748" y="8038"/>
+                </a:lnTo>
+                <a:close/>
+              </a:path>
+            </a:pathLst>
+          </a:custGeom>
+          <a:solidFill>
+            <a:schemeClr val="tx1"/>
+          </a:solidFill>
+          <a:ln>
+            <a:noFill/>
+          </a:ln>
+        </p:spPr>
+      </p:sp>
       <p:sp>
         <p:nvSpPr>
           <p:cNvPr id="2" name="Title 1">
@@ -13851,21 +15133,308 @@
         </p:nvSpPr>
         <p:spPr>
           <a:xfrm>
-            <a:off x="1154954" y="973668"/>
-            <a:ext cx="8761413" cy="706964"/>
+            <a:off x="1154955" y="973668"/>
+            <a:ext cx="2942210" cy="1020232"/>
           </a:xfrm>
         </p:spPr>
         <p:txBody>
-          <a:bodyPr/>
+          <a:bodyPr>
+            <a:normAutofit/>
+          </a:bodyPr>
           <a:lstStyle/>
           <a:p>
+            <a:pPr>
+              <a:lnSpc>
+                <a:spcPct val="90000"/>
+              </a:lnSpc>
+            </a:pPr>
             <a:r>
-              <a:rPr lang="en-IE"/>
+              <a:rPr lang="en-IE" sz="2500">
+                <a:solidFill>
+                  <a:srgbClr val="FFFFFE"/>
+                </a:solidFill>
+              </a:rPr>
               <a:t>Character design and controls</a:t>
             </a:r>
-            <a:endParaRPr lang="en-IE" dirty="0"/>
           </a:p>
         </p:txBody>
+      </p:sp>
+      <p:sp>
+        <p:nvSpPr>
+          <p:cNvPr id="16" name="Freeform 5">
+            <a:extLst>
+              <a:ext uri="{FF2B5EF4-FFF2-40B4-BE49-F238E27FC236}">
+                <a16:creationId xmlns:a16="http://schemas.microsoft.com/office/drawing/2014/main" id="{7C661810-D461-4214-A635-30A7D1714054}"/>
+              </a:ext>
+              <a:ext uri="{C183D7F6-B498-43B3-948B-1728B52AA6E4}">
+                <adec:decorative xmlns:adec="http://schemas.microsoft.com/office/drawing/2017/decorative" val="1"/>
+              </a:ext>
+            </a:extLst>
+          </p:cNvPr>
+          <p:cNvSpPr>
+            <a:spLocks noGrp="1" noRot="1" noChangeAspect="1" noMove="1" noResize="1" noEditPoints="1" noAdjustHandles="1" noChangeArrowheads="1" noChangeShapeType="1" noTextEdit="1"/>
+          </p:cNvSpPr>
+          <p:nvPr>
+            <p:extLst>
+              <p:ext uri="{386F3935-93C4-4BCD-93E2-E3B085C9AB24}">
+                <p16:designElem xmlns:p16="http://schemas.microsoft.com/office/powerpoint/2015/main" val="1"/>
+              </p:ext>
+            </p:extLst>
+          </p:nvPr>
+        </p:nvSpPr>
+        <p:spPr bwMode="gray">
+          <a:xfrm rot="15922489">
+            <a:off x="3140485" y="1826078"/>
+            <a:ext cx="3299407" cy="440924"/>
+          </a:xfrm>
+          <a:custGeom>
+            <a:avLst/>
+            <a:gdLst/>
+            <a:ahLst/>
+            <a:cxnLst/>
+            <a:rect l="l" t="t" r="r" b="b"/>
+            <a:pathLst>
+              <a:path w="10000" h="5291">
+                <a:moveTo>
+                  <a:pt x="85" y="2532"/>
+                </a:moveTo>
+                <a:cubicBezTo>
+                  <a:pt x="1736" y="3911"/>
+                  <a:pt x="7524" y="5298"/>
+                  <a:pt x="9958" y="5291"/>
+                </a:cubicBezTo>
+                <a:cubicBezTo>
+                  <a:pt x="9989" y="1958"/>
+                  <a:pt x="9969" y="3333"/>
+                  <a:pt x="10000" y="0"/>
+                </a:cubicBezTo>
+                <a:lnTo>
+                  <a:pt x="10000" y="0"/>
+                </a:lnTo>
+                <a:lnTo>
+                  <a:pt x="9667" y="204"/>
+                </a:lnTo>
+                <a:lnTo>
+                  <a:pt x="9334" y="400"/>
+                </a:lnTo>
+                <a:lnTo>
+                  <a:pt x="9001" y="590"/>
+                </a:lnTo>
+                <a:lnTo>
+                  <a:pt x="8667" y="753"/>
+                </a:lnTo>
+                <a:lnTo>
+                  <a:pt x="8333" y="917"/>
+                </a:lnTo>
+                <a:lnTo>
+                  <a:pt x="7999" y="1071"/>
+                </a:lnTo>
+                <a:lnTo>
+                  <a:pt x="7669" y="1202"/>
+                </a:lnTo>
+                <a:lnTo>
+                  <a:pt x="7333" y="1325"/>
+                </a:lnTo>
+                <a:lnTo>
+                  <a:pt x="7000" y="1440"/>
+                </a:lnTo>
+                <a:lnTo>
+                  <a:pt x="6673" y="1538"/>
+                </a:lnTo>
+                <a:lnTo>
+                  <a:pt x="6340" y="1636"/>
+                </a:lnTo>
+                <a:lnTo>
+                  <a:pt x="6013" y="1719"/>
+                </a:lnTo>
+                <a:lnTo>
+                  <a:pt x="5686" y="1784"/>
+                </a:lnTo>
+                <a:lnTo>
+                  <a:pt x="5359" y="1850"/>
+                </a:lnTo>
+                <a:lnTo>
+                  <a:pt x="5036" y="1906"/>
+                </a:lnTo>
+                <a:lnTo>
+                  <a:pt x="4717" y="1948"/>
+                </a:lnTo>
+                <a:lnTo>
+                  <a:pt x="4396" y="1980"/>
+                </a:lnTo>
+                <a:lnTo>
+                  <a:pt x="4079" y="2013"/>
+                </a:lnTo>
+                <a:lnTo>
+                  <a:pt x="3766" y="2029"/>
+                </a:lnTo>
+                <a:lnTo>
+                  <a:pt x="3454" y="2046"/>
+                </a:lnTo>
+                <a:lnTo>
+                  <a:pt x="3145" y="2053"/>
+                </a:lnTo>
+                <a:lnTo>
+                  <a:pt x="2839" y="2046"/>
+                </a:lnTo>
+                <a:lnTo>
+                  <a:pt x="2537" y="2046"/>
+                </a:lnTo>
+                <a:lnTo>
+                  <a:pt x="2238" y="2029"/>
+                </a:lnTo>
+                <a:lnTo>
+                  <a:pt x="1943" y="2004"/>
+                </a:lnTo>
+                <a:lnTo>
+                  <a:pt x="1653" y="1980"/>
+                </a:lnTo>
+                <a:lnTo>
+                  <a:pt x="1368" y="1955"/>
+                </a:lnTo>
+                <a:lnTo>
+                  <a:pt x="1085" y="1915"/>
+                </a:lnTo>
+                <a:lnTo>
+                  <a:pt x="806" y="1873"/>
+                </a:lnTo>
+                <a:lnTo>
+                  <a:pt x="533" y="1833"/>
+                </a:lnTo>
+                <a:lnTo>
+                  <a:pt x="0" y="1726"/>
+                </a:lnTo>
+                <a:cubicBezTo>
+                  <a:pt x="28" y="1995"/>
+                  <a:pt x="57" y="2263"/>
+                  <a:pt x="85" y="2532"/>
+                </a:cubicBezTo>
+                <a:close/>
+              </a:path>
+            </a:pathLst>
+          </a:custGeom>
+          <a:solidFill>
+            <a:schemeClr val="tx1">
+              <a:alpha val="20000"/>
+            </a:schemeClr>
+          </a:solidFill>
+          <a:ln>
+            <a:noFill/>
+          </a:ln>
+        </p:spPr>
+      </p:sp>
+      <p:pic>
+        <p:nvPicPr>
+          <p:cNvPr id="4" name="Picture 5" descr="A screenshot of a video game&#10;&#10;Description generated with high confidence">
+            <a:extLst>
+              <a:ext uri="{FF2B5EF4-FFF2-40B4-BE49-F238E27FC236}">
+                <a16:creationId xmlns:a16="http://schemas.microsoft.com/office/drawing/2014/main" id="{A3DE7060-4C12-42BE-80B4-056C4A64FC40}"/>
+              </a:ext>
+            </a:extLst>
+          </p:cNvPr>
+          <p:cNvPicPr>
+            <a:picLocks noChangeAspect="1"/>
+          </p:cNvPicPr>
+          <p:nvPr/>
+        </p:nvPicPr>
+        <p:blipFill>
+          <a:blip r:embed="rId2"/>
+          <a:stretch>
+            <a:fillRect/>
+          </a:stretch>
+        </p:blipFill>
+        <p:spPr>
+          <a:xfrm>
+            <a:off x="5274856" y="803751"/>
+            <a:ext cx="2953404" cy="5250498"/>
+          </a:xfrm>
+          <a:prstGeom prst="rect">
+            <a:avLst/>
+          </a:prstGeom>
+        </p:spPr>
+      </p:pic>
+      <p:pic>
+        <p:nvPicPr>
+          <p:cNvPr id="5" name="Picture 4">
+            <a:extLst>
+              <a:ext uri="{FF2B5EF4-FFF2-40B4-BE49-F238E27FC236}">
+                <a16:creationId xmlns:a16="http://schemas.microsoft.com/office/drawing/2014/main" id="{57B78E8E-705E-472F-B06E-4192588CFDF3}"/>
+              </a:ext>
+            </a:extLst>
+          </p:cNvPr>
+          <p:cNvPicPr>
+            <a:picLocks noChangeAspect="1"/>
+          </p:cNvPicPr>
+          <p:nvPr/>
+        </p:nvPicPr>
+        <p:blipFill>
+          <a:blip r:embed="rId3"/>
+          <a:stretch>
+            <a:fillRect/>
+          </a:stretch>
+        </p:blipFill>
+        <p:spPr>
+          <a:xfrm>
+            <a:off x="8472236" y="1875901"/>
+            <a:ext cx="3113904" cy="3106196"/>
+          </a:xfrm>
+          <a:prstGeom prst="rect">
+            <a:avLst/>
+          </a:prstGeom>
+        </p:spPr>
+      </p:pic>
+      <p:sp>
+        <p:nvSpPr>
+          <p:cNvPr id="18" name="Rectangle 17">
+            <a:extLst>
+              <a:ext uri="{FF2B5EF4-FFF2-40B4-BE49-F238E27FC236}">
+                <a16:creationId xmlns:a16="http://schemas.microsoft.com/office/drawing/2014/main" id="{ED6475A3-FF98-4FA0-B527-600EBA9BD68F}"/>
+              </a:ext>
+              <a:ext uri="{C183D7F6-B498-43B3-948B-1728B52AA6E4}">
+                <adec:decorative xmlns:adec="http://schemas.microsoft.com/office/drawing/2017/decorative" val="1"/>
+              </a:ext>
+            </a:extLst>
+          </p:cNvPr>
+          <p:cNvSpPr>
+            <a:spLocks noGrp="1" noRot="1" noChangeAspect="1" noMove="1" noResize="1" noEditPoints="1" noAdjustHandles="1" noChangeArrowheads="1" noChangeShapeType="1" noTextEdit="1"/>
+          </p:cNvSpPr>
+          <p:nvPr>
+            <p:extLst>
+              <p:ext uri="{386F3935-93C4-4BCD-93E2-E3B085C9AB24}">
+                <p16:designElem xmlns:p16="http://schemas.microsoft.com/office/powerpoint/2015/main" val="1"/>
+              </p:ext>
+            </p:extLst>
+          </p:nvPr>
+        </p:nvSpPr>
+        <p:spPr>
+          <a:xfrm>
+            <a:off x="10437812" y="0"/>
+            <a:ext cx="685800" cy="1143000"/>
+          </a:xfrm>
+          <a:prstGeom prst="rect">
+            <a:avLst/>
+          </a:prstGeom>
+          <a:solidFill>
+            <a:schemeClr val="accent1"/>
+          </a:solidFill>
+          <a:ln>
+            <a:noFill/>
+          </a:ln>
+        </p:spPr>
+        <p:style>
+          <a:lnRef idx="1">
+            <a:schemeClr val="accent1"/>
+          </a:lnRef>
+          <a:fillRef idx="3">
+            <a:schemeClr val="accent1"/>
+          </a:fillRef>
+          <a:effectRef idx="2">
+            <a:schemeClr val="accent1"/>
+          </a:effectRef>
+          <a:fontRef idx="minor">
+            <a:schemeClr val="lt1"/>
+          </a:fontRef>
+        </p:style>
       </p:sp>
       <p:sp>
         <p:nvSpPr>
@@ -13885,78 +15454,47 @@
         </p:nvSpPr>
         <p:spPr>
           <a:xfrm>
-            <a:off x="1154954" y="2603500"/>
-            <a:ext cx="8825659" cy="3416300"/>
+            <a:off x="1154955" y="2120900"/>
+            <a:ext cx="3133726" cy="3898900"/>
           </a:xfrm>
         </p:spPr>
         <p:txBody>
-          <a:bodyPr/>
+          <a:bodyPr>
+            <a:normAutofit/>
+          </a:bodyPr>
           <a:lstStyle/>
           <a:p>
-            <a:pPr>
-              <a:lnSpc>
-                <a:spcPct val="300000"/>
-              </a:lnSpc>
-            </a:pPr>
             <a:r>
-              <a:rPr lang="en-IE" dirty="0"/>
+              <a:rPr lang="en-IE">
+                <a:solidFill>
+                  <a:srgbClr val="FFFFFE"/>
+                </a:solidFill>
+              </a:rPr>
               <a:t>Vertical phone screen.</a:t>
             </a:r>
           </a:p>
           <a:p>
-            <a:pPr>
-              <a:lnSpc>
-                <a:spcPct val="300000"/>
-              </a:lnSpc>
-            </a:pPr>
             <a:r>
-              <a:rPr lang="en-IE" dirty="0"/>
+              <a:rPr lang="en-IE">
+                <a:solidFill>
+                  <a:srgbClr val="FFFFFE"/>
+                </a:solidFill>
+              </a:rPr>
               <a:t>3 buttons: left, right and jump.</a:t>
             </a:r>
           </a:p>
           <a:p>
-            <a:pPr>
-              <a:lnSpc>
-                <a:spcPct val="300000"/>
-              </a:lnSpc>
-            </a:pPr>
             <a:r>
-              <a:rPr lang="en-IE" dirty="0"/>
+              <a:rPr lang="en-IE">
+                <a:solidFill>
+                  <a:srgbClr val="FFFFFE"/>
+                </a:solidFill>
+              </a:rPr>
               <a:t>Easy mid air control.</a:t>
             </a:r>
           </a:p>
         </p:txBody>
       </p:sp>
-      <p:pic>
-        <p:nvPicPr>
-          <p:cNvPr id="5" name="Picture 4">
-            <a:extLst>
-              <a:ext uri="{FF2B5EF4-FFF2-40B4-BE49-F238E27FC236}">
-                <a16:creationId xmlns:a16="http://schemas.microsoft.com/office/drawing/2014/main" id="{57B78E8E-705E-472F-B06E-4192588CFDF3}"/>
-              </a:ext>
-            </a:extLst>
-          </p:cNvPr>
-          <p:cNvPicPr>
-            <a:picLocks noChangeAspect="1"/>
-          </p:cNvPicPr>
-          <p:nvPr/>
-        </p:nvPicPr>
-        <p:blipFill>
-          <a:blip r:embed="rId2"/>
-          <a:stretch>
-            <a:fillRect/>
-          </a:stretch>
-        </p:blipFill>
-        <p:spPr>
-          <a:xfrm>
-            <a:off x="7529804" y="2562369"/>
-            <a:ext cx="3507242" cy="3498561"/>
-          </a:xfrm>
-          <a:prstGeom prst="rect">
-            <a:avLst/>
-          </a:prstGeom>
-        </p:spPr>
-      </p:pic>
     </p:spTree>
     <p:extLst>
       <p:ext uri="{BB962C8B-B14F-4D97-AF65-F5344CB8AC3E}">
@@ -13965,7 +15503,7 @@
     </p:extLst>
   </p:cSld>
   <p:clrMapOvr>
-    <a:masterClrMapping/>
+    <a:overrideClrMapping bg1="dk1" tx1="lt1" bg2="dk2" tx2="lt2" accent1="accent1" accent2="accent2" accent3="accent3" accent4="accent4" accent5="accent5" accent6="accent6" hlink="hlink" folHlink="folHlink"/>
   </p:clrMapOvr>
 </p:sld>
 </file>
@@ -16177,4 +17715,299 @@
     </a:ext>
   </a:extLst>
 </a:theme>
+</file>
+
+<file path=ppt/theme/theme2.xml><?xml version="1.0" encoding="utf-8"?>
+<a:theme xmlns:a="http://schemas.openxmlformats.org/drawingml/2006/main" name="Office Theme">
+  <a:themeElements>
+    <a:clrScheme name="Office">
+      <a:dk1>
+        <a:sysClr val="windowText" lastClr="000000"/>
+      </a:dk1>
+      <a:lt1>
+        <a:sysClr val="window" lastClr="FFFFFF"/>
+      </a:lt1>
+      <a:dk2>
+        <a:srgbClr val="44546A"/>
+      </a:dk2>
+      <a:lt2>
+        <a:srgbClr val="E7E6E6"/>
+      </a:lt2>
+      <a:accent1>
+        <a:srgbClr val="4472C4"/>
+      </a:accent1>
+      <a:accent2>
+        <a:srgbClr val="ED7D31"/>
+      </a:accent2>
+      <a:accent3>
+        <a:srgbClr val="A5A5A5"/>
+      </a:accent3>
+      <a:accent4>
+        <a:srgbClr val="FFC000"/>
+      </a:accent4>
+      <a:accent5>
+        <a:srgbClr val="5B9BD5"/>
+      </a:accent5>
+      <a:accent6>
+        <a:srgbClr val="70AD47"/>
+      </a:accent6>
+      <a:hlink>
+        <a:srgbClr val="0563C1"/>
+      </a:hlink>
+      <a:folHlink>
+        <a:srgbClr val="954F72"/>
+      </a:folHlink>
+    </a:clrScheme>
+    <a:fontScheme name="Office">
+      <a:majorFont>
+        <a:latin typeface="Calibri Light" panose="020F0302020204030204"/>
+        <a:ea typeface=""/>
+        <a:cs typeface=""/>
+        <a:font script="Jpan" typeface="游ゴシック Light"/>
+        <a:font script="Hang" typeface="맑은 고딕"/>
+        <a:font script="Hans" typeface="等线 Light"/>
+        <a:font script="Hant" typeface="新細明體"/>
+        <a:font script="Arab" typeface="Times New Roman"/>
+        <a:font script="Hebr" typeface="Times New Roman"/>
+        <a:font script="Thai" typeface="Angsana New"/>
+        <a:font script="Ethi" typeface="Nyala"/>
+        <a:font script="Beng" typeface="Vrinda"/>
+        <a:font script="Gujr" typeface="Shruti"/>
+        <a:font script="Khmr" typeface="MoolBoran"/>
+        <a:font script="Knda" typeface="Tunga"/>
+        <a:font script="Guru" typeface="Raavi"/>
+        <a:font script="Cans" typeface="Euphemia"/>
+        <a:font script="Cher" typeface="Plantagenet Cherokee"/>
+        <a:font script="Yiii" typeface="Microsoft Yi Baiti"/>
+        <a:font script="Tibt" typeface="Microsoft Himalaya"/>
+        <a:font script="Thaa" typeface="MV Boli"/>
+        <a:font script="Deva" typeface="Mangal"/>
+        <a:font script="Telu" typeface="Gautami"/>
+        <a:font script="Taml" typeface="Latha"/>
+        <a:font script="Syrc" typeface="Estrangelo Edessa"/>
+        <a:font script="Orya" typeface="Kalinga"/>
+        <a:font script="Mlym" typeface="Kartika"/>
+        <a:font script="Laoo" typeface="DokChampa"/>
+        <a:font script="Sinh" typeface="Iskoola Pota"/>
+        <a:font script="Mong" typeface="Mongolian Baiti"/>
+        <a:font script="Viet" typeface="Times New Roman"/>
+        <a:font script="Uigh" typeface="Microsoft Uighur"/>
+        <a:font script="Geor" typeface="Sylfaen"/>
+        <a:font script="Armn" typeface="Arial"/>
+        <a:font script="Bugi" typeface="Leelawadee UI"/>
+        <a:font script="Bopo" typeface="Microsoft JhengHei"/>
+        <a:font script="Java" typeface="Javanese Text"/>
+        <a:font script="Lisu" typeface="Segoe UI"/>
+        <a:font script="Mymr" typeface="Myanmar Text"/>
+        <a:font script="Nkoo" typeface="Ebrima"/>
+        <a:font script="Olck" typeface="Nirmala UI"/>
+        <a:font script="Osma" typeface="Ebrima"/>
+        <a:font script="Phag" typeface="Phagspa"/>
+        <a:font script="Syrn" typeface="Estrangelo Edessa"/>
+        <a:font script="Syrj" typeface="Estrangelo Edessa"/>
+        <a:font script="Syre" typeface="Estrangelo Edessa"/>
+        <a:font script="Sora" typeface="Nirmala UI"/>
+        <a:font script="Tale" typeface="Microsoft Tai Le"/>
+        <a:font script="Talu" typeface="Microsoft New Tai Lue"/>
+        <a:font script="Tfng" typeface="Ebrima"/>
+      </a:majorFont>
+      <a:minorFont>
+        <a:latin typeface="Calibri" panose="020F0502020204030204"/>
+        <a:ea typeface=""/>
+        <a:cs typeface=""/>
+        <a:font script="Jpan" typeface="游ゴシック"/>
+        <a:font script="Hang" typeface="맑은 고딕"/>
+        <a:font script="Hans" typeface="等线"/>
+        <a:font script="Hant" typeface="新細明體"/>
+        <a:font script="Arab" typeface="Arial"/>
+        <a:font script="Hebr" typeface="Arial"/>
+        <a:font script="Thai" typeface="Cordia New"/>
+        <a:font script="Ethi" typeface="Nyala"/>
+        <a:font script="Beng" typeface="Vrinda"/>
+        <a:font script="Gujr" typeface="Shruti"/>
+        <a:font script="Khmr" typeface="DaunPenh"/>
+        <a:font script="Knda" typeface="Tunga"/>
+        <a:font script="Guru" typeface="Raavi"/>
+        <a:font script="Cans" typeface="Euphemia"/>
+        <a:font script="Cher" typeface="Plantagenet Cherokee"/>
+        <a:font script="Yiii" typeface="Microsoft Yi Baiti"/>
+        <a:font script="Tibt" typeface="Microsoft Himalaya"/>
+        <a:font script="Thaa" typeface="MV Boli"/>
+        <a:font script="Deva" typeface="Mangal"/>
+        <a:font script="Telu" typeface="Gautami"/>
+        <a:font script="Taml" typeface="Latha"/>
+        <a:font script="Syrc" typeface="Estrangelo Edessa"/>
+        <a:font script="Orya" typeface="Kalinga"/>
+        <a:font script="Mlym" typeface="Kartika"/>
+        <a:font script="Laoo" typeface="DokChampa"/>
+        <a:font script="Sinh" typeface="Iskoola Pota"/>
+        <a:font script="Mong" typeface="Mongolian Baiti"/>
+        <a:font script="Viet" typeface="Arial"/>
+        <a:font script="Uigh" typeface="Microsoft Uighur"/>
+        <a:font script="Geor" typeface="Sylfaen"/>
+        <a:font script="Armn" typeface="Arial"/>
+        <a:font script="Bugi" typeface="Leelawadee UI"/>
+        <a:font script="Bopo" typeface="Microsoft JhengHei"/>
+        <a:font script="Java" typeface="Javanese Text"/>
+        <a:font script="Lisu" typeface="Segoe UI"/>
+        <a:font script="Mymr" typeface="Myanmar Text"/>
+        <a:font script="Nkoo" typeface="Ebrima"/>
+        <a:font script="Olck" typeface="Nirmala UI"/>
+        <a:font script="Osma" typeface="Ebrima"/>
+        <a:font script="Phag" typeface="Phagspa"/>
+        <a:font script="Syrn" typeface="Estrangelo Edessa"/>
+        <a:font script="Syrj" typeface="Estrangelo Edessa"/>
+        <a:font script="Syre" typeface="Estrangelo Edessa"/>
+        <a:font script="Sora" typeface="Nirmala UI"/>
+        <a:font script="Tale" typeface="Microsoft Tai Le"/>
+        <a:font script="Talu" typeface="Microsoft New Tai Lue"/>
+        <a:font script="Tfng" typeface="Ebrima"/>
+      </a:minorFont>
+    </a:fontScheme>
+    <a:fmtScheme name="Office">
+      <a:fillStyleLst>
+        <a:solidFill>
+          <a:schemeClr val="phClr"/>
+        </a:solidFill>
+        <a:gradFill rotWithShape="1">
+          <a:gsLst>
+            <a:gs pos="0">
+              <a:schemeClr val="phClr">
+                <a:lumMod val="110000"/>
+                <a:satMod val="105000"/>
+                <a:tint val="67000"/>
+              </a:schemeClr>
+            </a:gs>
+            <a:gs pos="50000">
+              <a:schemeClr val="phClr">
+                <a:lumMod val="105000"/>
+                <a:satMod val="103000"/>
+                <a:tint val="73000"/>
+              </a:schemeClr>
+            </a:gs>
+            <a:gs pos="100000">
+              <a:schemeClr val="phClr">
+                <a:lumMod val="105000"/>
+                <a:satMod val="109000"/>
+                <a:tint val="81000"/>
+              </a:schemeClr>
+            </a:gs>
+          </a:gsLst>
+          <a:lin ang="5400000" scaled="0"/>
+        </a:gradFill>
+        <a:gradFill rotWithShape="1">
+          <a:gsLst>
+            <a:gs pos="0">
+              <a:schemeClr val="phClr">
+                <a:satMod val="103000"/>
+                <a:lumMod val="102000"/>
+                <a:tint val="94000"/>
+              </a:schemeClr>
+            </a:gs>
+            <a:gs pos="50000">
+              <a:schemeClr val="phClr">
+                <a:satMod val="110000"/>
+                <a:lumMod val="100000"/>
+                <a:shade val="100000"/>
+              </a:schemeClr>
+            </a:gs>
+            <a:gs pos="100000">
+              <a:schemeClr val="phClr">
+                <a:lumMod val="99000"/>
+                <a:satMod val="120000"/>
+                <a:shade val="78000"/>
+              </a:schemeClr>
+            </a:gs>
+          </a:gsLst>
+          <a:lin ang="5400000" scaled="0"/>
+        </a:gradFill>
+      </a:fillStyleLst>
+      <a:lnStyleLst>
+        <a:ln w="6350" cap="flat" cmpd="sng" algn="ctr">
+          <a:solidFill>
+            <a:schemeClr val="phClr"/>
+          </a:solidFill>
+          <a:prstDash val="solid"/>
+          <a:miter lim="800000"/>
+        </a:ln>
+        <a:ln w="12700" cap="flat" cmpd="sng" algn="ctr">
+          <a:solidFill>
+            <a:schemeClr val="phClr"/>
+          </a:solidFill>
+          <a:prstDash val="solid"/>
+          <a:miter lim="800000"/>
+        </a:ln>
+        <a:ln w="19050" cap="flat" cmpd="sng" algn="ctr">
+          <a:solidFill>
+            <a:schemeClr val="phClr"/>
+          </a:solidFill>
+          <a:prstDash val="solid"/>
+          <a:miter lim="800000"/>
+        </a:ln>
+      </a:lnStyleLst>
+      <a:effectStyleLst>
+        <a:effectStyle>
+          <a:effectLst/>
+        </a:effectStyle>
+        <a:effectStyle>
+          <a:effectLst/>
+        </a:effectStyle>
+        <a:effectStyle>
+          <a:effectLst>
+            <a:outerShdw blurRad="57150" dist="19050" dir="5400000" algn="ctr" rotWithShape="0">
+              <a:srgbClr val="000000">
+                <a:alpha val="63000"/>
+              </a:srgbClr>
+            </a:outerShdw>
+          </a:effectLst>
+        </a:effectStyle>
+      </a:effectStyleLst>
+      <a:bgFillStyleLst>
+        <a:solidFill>
+          <a:schemeClr val="phClr"/>
+        </a:solidFill>
+        <a:solidFill>
+          <a:schemeClr val="phClr">
+            <a:tint val="95000"/>
+            <a:satMod val="170000"/>
+          </a:schemeClr>
+        </a:solidFill>
+        <a:gradFill rotWithShape="1">
+          <a:gsLst>
+            <a:gs pos="0">
+              <a:schemeClr val="phClr">
+                <a:tint val="93000"/>
+                <a:satMod val="150000"/>
+                <a:shade val="98000"/>
+                <a:lumMod val="102000"/>
+              </a:schemeClr>
+            </a:gs>
+            <a:gs pos="50000">
+              <a:schemeClr val="phClr">
+                <a:tint val="98000"/>
+                <a:satMod val="130000"/>
+                <a:shade val="90000"/>
+                <a:lumMod val="103000"/>
+              </a:schemeClr>
+            </a:gs>
+            <a:gs pos="100000">
+              <a:schemeClr val="phClr">
+                <a:shade val="63000"/>
+                <a:satMod val="120000"/>
+              </a:schemeClr>
+            </a:gs>
+          </a:gsLst>
+          <a:lin ang="5400000" scaled="0"/>
+        </a:gradFill>
+      </a:bgFillStyleLst>
+    </a:fmtScheme>
+  </a:themeElements>
+  <a:objectDefaults/>
+  <a:extraClrSchemeLst/>
+  <a:extLst>
+    <a:ext uri="{05A4C25C-085E-4340-85A3-A5531E510DB2}">
+      <thm15:themeFamily xmlns:thm15="http://schemas.microsoft.com/office/thememl/2012/main" name="Office Theme" id="{62F939B6-93AF-4DB8-9C6B-D6C7DFDC589F}" vid="{4A3C46E8-61CC-4603-A589-7422A47A8E4A}"/>
+    </a:ext>
+  </a:extLst>
+</a:theme>
 </file>